--- a/Task 4/Task4_G4_presentation.pptx
+++ b/Task 4/Task4_G4_presentation.pptx
@@ -20,6 +20,10 @@
     <p:sldId id="266" r:id="rId14"/>
     <p:sldId id="267" r:id="rId15"/>
     <p:sldId id="268" r:id="rId16"/>
+    <p:sldId id="272" r:id="rId17"/>
+    <p:sldId id="275" r:id="rId18"/>
+    <p:sldId id="273" r:id="rId19"/>
+    <p:sldId id="274" r:id="rId20"/>
   </p:sldIdLst>
   <p:sldSz cx="12192000" cy="6858000"/>
   <p:notesSz cx="6858000" cy="9144000"/>
@@ -135,6 +139,444 @@
     </p:ext>
   </p:extLst>
 </p:presentation>
+</file>
+
+<file path=ppt/changesInfos/changesInfo1.xml><?xml version="1.0" encoding="utf-8"?>
+<pc:chgInfo xmlns:a="http://schemas.openxmlformats.org/drawingml/2006/main" xmlns:r="http://schemas.openxmlformats.org/officeDocument/2006/relationships" xmlns:ac="http://schemas.microsoft.com/office/drawing/2013/main/command" xmlns:pc="http://schemas.microsoft.com/office/powerpoint/2013/main/command">
+  <pc:docChgLst>
+    <pc:chgData name="mohamed hassan" userId="f452d30685250ba8" providerId="LiveId" clId="{7B436DBB-0C4A-42D6-829E-17A083F07C2C}"/>
+    <pc:docChg chg="undo custSel addSld modSld">
+      <pc:chgData name="mohamed hassan" userId="f452d30685250ba8" providerId="LiveId" clId="{7B436DBB-0C4A-42D6-829E-17A083F07C2C}" dt="2022-03-19T20:42:53.604" v="145" actId="20577"/>
+      <pc:docMkLst>
+        <pc:docMk/>
+      </pc:docMkLst>
+      <pc:sldChg chg="modSp mod">
+        <pc:chgData name="mohamed hassan" userId="f452d30685250ba8" providerId="LiveId" clId="{7B436DBB-0C4A-42D6-829E-17A083F07C2C}" dt="2022-03-19T20:40:30.149" v="53" actId="1076"/>
+        <pc:sldMkLst>
+          <pc:docMk/>
+          <pc:sldMk cId="3892894582" sldId="265"/>
+        </pc:sldMkLst>
+        <pc:picChg chg="mod">
+          <ac:chgData name="mohamed hassan" userId="f452d30685250ba8" providerId="LiveId" clId="{7B436DBB-0C4A-42D6-829E-17A083F07C2C}" dt="2022-03-19T20:40:30.149" v="53" actId="1076"/>
+          <ac:picMkLst>
+            <pc:docMk/>
+            <pc:sldMk cId="3892894582" sldId="265"/>
+            <ac:picMk id="6" creationId="{F0BF4B71-CEEC-4D7D-9DEB-3EFB3B823A18}"/>
+          </ac:picMkLst>
+        </pc:picChg>
+        <pc:picChg chg="mod">
+          <ac:chgData name="mohamed hassan" userId="f452d30685250ba8" providerId="LiveId" clId="{7B436DBB-0C4A-42D6-829E-17A083F07C2C}" dt="2022-03-19T20:40:30.149" v="53" actId="1076"/>
+          <ac:picMkLst>
+            <pc:docMk/>
+            <pc:sldMk cId="3892894582" sldId="265"/>
+            <ac:picMk id="8" creationId="{1726791B-8BDE-4B3C-87CB-5FD71C22AE55}"/>
+          </ac:picMkLst>
+        </pc:picChg>
+      </pc:sldChg>
+      <pc:sldChg chg="modSp mod">
+        <pc:chgData name="mohamed hassan" userId="f452d30685250ba8" providerId="LiveId" clId="{7B436DBB-0C4A-42D6-829E-17A083F07C2C}" dt="2022-03-19T20:40:37.737" v="55" actId="1076"/>
+        <pc:sldMkLst>
+          <pc:docMk/>
+          <pc:sldMk cId="4097753054" sldId="266"/>
+        </pc:sldMkLst>
+        <pc:picChg chg="mod">
+          <ac:chgData name="mohamed hassan" userId="f452d30685250ba8" providerId="LiveId" clId="{7B436DBB-0C4A-42D6-829E-17A083F07C2C}" dt="2022-03-19T20:40:37.737" v="55" actId="1076"/>
+          <ac:picMkLst>
+            <pc:docMk/>
+            <pc:sldMk cId="4097753054" sldId="266"/>
+            <ac:picMk id="6" creationId="{01C65BCE-3DC5-4FFC-9EEB-7ECBD21E05B5}"/>
+          </ac:picMkLst>
+        </pc:picChg>
+        <pc:picChg chg="mod">
+          <ac:chgData name="mohamed hassan" userId="f452d30685250ba8" providerId="LiveId" clId="{7B436DBB-0C4A-42D6-829E-17A083F07C2C}" dt="2022-03-19T20:40:37.737" v="55" actId="1076"/>
+          <ac:picMkLst>
+            <pc:docMk/>
+            <pc:sldMk cId="4097753054" sldId="266"/>
+            <ac:picMk id="8" creationId="{716CAA6A-6BC0-4A68-8055-C9925DA716EA}"/>
+          </ac:picMkLst>
+        </pc:picChg>
+      </pc:sldChg>
+      <pc:sldChg chg="modSp mod">
+        <pc:chgData name="mohamed hassan" userId="f452d30685250ba8" providerId="LiveId" clId="{7B436DBB-0C4A-42D6-829E-17A083F07C2C}" dt="2022-03-19T20:40:45.365" v="57" actId="1076"/>
+        <pc:sldMkLst>
+          <pc:docMk/>
+          <pc:sldMk cId="3395967270" sldId="267"/>
+        </pc:sldMkLst>
+        <pc:picChg chg="mod">
+          <ac:chgData name="mohamed hassan" userId="f452d30685250ba8" providerId="LiveId" clId="{7B436DBB-0C4A-42D6-829E-17A083F07C2C}" dt="2022-03-19T20:40:45.365" v="57" actId="1076"/>
+          <ac:picMkLst>
+            <pc:docMk/>
+            <pc:sldMk cId="3395967270" sldId="267"/>
+            <ac:picMk id="12" creationId="{98EF6E57-8EF0-4AB4-A62A-0DB3F5894FBD}"/>
+          </ac:picMkLst>
+        </pc:picChg>
+        <pc:picChg chg="mod">
+          <ac:chgData name="mohamed hassan" userId="f452d30685250ba8" providerId="LiveId" clId="{7B436DBB-0C4A-42D6-829E-17A083F07C2C}" dt="2022-03-19T20:40:45.365" v="57" actId="1076"/>
+          <ac:picMkLst>
+            <pc:docMk/>
+            <pc:sldMk cId="3395967270" sldId="267"/>
+            <ac:picMk id="16" creationId="{2F9A46C8-42F3-4DEA-930F-7AAE719828A7}"/>
+          </ac:picMkLst>
+        </pc:picChg>
+      </pc:sldChg>
+      <pc:sldChg chg="modSp mod">
+        <pc:chgData name="mohamed hassan" userId="f452d30685250ba8" providerId="LiveId" clId="{7B436DBB-0C4A-42D6-829E-17A083F07C2C}" dt="2022-03-19T20:40:51.257" v="59" actId="1076"/>
+        <pc:sldMkLst>
+          <pc:docMk/>
+          <pc:sldMk cId="3208742275" sldId="268"/>
+        </pc:sldMkLst>
+        <pc:picChg chg="mod">
+          <ac:chgData name="mohamed hassan" userId="f452d30685250ba8" providerId="LiveId" clId="{7B436DBB-0C4A-42D6-829E-17A083F07C2C}" dt="2022-03-19T20:40:51.257" v="59" actId="1076"/>
+          <ac:picMkLst>
+            <pc:docMk/>
+            <pc:sldMk cId="3208742275" sldId="268"/>
+            <ac:picMk id="12" creationId="{90FB6B58-1D2A-4453-AF54-CA3CB4E1D58C}"/>
+          </ac:picMkLst>
+        </pc:picChg>
+        <pc:picChg chg="mod">
+          <ac:chgData name="mohamed hassan" userId="f452d30685250ba8" providerId="LiveId" clId="{7B436DBB-0C4A-42D6-829E-17A083F07C2C}" dt="2022-03-19T20:40:51.257" v="59" actId="1076"/>
+          <ac:picMkLst>
+            <pc:docMk/>
+            <pc:sldMk cId="3208742275" sldId="268"/>
+            <ac:picMk id="20" creationId="{C650C6E1-CD07-426C-A38B-3A0F528E59AE}"/>
+          </ac:picMkLst>
+        </pc:picChg>
+      </pc:sldChg>
+      <pc:sldChg chg="addSp delSp modSp new mod">
+        <pc:chgData name="mohamed hassan" userId="f452d30685250ba8" providerId="LiveId" clId="{7B436DBB-0C4A-42D6-829E-17A083F07C2C}" dt="2022-03-19T20:41:43.118" v="110" actId="20577"/>
+        <pc:sldMkLst>
+          <pc:docMk/>
+          <pc:sldMk cId="4075745174" sldId="272"/>
+        </pc:sldMkLst>
+        <pc:spChg chg="del">
+          <ac:chgData name="mohamed hassan" userId="f452d30685250ba8" providerId="LiveId" clId="{7B436DBB-0C4A-42D6-829E-17A083F07C2C}" dt="2022-03-19T20:39:02.617" v="25" actId="478"/>
+          <ac:spMkLst>
+            <pc:docMk/>
+            <pc:sldMk cId="4075745174" sldId="272"/>
+            <ac:spMk id="2" creationId="{40131BC8-A810-4DF2-8A26-F3800291F3E7}"/>
+          </ac:spMkLst>
+        </pc:spChg>
+        <pc:spChg chg="del">
+          <ac:chgData name="mohamed hassan" userId="f452d30685250ba8" providerId="LiveId" clId="{7B436DBB-0C4A-42D6-829E-17A083F07C2C}" dt="2022-03-19T20:39:01.673" v="24" actId="478"/>
+          <ac:spMkLst>
+            <pc:docMk/>
+            <pc:sldMk cId="4075745174" sldId="272"/>
+            <ac:spMk id="3" creationId="{DF9AD70C-5437-475E-B9F7-F29D693ED6DD}"/>
+          </ac:spMkLst>
+        </pc:spChg>
+        <pc:spChg chg="del">
+          <ac:chgData name="mohamed hassan" userId="f452d30685250ba8" providerId="LiveId" clId="{7B436DBB-0C4A-42D6-829E-17A083F07C2C}" dt="2022-03-19T20:35:09.848" v="1"/>
+          <ac:spMkLst>
+            <pc:docMk/>
+            <pc:sldMk cId="4075745174" sldId="272"/>
+            <ac:spMk id="4" creationId="{18FD7F82-FFA5-414A-AD80-5D277EB18BFA}"/>
+          </ac:spMkLst>
+        </pc:spChg>
+        <pc:spChg chg="del">
+          <ac:chgData name="mohamed hassan" userId="f452d30685250ba8" providerId="LiveId" clId="{7B436DBB-0C4A-42D6-829E-17A083F07C2C}" dt="2022-03-19T20:39:04.346" v="26" actId="478"/>
+          <ac:spMkLst>
+            <pc:docMk/>
+            <pc:sldMk cId="4075745174" sldId="272"/>
+            <ac:spMk id="5" creationId="{BE611E05-74A3-4760-8AB2-2E2B9518227D}"/>
+          </ac:spMkLst>
+        </pc:spChg>
+        <pc:spChg chg="del">
+          <ac:chgData name="mohamed hassan" userId="f452d30685250ba8" providerId="LiveId" clId="{7B436DBB-0C4A-42D6-829E-17A083F07C2C}" dt="2022-03-19T20:35:26.406" v="2"/>
+          <ac:spMkLst>
+            <pc:docMk/>
+            <pc:sldMk cId="4075745174" sldId="272"/>
+            <ac:spMk id="6" creationId="{94AF6C0F-FB0F-40A6-B62E-7D894D9D4A0F}"/>
+          </ac:spMkLst>
+        </pc:spChg>
+        <pc:spChg chg="add del mod">
+          <ac:chgData name="mohamed hassan" userId="f452d30685250ba8" providerId="LiveId" clId="{7B436DBB-0C4A-42D6-829E-17A083F07C2C}" dt="2022-03-19T20:39:00.630" v="23" actId="478"/>
+          <ac:spMkLst>
+            <pc:docMk/>
+            <pc:sldMk cId="4075745174" sldId="272"/>
+            <ac:spMk id="10" creationId="{5DE6FFDC-FE45-4785-9C26-884AB84D5A64}"/>
+          </ac:spMkLst>
+        </pc:spChg>
+        <pc:spChg chg="add mod">
+          <ac:chgData name="mohamed hassan" userId="f452d30685250ba8" providerId="LiveId" clId="{7B436DBB-0C4A-42D6-829E-17A083F07C2C}" dt="2022-03-19T20:41:43.118" v="110" actId="20577"/>
+          <ac:spMkLst>
+            <pc:docMk/>
+            <pc:sldMk cId="4075745174" sldId="272"/>
+            <ac:spMk id="11" creationId="{F11E2A77-F826-4D39-8AA8-BD7CBFBEFF0B}"/>
+          </ac:spMkLst>
+        </pc:spChg>
+        <pc:picChg chg="add del mod">
+          <ac:chgData name="mohamed hassan" userId="f452d30685250ba8" providerId="LiveId" clId="{7B436DBB-0C4A-42D6-829E-17A083F07C2C}" dt="2022-03-19T20:38:53.329" v="21" actId="21"/>
+          <ac:picMkLst>
+            <pc:docMk/>
+            <pc:sldMk cId="4075745174" sldId="272"/>
+            <ac:picMk id="7" creationId="{DAEAE45D-EF30-4B42-8D80-E17D300CDB08}"/>
+          </ac:picMkLst>
+        </pc:picChg>
+        <pc:picChg chg="add mod">
+          <ac:chgData name="mohamed hassan" userId="f452d30685250ba8" providerId="LiveId" clId="{7B436DBB-0C4A-42D6-829E-17A083F07C2C}" dt="2022-03-19T20:41:02.098" v="61" actId="14100"/>
+          <ac:picMkLst>
+            <pc:docMk/>
+            <pc:sldMk cId="4075745174" sldId="272"/>
+            <ac:picMk id="8" creationId="{092F5835-439A-4C0A-89CF-81D39251D40E}"/>
+          </ac:picMkLst>
+        </pc:picChg>
+      </pc:sldChg>
+      <pc:sldChg chg="addSp delSp modSp new mod">
+        <pc:chgData name="mohamed hassan" userId="f452d30685250ba8" providerId="LiveId" clId="{7B436DBB-0C4A-42D6-829E-17A083F07C2C}" dt="2022-03-19T20:42:28.588" v="132" actId="20577"/>
+        <pc:sldMkLst>
+          <pc:docMk/>
+          <pc:sldMk cId="2768337952" sldId="273"/>
+        </pc:sldMkLst>
+        <pc:spChg chg="del">
+          <ac:chgData name="mohamed hassan" userId="f452d30685250ba8" providerId="LiveId" clId="{7B436DBB-0C4A-42D6-829E-17A083F07C2C}" dt="2022-03-19T20:37:57.560" v="8" actId="478"/>
+          <ac:spMkLst>
+            <pc:docMk/>
+            <pc:sldMk cId="2768337952" sldId="273"/>
+            <ac:spMk id="2" creationId="{03071ABB-2C6A-4845-9149-AC8E62BF86E0}"/>
+          </ac:spMkLst>
+        </pc:spChg>
+        <pc:spChg chg="del">
+          <ac:chgData name="mohamed hassan" userId="f452d30685250ba8" providerId="LiveId" clId="{7B436DBB-0C4A-42D6-829E-17A083F07C2C}" dt="2022-03-19T20:37:55.106" v="6" actId="478"/>
+          <ac:spMkLst>
+            <pc:docMk/>
+            <pc:sldMk cId="2768337952" sldId="273"/>
+            <ac:spMk id="3" creationId="{81C51A44-6547-4F56-8894-3A83F08F3AAE}"/>
+          </ac:spMkLst>
+        </pc:spChg>
+        <pc:spChg chg="del">
+          <ac:chgData name="mohamed hassan" userId="f452d30685250ba8" providerId="LiveId" clId="{7B436DBB-0C4A-42D6-829E-17A083F07C2C}" dt="2022-03-19T20:37:44.791" v="4"/>
+          <ac:spMkLst>
+            <pc:docMk/>
+            <pc:sldMk cId="2768337952" sldId="273"/>
+            <ac:spMk id="4" creationId="{8A78CCF6-87CD-483D-83F4-CF6193ACE70A}"/>
+          </ac:spMkLst>
+        </pc:spChg>
+        <pc:spChg chg="del">
+          <ac:chgData name="mohamed hassan" userId="f452d30685250ba8" providerId="LiveId" clId="{7B436DBB-0C4A-42D6-829E-17A083F07C2C}" dt="2022-03-19T20:37:56.353" v="7" actId="478"/>
+          <ac:spMkLst>
+            <pc:docMk/>
+            <pc:sldMk cId="2768337952" sldId="273"/>
+            <ac:spMk id="5" creationId="{8F2BC72D-DD66-422B-9B49-26D151BDD287}"/>
+          </ac:spMkLst>
+        </pc:spChg>
+        <pc:spChg chg="del">
+          <ac:chgData name="mohamed hassan" userId="f452d30685250ba8" providerId="LiveId" clId="{7B436DBB-0C4A-42D6-829E-17A083F07C2C}" dt="2022-03-19T20:37:51.075" v="5"/>
+          <ac:spMkLst>
+            <pc:docMk/>
+            <pc:sldMk cId="2768337952" sldId="273"/>
+            <ac:spMk id="6" creationId="{8784E2A1-0172-484C-9BDA-8C6613A05493}"/>
+          </ac:spMkLst>
+        </pc:spChg>
+        <pc:spChg chg="add del mod">
+          <ac:chgData name="mohamed hassan" userId="f452d30685250ba8" providerId="LiveId" clId="{7B436DBB-0C4A-42D6-829E-17A083F07C2C}" dt="2022-03-19T20:38:40.366" v="16"/>
+          <ac:spMkLst>
+            <pc:docMk/>
+            <pc:sldMk cId="2768337952" sldId="273"/>
+            <ac:spMk id="10" creationId="{77E1D234-DA0F-4133-AE03-74D9046454D4}"/>
+          </ac:spMkLst>
+        </pc:spChg>
+        <pc:spChg chg="add del mod">
+          <ac:chgData name="mohamed hassan" userId="f452d30685250ba8" providerId="LiveId" clId="{7B436DBB-0C4A-42D6-829E-17A083F07C2C}" dt="2022-03-19T20:38:22.583" v="15"/>
+          <ac:spMkLst>
+            <pc:docMk/>
+            <pc:sldMk cId="2768337952" sldId="273"/>
+            <ac:spMk id="12" creationId="{1EF5CFA0-64E1-44D3-A92A-251E9F6EF8A8}"/>
+          </ac:spMkLst>
+        </pc:spChg>
+        <pc:spChg chg="add del mod">
+          <ac:chgData name="mohamed hassan" userId="f452d30685250ba8" providerId="LiveId" clId="{7B436DBB-0C4A-42D6-829E-17A083F07C2C}" dt="2022-03-19T20:39:50.081" v="46" actId="478"/>
+          <ac:spMkLst>
+            <pc:docMk/>
+            <pc:sldMk cId="2768337952" sldId="273"/>
+            <ac:spMk id="16" creationId="{7EAB665E-63ED-422C-A76C-EE88148D118F}"/>
+          </ac:spMkLst>
+        </pc:spChg>
+        <pc:spChg chg="add mod">
+          <ac:chgData name="mohamed hassan" userId="f452d30685250ba8" providerId="LiveId" clId="{7B436DBB-0C4A-42D6-829E-17A083F07C2C}" dt="2022-03-19T20:42:28.588" v="132" actId="20577"/>
+          <ac:spMkLst>
+            <pc:docMk/>
+            <pc:sldMk cId="2768337952" sldId="273"/>
+            <ac:spMk id="17" creationId="{CA26B884-E29B-4236-8A5C-1F763452E9B6}"/>
+          </ac:spMkLst>
+        </pc:spChg>
+        <pc:picChg chg="add del mod">
+          <ac:chgData name="mohamed hassan" userId="f452d30685250ba8" providerId="LiveId" clId="{7B436DBB-0C4A-42D6-829E-17A083F07C2C}" dt="2022-03-19T20:38:17.721" v="14" actId="478"/>
+          <ac:picMkLst>
+            <pc:docMk/>
+            <pc:sldMk cId="2768337952" sldId="273"/>
+            <ac:picMk id="7" creationId="{704A88AA-4D66-499C-BDD0-C6586744CA90}"/>
+          </ac:picMkLst>
+        </pc:picChg>
+        <pc:picChg chg="add del mod">
+          <ac:chgData name="mohamed hassan" userId="f452d30685250ba8" providerId="LiveId" clId="{7B436DBB-0C4A-42D6-829E-17A083F07C2C}" dt="2022-03-19T20:38:15.772" v="13" actId="478"/>
+          <ac:picMkLst>
+            <pc:docMk/>
+            <pc:sldMk cId="2768337952" sldId="273"/>
+            <ac:picMk id="8" creationId="{E2073388-78BA-4EB6-8B83-26DD32DE975C}"/>
+          </ac:picMkLst>
+        </pc:picChg>
+        <pc:picChg chg="add mod">
+          <ac:chgData name="mohamed hassan" userId="f452d30685250ba8" providerId="LiveId" clId="{7B436DBB-0C4A-42D6-829E-17A083F07C2C}" dt="2022-03-19T20:42:18.488" v="128" actId="14100"/>
+          <ac:picMkLst>
+            <pc:docMk/>
+            <pc:sldMk cId="2768337952" sldId="273"/>
+            <ac:picMk id="13" creationId="{85DFCAA7-EA39-4C55-AA22-92F7E33ED5AA}"/>
+          </ac:picMkLst>
+        </pc:picChg>
+        <pc:picChg chg="add del mod">
+          <ac:chgData name="mohamed hassan" userId="f452d30685250ba8" providerId="LiveId" clId="{7B436DBB-0C4A-42D6-829E-17A083F07C2C}" dt="2022-03-19T20:39:39.687" v="40" actId="21"/>
+          <ac:picMkLst>
+            <pc:docMk/>
+            <pc:sldMk cId="2768337952" sldId="273"/>
+            <ac:picMk id="14" creationId="{C0683B98-EB89-4343-B260-36A8BB962823}"/>
+          </ac:picMkLst>
+        </pc:picChg>
+      </pc:sldChg>
+      <pc:sldChg chg="addSp delSp modSp new mod">
+        <pc:chgData name="mohamed hassan" userId="f452d30685250ba8" providerId="LiveId" clId="{7B436DBB-0C4A-42D6-829E-17A083F07C2C}" dt="2022-03-19T20:42:53.604" v="145" actId="20577"/>
+        <pc:sldMkLst>
+          <pc:docMk/>
+          <pc:sldMk cId="2657731947" sldId="274"/>
+        </pc:sldMkLst>
+        <pc:spChg chg="del">
+          <ac:chgData name="mohamed hassan" userId="f452d30685250ba8" providerId="LiveId" clId="{7B436DBB-0C4A-42D6-829E-17A083F07C2C}" dt="2022-03-19T20:39:47.861" v="45" actId="478"/>
+          <ac:spMkLst>
+            <pc:docMk/>
+            <pc:sldMk cId="2657731947" sldId="274"/>
+            <ac:spMk id="2" creationId="{25A7B3BA-4FA9-475E-BBE7-694F2AF441C3}"/>
+          </ac:spMkLst>
+        </pc:spChg>
+        <pc:spChg chg="del">
+          <ac:chgData name="mohamed hassan" userId="f452d30685250ba8" providerId="LiveId" clId="{7B436DBB-0C4A-42D6-829E-17A083F07C2C}" dt="2022-03-19T20:39:46.885" v="44" actId="478"/>
+          <ac:spMkLst>
+            <pc:docMk/>
+            <pc:sldMk cId="2657731947" sldId="274"/>
+            <ac:spMk id="3" creationId="{CA9F25AF-2E58-42AD-96AB-160E5B36C74D}"/>
+          </ac:spMkLst>
+        </pc:spChg>
+        <pc:spChg chg="del">
+          <ac:chgData name="mohamed hassan" userId="f452d30685250ba8" providerId="LiveId" clId="{7B436DBB-0C4A-42D6-829E-17A083F07C2C}" dt="2022-03-19T20:39:42.458" v="41"/>
+          <ac:spMkLst>
+            <pc:docMk/>
+            <pc:sldMk cId="2657731947" sldId="274"/>
+            <ac:spMk id="4" creationId="{F1A94C07-B54C-4E85-B566-E5CFFC25BFB6}"/>
+          </ac:spMkLst>
+        </pc:spChg>
+        <pc:spChg chg="del">
+          <ac:chgData name="mohamed hassan" userId="f452d30685250ba8" providerId="LiveId" clId="{7B436DBB-0C4A-42D6-829E-17A083F07C2C}" dt="2022-03-19T20:39:46.262" v="43" actId="478"/>
+          <ac:spMkLst>
+            <pc:docMk/>
+            <pc:sldMk cId="2657731947" sldId="274"/>
+            <ac:spMk id="5" creationId="{864A0B8F-551B-4088-92B7-A88AD523BB30}"/>
+          </ac:spMkLst>
+        </pc:spChg>
+        <pc:spChg chg="del">
+          <ac:chgData name="mohamed hassan" userId="f452d30685250ba8" providerId="LiveId" clId="{7B436DBB-0C4A-42D6-829E-17A083F07C2C}" dt="2022-03-19T20:39:44.966" v="42" actId="478"/>
+          <ac:spMkLst>
+            <pc:docMk/>
+            <pc:sldMk cId="2657731947" sldId="274"/>
+            <ac:spMk id="6" creationId="{7ABA1A45-E7B7-487E-A2C3-2EC18C5BC122}"/>
+          </ac:spMkLst>
+        </pc:spChg>
+        <pc:spChg chg="add del mod">
+          <ac:chgData name="mohamed hassan" userId="f452d30685250ba8" providerId="LiveId" clId="{7B436DBB-0C4A-42D6-829E-17A083F07C2C}" dt="2022-03-19T20:42:37.981" v="135"/>
+          <ac:spMkLst>
+            <pc:docMk/>
+            <pc:sldMk cId="2657731947" sldId="274"/>
+            <ac:spMk id="8" creationId="{6C44F84F-4F86-4EEC-AE57-4D95BC1A950C}"/>
+          </ac:spMkLst>
+        </pc:spChg>
+        <pc:spChg chg="add mod">
+          <ac:chgData name="mohamed hassan" userId="f452d30685250ba8" providerId="LiveId" clId="{7B436DBB-0C4A-42D6-829E-17A083F07C2C}" dt="2022-03-19T20:42:53.604" v="145" actId="20577"/>
+          <ac:spMkLst>
+            <pc:docMk/>
+            <pc:sldMk cId="2657731947" sldId="274"/>
+            <ac:spMk id="9" creationId="{535D3B95-C986-4FAC-9F4B-677E3B1EF7A5}"/>
+          </ac:spMkLst>
+        </pc:spChg>
+        <pc:picChg chg="add mod">
+          <ac:chgData name="mohamed hassan" userId="f452d30685250ba8" providerId="LiveId" clId="{7B436DBB-0C4A-42D6-829E-17A083F07C2C}" dt="2022-03-19T20:42:34.325" v="133" actId="14100"/>
+          <ac:picMkLst>
+            <pc:docMk/>
+            <pc:sldMk cId="2657731947" sldId="274"/>
+            <ac:picMk id="7" creationId="{C8D844DC-1270-4168-BAA7-756D22D8A779}"/>
+          </ac:picMkLst>
+        </pc:picChg>
+      </pc:sldChg>
+      <pc:sldChg chg="addSp delSp modSp new mod">
+        <pc:chgData name="mohamed hassan" userId="f452d30685250ba8" providerId="LiveId" clId="{7B436DBB-0C4A-42D6-829E-17A083F07C2C}" dt="2022-03-19T20:42:12.279" v="127" actId="14100"/>
+        <pc:sldMkLst>
+          <pc:docMk/>
+          <pc:sldMk cId="2964636598" sldId="275"/>
+        </pc:sldMkLst>
+        <pc:spChg chg="del">
+          <ac:chgData name="mohamed hassan" userId="f452d30685250ba8" providerId="LiveId" clId="{7B436DBB-0C4A-42D6-829E-17A083F07C2C}" dt="2022-03-19T20:39:18.188" v="32" actId="478"/>
+          <ac:spMkLst>
+            <pc:docMk/>
+            <pc:sldMk cId="2964636598" sldId="275"/>
+            <ac:spMk id="2" creationId="{B2B3E4EA-80CC-413A-8679-9D15A377C008}"/>
+          </ac:spMkLst>
+        </pc:spChg>
+        <pc:spChg chg="del">
+          <ac:chgData name="mohamed hassan" userId="f452d30685250ba8" providerId="LiveId" clId="{7B436DBB-0C4A-42D6-829E-17A083F07C2C}" dt="2022-03-19T20:39:17.123" v="31" actId="478"/>
+          <ac:spMkLst>
+            <pc:docMk/>
+            <pc:sldMk cId="2964636598" sldId="275"/>
+            <ac:spMk id="3" creationId="{02E03139-641A-48A6-8847-66384CD92D70}"/>
+          </ac:spMkLst>
+        </pc:spChg>
+        <pc:spChg chg="del">
+          <ac:chgData name="mohamed hassan" userId="f452d30685250ba8" providerId="LiveId" clId="{7B436DBB-0C4A-42D6-829E-17A083F07C2C}" dt="2022-03-19T20:38:56.484" v="22"/>
+          <ac:spMkLst>
+            <pc:docMk/>
+            <pc:sldMk cId="2964636598" sldId="275"/>
+            <ac:spMk id="4" creationId="{66C3479B-D18D-4236-9137-6938594423B5}"/>
+          </ac:spMkLst>
+        </pc:spChg>
+        <pc:spChg chg="del">
+          <ac:chgData name="mohamed hassan" userId="f452d30685250ba8" providerId="LiveId" clId="{7B436DBB-0C4A-42D6-829E-17A083F07C2C}" dt="2022-03-19T20:39:18.962" v="33" actId="478"/>
+          <ac:spMkLst>
+            <pc:docMk/>
+            <pc:sldMk cId="2964636598" sldId="275"/>
+            <ac:spMk id="5" creationId="{F3CB2286-9B0D-412C-B032-7CB3EED13C24}"/>
+          </ac:spMkLst>
+        </pc:spChg>
+        <pc:spChg chg="del">
+          <ac:chgData name="mohamed hassan" userId="f452d30685250ba8" providerId="LiveId" clId="{7B436DBB-0C4A-42D6-829E-17A083F07C2C}" dt="2022-03-19T20:39:20.526" v="34" actId="478"/>
+          <ac:spMkLst>
+            <pc:docMk/>
+            <pc:sldMk cId="2964636598" sldId="275"/>
+            <ac:spMk id="6" creationId="{F8143159-B271-49CD-8FC9-F33FA397CCBB}"/>
+          </ac:spMkLst>
+        </pc:spChg>
+        <pc:spChg chg="add del mod">
+          <ac:chgData name="mohamed hassan" userId="f452d30685250ba8" providerId="LiveId" clId="{7B436DBB-0C4A-42D6-829E-17A083F07C2C}" dt="2022-03-19T20:39:25.163" v="38" actId="478"/>
+          <ac:spMkLst>
+            <pc:docMk/>
+            <pc:sldMk cId="2964636598" sldId="275"/>
+            <ac:spMk id="9" creationId="{0B81FBC1-8A6E-4C36-AEA6-7C0ED767B627}"/>
+          </ac:spMkLst>
+        </pc:spChg>
+        <pc:spChg chg="add mod">
+          <ac:chgData name="mohamed hassan" userId="f452d30685250ba8" providerId="LiveId" clId="{7B436DBB-0C4A-42D6-829E-17A083F07C2C}" dt="2022-03-19T20:42:01.687" v="126" actId="20577"/>
+          <ac:spMkLst>
+            <pc:docMk/>
+            <pc:sldMk cId="2964636598" sldId="275"/>
+            <ac:spMk id="10" creationId="{D8985FB9-5C15-4857-B823-F9B7CBCDFE8F}"/>
+          </ac:spMkLst>
+        </pc:spChg>
+        <pc:picChg chg="add del mod">
+          <ac:chgData name="mohamed hassan" userId="f452d30685250ba8" providerId="LiveId" clId="{7B436DBB-0C4A-42D6-829E-17A083F07C2C}" dt="2022-03-19T20:42:12.279" v="127" actId="14100"/>
+          <ac:picMkLst>
+            <pc:docMk/>
+            <pc:sldMk cId="2964636598" sldId="275"/>
+            <ac:picMk id="7" creationId="{903CD1C2-C928-497E-BDCB-4AC48CC5A74A}"/>
+          </ac:picMkLst>
+        </pc:picChg>
+      </pc:sldChg>
+    </pc:docChg>
+  </pc:docChgLst>
+</pc:chgInfo>
 </file>
 
 <file path=ppt/diagrams/colors1.xml><?xml version="1.0" encoding="utf-8"?>
@@ -885,6 +1327,753 @@
 </file>
 
 <file path=ppt/diagrams/colors2.xml><?xml version="1.0" encoding="utf-8"?>
+<dgm:colorsDef xmlns:dgm="http://schemas.openxmlformats.org/drawingml/2006/diagram" xmlns:a="http://schemas.openxmlformats.org/drawingml/2006/main" uniqueId="urn:microsoft.com/office/officeart/2005/8/colors/accent1_2">
+  <dgm:title val=""/>
+  <dgm:desc val=""/>
+  <dgm:catLst>
+    <dgm:cat type="accent1" pri="11200"/>
+  </dgm:catLst>
+  <dgm:styleLbl name="node0">
+    <dgm:fillClrLst meth="repeat">
+      <a:schemeClr val="accent1"/>
+    </dgm:fillClrLst>
+    <dgm:linClrLst meth="repeat">
+      <a:schemeClr val="lt1"/>
+    </dgm:linClrLst>
+    <dgm:effectClrLst/>
+    <dgm:txLinClrLst/>
+    <dgm:txFillClrLst/>
+    <dgm:txEffectClrLst/>
+  </dgm:styleLbl>
+  <dgm:styleLbl name="alignNode1">
+    <dgm:fillClrLst meth="repeat">
+      <a:schemeClr val="accent1"/>
+    </dgm:fillClrLst>
+    <dgm:linClrLst meth="repeat">
+      <a:schemeClr val="accent1"/>
+    </dgm:linClrLst>
+    <dgm:effectClrLst/>
+    <dgm:txLinClrLst/>
+    <dgm:txFillClrLst/>
+    <dgm:txEffectClrLst/>
+  </dgm:styleLbl>
+  <dgm:styleLbl name="node1">
+    <dgm:fillClrLst meth="repeat">
+      <a:schemeClr val="accent1"/>
+    </dgm:fillClrLst>
+    <dgm:linClrLst meth="repeat">
+      <a:schemeClr val="lt1"/>
+    </dgm:linClrLst>
+    <dgm:effectClrLst/>
+    <dgm:txLinClrLst/>
+    <dgm:txFillClrLst/>
+    <dgm:txEffectClrLst/>
+  </dgm:styleLbl>
+  <dgm:styleLbl name="lnNode1">
+    <dgm:fillClrLst meth="repeat">
+      <a:schemeClr val="accent1"/>
+    </dgm:fillClrLst>
+    <dgm:linClrLst meth="repeat">
+      <a:schemeClr val="lt1"/>
+    </dgm:linClrLst>
+    <dgm:effectClrLst/>
+    <dgm:txLinClrLst/>
+    <dgm:txFillClrLst/>
+    <dgm:txEffectClrLst/>
+  </dgm:styleLbl>
+  <dgm:styleLbl name="vennNode1">
+    <dgm:fillClrLst meth="repeat">
+      <a:schemeClr val="accent1">
+        <a:alpha val="50000"/>
+      </a:schemeClr>
+    </dgm:fillClrLst>
+    <dgm:linClrLst meth="repeat">
+      <a:schemeClr val="lt1"/>
+    </dgm:linClrLst>
+    <dgm:effectClrLst/>
+    <dgm:txLinClrLst/>
+    <dgm:txFillClrLst/>
+    <dgm:txEffectClrLst/>
+  </dgm:styleLbl>
+  <dgm:styleLbl name="node2">
+    <dgm:fillClrLst meth="repeat">
+      <a:schemeClr val="accent1"/>
+    </dgm:fillClrLst>
+    <dgm:linClrLst meth="repeat">
+      <a:schemeClr val="lt1"/>
+    </dgm:linClrLst>
+    <dgm:effectClrLst/>
+    <dgm:txLinClrLst/>
+    <dgm:txFillClrLst/>
+    <dgm:txEffectClrLst/>
+  </dgm:styleLbl>
+  <dgm:styleLbl name="node3">
+    <dgm:fillClrLst meth="repeat">
+      <a:schemeClr val="accent1"/>
+    </dgm:fillClrLst>
+    <dgm:linClrLst meth="repeat">
+      <a:schemeClr val="lt1"/>
+    </dgm:linClrLst>
+    <dgm:effectClrLst/>
+    <dgm:txLinClrLst/>
+    <dgm:txFillClrLst/>
+    <dgm:txEffectClrLst/>
+  </dgm:styleLbl>
+  <dgm:styleLbl name="node4">
+    <dgm:fillClrLst meth="repeat">
+      <a:schemeClr val="accent1"/>
+    </dgm:fillClrLst>
+    <dgm:linClrLst meth="repeat">
+      <a:schemeClr val="lt1"/>
+    </dgm:linClrLst>
+    <dgm:effectClrLst/>
+    <dgm:txLinClrLst/>
+    <dgm:txFillClrLst/>
+    <dgm:txEffectClrLst/>
+  </dgm:styleLbl>
+  <dgm:styleLbl name="fgImgPlace1">
+    <dgm:fillClrLst meth="repeat">
+      <a:schemeClr val="accent1">
+        <a:tint val="50000"/>
+      </a:schemeClr>
+    </dgm:fillClrLst>
+    <dgm:linClrLst meth="repeat">
+      <a:schemeClr val="lt1"/>
+    </dgm:linClrLst>
+    <dgm:effectClrLst/>
+    <dgm:txLinClrLst/>
+    <dgm:txFillClrLst meth="repeat">
+      <a:schemeClr val="lt1"/>
+    </dgm:txFillClrLst>
+    <dgm:txEffectClrLst/>
+  </dgm:styleLbl>
+  <dgm:styleLbl name="alignImgPlace1">
+    <dgm:fillClrLst meth="repeat">
+      <a:schemeClr val="accent1">
+        <a:tint val="50000"/>
+      </a:schemeClr>
+    </dgm:fillClrLst>
+    <dgm:linClrLst meth="repeat">
+      <a:schemeClr val="lt1"/>
+    </dgm:linClrLst>
+    <dgm:effectClrLst/>
+    <dgm:txLinClrLst/>
+    <dgm:txFillClrLst meth="repeat">
+      <a:schemeClr val="lt1"/>
+    </dgm:txFillClrLst>
+    <dgm:txEffectClrLst/>
+  </dgm:styleLbl>
+  <dgm:styleLbl name="bgImgPlace1">
+    <dgm:fillClrLst meth="repeat">
+      <a:schemeClr val="accent1">
+        <a:tint val="50000"/>
+      </a:schemeClr>
+    </dgm:fillClrLst>
+    <dgm:linClrLst meth="repeat">
+      <a:schemeClr val="lt1"/>
+    </dgm:linClrLst>
+    <dgm:effectClrLst/>
+    <dgm:txLinClrLst/>
+    <dgm:txFillClrLst meth="repeat">
+      <a:schemeClr val="lt1"/>
+    </dgm:txFillClrLst>
+    <dgm:txEffectClrLst/>
+  </dgm:styleLbl>
+  <dgm:styleLbl name="sibTrans2D1">
+    <dgm:fillClrLst meth="repeat">
+      <a:schemeClr val="accent1">
+        <a:tint val="60000"/>
+      </a:schemeClr>
+    </dgm:fillClrLst>
+    <dgm:linClrLst meth="repeat">
+      <a:schemeClr val="accent1">
+        <a:tint val="60000"/>
+      </a:schemeClr>
+    </dgm:linClrLst>
+    <dgm:effectClrLst/>
+    <dgm:txLinClrLst/>
+    <dgm:txFillClrLst/>
+    <dgm:txEffectClrLst/>
+  </dgm:styleLbl>
+  <dgm:styleLbl name="fgSibTrans2D1">
+    <dgm:fillClrLst meth="repeat">
+      <a:schemeClr val="accent1">
+        <a:tint val="60000"/>
+      </a:schemeClr>
+    </dgm:fillClrLst>
+    <dgm:linClrLst meth="repeat">
+      <a:schemeClr val="accent1">
+        <a:tint val="60000"/>
+      </a:schemeClr>
+    </dgm:linClrLst>
+    <dgm:effectClrLst/>
+    <dgm:txLinClrLst/>
+    <dgm:txFillClrLst/>
+    <dgm:txEffectClrLst/>
+  </dgm:styleLbl>
+  <dgm:styleLbl name="bgSibTrans2D1">
+    <dgm:fillClrLst meth="repeat">
+      <a:schemeClr val="accent1">
+        <a:tint val="60000"/>
+      </a:schemeClr>
+    </dgm:fillClrLst>
+    <dgm:linClrLst meth="repeat">
+      <a:schemeClr val="accent1">
+        <a:tint val="60000"/>
+      </a:schemeClr>
+    </dgm:linClrLst>
+    <dgm:effectClrLst/>
+    <dgm:txLinClrLst/>
+    <dgm:txFillClrLst/>
+    <dgm:txEffectClrLst/>
+  </dgm:styleLbl>
+  <dgm:styleLbl name="sibTrans1D1">
+    <dgm:fillClrLst meth="repeat">
+      <a:schemeClr val="accent1"/>
+    </dgm:fillClrLst>
+    <dgm:linClrLst meth="repeat">
+      <a:schemeClr val="accent1"/>
+    </dgm:linClrLst>
+    <dgm:effectClrLst/>
+    <dgm:txLinClrLst/>
+    <dgm:txFillClrLst meth="repeat">
+      <a:schemeClr val="tx1"/>
+    </dgm:txFillClrLst>
+    <dgm:txEffectClrLst/>
+  </dgm:styleLbl>
+  <dgm:styleLbl name="callout">
+    <dgm:fillClrLst meth="repeat">
+      <a:schemeClr val="accent1"/>
+    </dgm:fillClrLst>
+    <dgm:linClrLst meth="repeat">
+      <a:schemeClr val="accent1">
+        <a:tint val="50000"/>
+      </a:schemeClr>
+    </dgm:linClrLst>
+    <dgm:effectClrLst/>
+    <dgm:txLinClrLst/>
+    <dgm:txFillClrLst meth="repeat">
+      <a:schemeClr val="tx1"/>
+    </dgm:txFillClrLst>
+    <dgm:txEffectClrLst/>
+  </dgm:styleLbl>
+  <dgm:styleLbl name="asst0">
+    <dgm:fillClrLst meth="repeat">
+      <a:schemeClr val="accent1"/>
+    </dgm:fillClrLst>
+    <dgm:linClrLst meth="repeat">
+      <a:schemeClr val="lt1"/>
+    </dgm:linClrLst>
+    <dgm:effectClrLst/>
+    <dgm:txLinClrLst/>
+    <dgm:txFillClrLst/>
+    <dgm:txEffectClrLst/>
+  </dgm:styleLbl>
+  <dgm:styleLbl name="asst1">
+    <dgm:fillClrLst meth="repeat">
+      <a:schemeClr val="accent1"/>
+    </dgm:fillClrLst>
+    <dgm:linClrLst meth="repeat">
+      <a:schemeClr val="lt1"/>
+    </dgm:linClrLst>
+    <dgm:effectClrLst/>
+    <dgm:txLinClrLst/>
+    <dgm:txFillClrLst/>
+    <dgm:txEffectClrLst/>
+  </dgm:styleLbl>
+  <dgm:styleLbl name="asst2">
+    <dgm:fillClrLst meth="repeat">
+      <a:schemeClr val="accent1"/>
+    </dgm:fillClrLst>
+    <dgm:linClrLst meth="repeat">
+      <a:schemeClr val="lt1"/>
+    </dgm:linClrLst>
+    <dgm:effectClrLst/>
+    <dgm:txLinClrLst/>
+    <dgm:txFillClrLst/>
+    <dgm:txEffectClrLst/>
+  </dgm:styleLbl>
+  <dgm:styleLbl name="asst3">
+    <dgm:fillClrLst meth="repeat">
+      <a:schemeClr val="accent1"/>
+    </dgm:fillClrLst>
+    <dgm:linClrLst meth="repeat">
+      <a:schemeClr val="lt1"/>
+    </dgm:linClrLst>
+    <dgm:effectClrLst/>
+    <dgm:txLinClrLst/>
+    <dgm:txFillClrLst/>
+    <dgm:txEffectClrLst/>
+  </dgm:styleLbl>
+  <dgm:styleLbl name="asst4">
+    <dgm:fillClrLst meth="repeat">
+      <a:schemeClr val="accent1"/>
+    </dgm:fillClrLst>
+    <dgm:linClrLst meth="repeat">
+      <a:schemeClr val="lt1"/>
+    </dgm:linClrLst>
+    <dgm:effectClrLst/>
+    <dgm:txLinClrLst/>
+    <dgm:txFillClrLst/>
+    <dgm:txEffectClrLst/>
+  </dgm:styleLbl>
+  <dgm:styleLbl name="parChTrans2D1">
+    <dgm:fillClrLst meth="repeat">
+      <a:schemeClr val="accent1">
+        <a:tint val="60000"/>
+      </a:schemeClr>
+    </dgm:fillClrLst>
+    <dgm:linClrLst meth="repeat">
+      <a:schemeClr val="accent1">
+        <a:tint val="60000"/>
+      </a:schemeClr>
+    </dgm:linClrLst>
+    <dgm:effectClrLst/>
+    <dgm:txLinClrLst/>
+    <dgm:txFillClrLst meth="repeat">
+      <a:schemeClr val="lt1"/>
+    </dgm:txFillClrLst>
+    <dgm:txEffectClrLst/>
+  </dgm:styleLbl>
+  <dgm:styleLbl name="parChTrans2D2">
+    <dgm:fillClrLst meth="repeat">
+      <a:schemeClr val="accent1"/>
+    </dgm:fillClrLst>
+    <dgm:linClrLst meth="repeat">
+      <a:schemeClr val="accent1"/>
+    </dgm:linClrLst>
+    <dgm:effectClrLst/>
+    <dgm:txLinClrLst/>
+    <dgm:txFillClrLst meth="repeat">
+      <a:schemeClr val="lt1"/>
+    </dgm:txFillClrLst>
+    <dgm:txEffectClrLst/>
+  </dgm:styleLbl>
+  <dgm:styleLbl name="parChTrans2D3">
+    <dgm:fillClrLst meth="repeat">
+      <a:schemeClr val="accent1"/>
+    </dgm:fillClrLst>
+    <dgm:linClrLst meth="repeat">
+      <a:schemeClr val="accent1"/>
+    </dgm:linClrLst>
+    <dgm:effectClrLst/>
+    <dgm:txLinClrLst/>
+    <dgm:txFillClrLst meth="repeat">
+      <a:schemeClr val="lt1"/>
+    </dgm:txFillClrLst>
+    <dgm:txEffectClrLst/>
+  </dgm:styleLbl>
+  <dgm:styleLbl name="parChTrans2D4">
+    <dgm:fillClrLst meth="repeat">
+      <a:schemeClr val="accent1"/>
+    </dgm:fillClrLst>
+    <dgm:linClrLst meth="repeat">
+      <a:schemeClr val="accent1"/>
+    </dgm:linClrLst>
+    <dgm:effectClrLst/>
+    <dgm:txLinClrLst/>
+    <dgm:txFillClrLst meth="repeat">
+      <a:schemeClr val="lt1"/>
+    </dgm:txFillClrLst>
+    <dgm:txEffectClrLst/>
+  </dgm:styleLbl>
+  <dgm:styleLbl name="parChTrans1D1">
+    <dgm:fillClrLst meth="repeat">
+      <a:schemeClr val="accent1"/>
+    </dgm:fillClrLst>
+    <dgm:linClrLst meth="repeat">
+      <a:schemeClr val="accent1">
+        <a:shade val="60000"/>
+      </a:schemeClr>
+    </dgm:linClrLst>
+    <dgm:effectClrLst/>
+    <dgm:txLinClrLst/>
+    <dgm:txFillClrLst meth="repeat">
+      <a:schemeClr val="tx1"/>
+    </dgm:txFillClrLst>
+    <dgm:txEffectClrLst/>
+  </dgm:styleLbl>
+  <dgm:styleLbl name="parChTrans1D2">
+    <dgm:fillClrLst meth="repeat">
+      <a:schemeClr val="accent1"/>
+    </dgm:fillClrLst>
+    <dgm:linClrLst meth="repeat">
+      <a:schemeClr val="accent1">
+        <a:shade val="60000"/>
+      </a:schemeClr>
+    </dgm:linClrLst>
+    <dgm:effectClrLst/>
+    <dgm:txLinClrLst/>
+    <dgm:txFillClrLst meth="repeat">
+      <a:schemeClr val="tx1"/>
+    </dgm:txFillClrLst>
+    <dgm:txEffectClrLst/>
+  </dgm:styleLbl>
+  <dgm:styleLbl name="parChTrans1D3">
+    <dgm:fillClrLst meth="repeat">
+      <a:schemeClr val="accent1"/>
+    </dgm:fillClrLst>
+    <dgm:linClrLst meth="repeat">
+      <a:schemeClr val="accent1">
+        <a:shade val="80000"/>
+      </a:schemeClr>
+    </dgm:linClrLst>
+    <dgm:effectClrLst/>
+    <dgm:txLinClrLst/>
+    <dgm:txFillClrLst meth="repeat">
+      <a:schemeClr val="tx1"/>
+    </dgm:txFillClrLst>
+    <dgm:txEffectClrLst/>
+  </dgm:styleLbl>
+  <dgm:styleLbl name="parChTrans1D4">
+    <dgm:fillClrLst meth="repeat">
+      <a:schemeClr val="accent1"/>
+    </dgm:fillClrLst>
+    <dgm:linClrLst meth="repeat">
+      <a:schemeClr val="accent1">
+        <a:shade val="80000"/>
+      </a:schemeClr>
+    </dgm:linClrLst>
+    <dgm:effectClrLst/>
+    <dgm:txLinClrLst/>
+    <dgm:txFillClrLst meth="repeat">
+      <a:schemeClr val="tx1"/>
+    </dgm:txFillClrLst>
+    <dgm:txEffectClrLst/>
+  </dgm:styleLbl>
+  <dgm:styleLbl name="fgAcc1">
+    <dgm:fillClrLst meth="repeat">
+      <a:schemeClr val="lt1">
+        <a:alpha val="90000"/>
+      </a:schemeClr>
+    </dgm:fillClrLst>
+    <dgm:linClrLst meth="repeat">
+      <a:schemeClr val="accent1"/>
+    </dgm:linClrLst>
+    <dgm:effectClrLst/>
+    <dgm:txLinClrLst/>
+    <dgm:txFillClrLst meth="repeat">
+      <a:schemeClr val="dk1"/>
+    </dgm:txFillClrLst>
+    <dgm:txEffectClrLst/>
+  </dgm:styleLbl>
+  <dgm:styleLbl name="conFgAcc1">
+    <dgm:fillClrLst meth="repeat">
+      <a:schemeClr val="lt1">
+        <a:alpha val="90000"/>
+      </a:schemeClr>
+    </dgm:fillClrLst>
+    <dgm:linClrLst meth="repeat">
+      <a:schemeClr val="accent1"/>
+    </dgm:linClrLst>
+    <dgm:effectClrLst/>
+    <dgm:txLinClrLst/>
+    <dgm:txFillClrLst meth="repeat">
+      <a:schemeClr val="dk1"/>
+    </dgm:txFillClrLst>
+    <dgm:txEffectClrLst/>
+  </dgm:styleLbl>
+  <dgm:styleLbl name="alignAcc1">
+    <dgm:fillClrLst meth="repeat">
+      <a:schemeClr val="lt1">
+        <a:alpha val="90000"/>
+      </a:schemeClr>
+    </dgm:fillClrLst>
+    <dgm:linClrLst meth="repeat">
+      <a:schemeClr val="accent1"/>
+    </dgm:linClrLst>
+    <dgm:effectClrLst/>
+    <dgm:txLinClrLst/>
+    <dgm:txFillClrLst meth="repeat">
+      <a:schemeClr val="dk1"/>
+    </dgm:txFillClrLst>
+    <dgm:txEffectClrLst/>
+  </dgm:styleLbl>
+  <dgm:styleLbl name="trAlignAcc1">
+    <dgm:fillClrLst meth="repeat">
+      <a:schemeClr val="lt1">
+        <a:alpha val="40000"/>
+      </a:schemeClr>
+    </dgm:fillClrLst>
+    <dgm:linClrLst meth="repeat">
+      <a:schemeClr val="accent1"/>
+    </dgm:linClrLst>
+    <dgm:effectClrLst/>
+    <dgm:txLinClrLst/>
+    <dgm:txFillClrLst meth="repeat">
+      <a:schemeClr val="dk1"/>
+    </dgm:txFillClrLst>
+    <dgm:txEffectClrLst/>
+  </dgm:styleLbl>
+  <dgm:styleLbl name="bgAcc1">
+    <dgm:fillClrLst meth="repeat">
+      <a:schemeClr val="lt1">
+        <a:alpha val="90000"/>
+      </a:schemeClr>
+    </dgm:fillClrLst>
+    <dgm:linClrLst meth="repeat">
+      <a:schemeClr val="accent1"/>
+    </dgm:linClrLst>
+    <dgm:effectClrLst/>
+    <dgm:txLinClrLst/>
+    <dgm:txFillClrLst meth="repeat">
+      <a:schemeClr val="dk1"/>
+    </dgm:txFillClrLst>
+    <dgm:txEffectClrLst/>
+  </dgm:styleLbl>
+  <dgm:styleLbl name="solidFgAcc1">
+    <dgm:fillClrLst meth="repeat">
+      <a:schemeClr val="lt1"/>
+    </dgm:fillClrLst>
+    <dgm:linClrLst meth="repeat">
+      <a:schemeClr val="accent1"/>
+    </dgm:linClrLst>
+    <dgm:effectClrLst/>
+    <dgm:txLinClrLst/>
+    <dgm:txFillClrLst meth="repeat">
+      <a:schemeClr val="dk1"/>
+    </dgm:txFillClrLst>
+    <dgm:txEffectClrLst/>
+  </dgm:styleLbl>
+  <dgm:styleLbl name="solidAlignAcc1">
+    <dgm:fillClrLst meth="repeat">
+      <a:schemeClr val="lt1"/>
+    </dgm:fillClrLst>
+    <dgm:linClrLst meth="repeat">
+      <a:schemeClr val="accent1"/>
+    </dgm:linClrLst>
+    <dgm:effectClrLst/>
+    <dgm:txLinClrLst/>
+    <dgm:txFillClrLst meth="repeat">
+      <a:schemeClr val="dk1"/>
+    </dgm:txFillClrLst>
+    <dgm:txEffectClrLst/>
+  </dgm:styleLbl>
+  <dgm:styleLbl name="solidBgAcc1">
+    <dgm:fillClrLst meth="repeat">
+      <a:schemeClr val="lt1"/>
+    </dgm:fillClrLst>
+    <dgm:linClrLst meth="repeat">
+      <a:schemeClr val="accent1"/>
+    </dgm:linClrLst>
+    <dgm:effectClrLst/>
+    <dgm:txLinClrLst/>
+    <dgm:txFillClrLst meth="repeat">
+      <a:schemeClr val="dk1"/>
+    </dgm:txFillClrLst>
+    <dgm:txEffectClrLst/>
+  </dgm:styleLbl>
+  <dgm:styleLbl name="fgAccFollowNode1">
+    <dgm:fillClrLst meth="repeat">
+      <a:schemeClr val="accent1">
+        <a:alpha val="90000"/>
+        <a:tint val="40000"/>
+      </a:schemeClr>
+    </dgm:fillClrLst>
+    <dgm:linClrLst meth="repeat">
+      <a:schemeClr val="accent1">
+        <a:alpha val="90000"/>
+        <a:tint val="40000"/>
+      </a:schemeClr>
+    </dgm:linClrLst>
+    <dgm:effectClrLst/>
+    <dgm:txLinClrLst/>
+    <dgm:txFillClrLst meth="repeat">
+      <a:schemeClr val="dk1"/>
+    </dgm:txFillClrLst>
+    <dgm:txEffectClrLst/>
+  </dgm:styleLbl>
+  <dgm:styleLbl name="alignAccFollowNode1">
+    <dgm:fillClrLst meth="repeat">
+      <a:schemeClr val="accent1">
+        <a:alpha val="90000"/>
+        <a:tint val="40000"/>
+      </a:schemeClr>
+    </dgm:fillClrLst>
+    <dgm:linClrLst meth="repeat">
+      <a:schemeClr val="accent1">
+        <a:alpha val="90000"/>
+        <a:tint val="40000"/>
+      </a:schemeClr>
+    </dgm:linClrLst>
+    <dgm:effectClrLst/>
+    <dgm:txLinClrLst/>
+    <dgm:txFillClrLst meth="repeat">
+      <a:schemeClr val="dk1"/>
+    </dgm:txFillClrLst>
+    <dgm:txEffectClrLst/>
+  </dgm:styleLbl>
+  <dgm:styleLbl name="bgAccFollowNode1">
+    <dgm:fillClrLst meth="repeat">
+      <a:schemeClr val="accent1">
+        <a:alpha val="90000"/>
+        <a:tint val="40000"/>
+      </a:schemeClr>
+    </dgm:fillClrLst>
+    <dgm:linClrLst meth="repeat">
+      <a:schemeClr val="accent1">
+        <a:alpha val="90000"/>
+        <a:tint val="40000"/>
+      </a:schemeClr>
+    </dgm:linClrLst>
+    <dgm:effectClrLst/>
+    <dgm:txLinClrLst/>
+    <dgm:txFillClrLst meth="repeat">
+      <a:schemeClr val="dk1"/>
+    </dgm:txFillClrLst>
+    <dgm:txEffectClrLst/>
+  </dgm:styleLbl>
+  <dgm:styleLbl name="fgAcc0">
+    <dgm:fillClrLst meth="repeat">
+      <a:schemeClr val="lt1">
+        <a:alpha val="90000"/>
+      </a:schemeClr>
+    </dgm:fillClrLst>
+    <dgm:linClrLst meth="repeat">
+      <a:schemeClr val="accent1"/>
+    </dgm:linClrLst>
+    <dgm:effectClrLst/>
+    <dgm:txLinClrLst/>
+    <dgm:txFillClrLst meth="repeat">
+      <a:schemeClr val="dk1"/>
+    </dgm:txFillClrLst>
+    <dgm:txEffectClrLst/>
+  </dgm:styleLbl>
+  <dgm:styleLbl name="fgAcc2">
+    <dgm:fillClrLst meth="repeat">
+      <a:schemeClr val="lt1">
+        <a:alpha val="90000"/>
+      </a:schemeClr>
+    </dgm:fillClrLst>
+    <dgm:linClrLst meth="repeat">
+      <a:schemeClr val="accent1"/>
+    </dgm:linClrLst>
+    <dgm:effectClrLst/>
+    <dgm:txLinClrLst/>
+    <dgm:txFillClrLst meth="repeat">
+      <a:schemeClr val="dk1"/>
+    </dgm:txFillClrLst>
+    <dgm:txEffectClrLst/>
+  </dgm:styleLbl>
+  <dgm:styleLbl name="fgAcc3">
+    <dgm:fillClrLst meth="repeat">
+      <a:schemeClr val="lt1">
+        <a:alpha val="90000"/>
+      </a:schemeClr>
+    </dgm:fillClrLst>
+    <dgm:linClrLst meth="repeat">
+      <a:schemeClr val="accent1"/>
+    </dgm:linClrLst>
+    <dgm:effectClrLst/>
+    <dgm:txLinClrLst/>
+    <dgm:txFillClrLst meth="repeat">
+      <a:schemeClr val="dk1"/>
+    </dgm:txFillClrLst>
+    <dgm:txEffectClrLst/>
+  </dgm:styleLbl>
+  <dgm:styleLbl name="fgAcc4">
+    <dgm:fillClrLst meth="repeat">
+      <a:schemeClr val="lt1">
+        <a:alpha val="90000"/>
+      </a:schemeClr>
+    </dgm:fillClrLst>
+    <dgm:linClrLst meth="repeat">
+      <a:schemeClr val="accent1"/>
+    </dgm:linClrLst>
+    <dgm:effectClrLst/>
+    <dgm:txLinClrLst/>
+    <dgm:txFillClrLst meth="repeat">
+      <a:schemeClr val="dk1"/>
+    </dgm:txFillClrLst>
+    <dgm:txEffectClrLst/>
+  </dgm:styleLbl>
+  <dgm:styleLbl name="bgShp">
+    <dgm:fillClrLst meth="repeat">
+      <a:schemeClr val="accent1">
+        <a:tint val="40000"/>
+      </a:schemeClr>
+    </dgm:fillClrLst>
+    <dgm:linClrLst meth="repeat">
+      <a:schemeClr val="accent1"/>
+    </dgm:linClrLst>
+    <dgm:effectClrLst/>
+    <dgm:txLinClrLst/>
+    <dgm:txFillClrLst meth="repeat">
+      <a:schemeClr val="dk1"/>
+    </dgm:txFillClrLst>
+    <dgm:txEffectClrLst/>
+  </dgm:styleLbl>
+  <dgm:styleLbl name="dkBgShp">
+    <dgm:fillClrLst meth="repeat">
+      <a:schemeClr val="accent1">
+        <a:shade val="80000"/>
+      </a:schemeClr>
+    </dgm:fillClrLst>
+    <dgm:linClrLst meth="repeat">
+      <a:schemeClr val="accent1"/>
+    </dgm:linClrLst>
+    <dgm:effectClrLst/>
+    <dgm:txLinClrLst/>
+    <dgm:txFillClrLst meth="repeat">
+      <a:schemeClr val="lt1"/>
+    </dgm:txFillClrLst>
+    <dgm:txEffectClrLst/>
+  </dgm:styleLbl>
+  <dgm:styleLbl name="trBgShp">
+    <dgm:fillClrLst meth="repeat">
+      <a:schemeClr val="accent1">
+        <a:tint val="50000"/>
+        <a:alpha val="40000"/>
+      </a:schemeClr>
+    </dgm:fillClrLst>
+    <dgm:linClrLst meth="repeat">
+      <a:schemeClr val="accent1"/>
+    </dgm:linClrLst>
+    <dgm:effectClrLst/>
+    <dgm:txLinClrLst/>
+    <dgm:txFillClrLst meth="repeat">
+      <a:schemeClr val="lt1"/>
+    </dgm:txFillClrLst>
+    <dgm:txEffectClrLst/>
+  </dgm:styleLbl>
+  <dgm:styleLbl name="fgShp">
+    <dgm:fillClrLst meth="repeat">
+      <a:schemeClr val="accent1">
+        <a:tint val="60000"/>
+      </a:schemeClr>
+    </dgm:fillClrLst>
+    <dgm:linClrLst meth="repeat">
+      <a:schemeClr val="lt1"/>
+    </dgm:linClrLst>
+    <dgm:effectClrLst/>
+    <dgm:txLinClrLst/>
+    <dgm:txFillClrLst meth="repeat">
+      <a:schemeClr val="dk1"/>
+    </dgm:txFillClrLst>
+    <dgm:txEffectClrLst/>
+  </dgm:styleLbl>
+  <dgm:styleLbl name="revTx">
+    <dgm:fillClrLst meth="repeat">
+      <a:schemeClr val="lt1">
+        <a:alpha val="0"/>
+      </a:schemeClr>
+    </dgm:fillClrLst>
+    <dgm:linClrLst meth="repeat">
+      <a:schemeClr val="dk1">
+        <a:alpha val="0"/>
+      </a:schemeClr>
+    </dgm:linClrLst>
+    <dgm:effectClrLst/>
+    <dgm:txLinClrLst/>
+    <dgm:txFillClrLst meth="repeat">
+      <a:schemeClr val="tx1"/>
+    </dgm:txFillClrLst>
+    <dgm:txEffectClrLst/>
+  </dgm:styleLbl>
+</dgm:colorsDef>
+</file>
+
+<file path=ppt/diagrams/colors20.xml><?xml version="1.0" encoding="utf-8"?>
 <dgm:colorsDef xmlns:dgm="http://schemas.openxmlformats.org/drawingml/2006/diagram" xmlns:a="http://schemas.openxmlformats.org/drawingml/2006/main" uniqueId="urn:microsoft.com/office/officeart/2005/8/colors/accent1_2">
   <dgm:title val=""/>
   <dgm:desc val=""/>
@@ -4171,6 +5360,211 @@
 </dgm:layoutDef>
 </file>
 
+<file path=ppt/diagrams/layout20.xml><?xml version="1.0" encoding="utf-8"?>
+<dgm:layoutDef xmlns:dgm="http://schemas.openxmlformats.org/drawingml/2006/diagram" xmlns:a="http://schemas.openxmlformats.org/drawingml/2006/main" uniqueId="urn:diagrams.loki3.com/BracketList">
+  <dgm:title val="Vertical Bracket List"/>
+  <dgm:desc val="Use to show grouped blocks of information.  Works well with large amounts of Level 2 text."/>
+  <dgm:catLst>
+    <dgm:cat type="list" pri="4110"/>
+    <dgm:cat type="officeonline" pri="3000"/>
+  </dgm:catLst>
+  <dgm:sampData>
+    <dgm:dataModel>
+      <dgm:ptLst>
+        <dgm:pt modelId="0" type="doc"/>
+        <dgm:pt modelId="1">
+          <dgm:prSet phldr="1"/>
+        </dgm:pt>
+        <dgm:pt modelId="11">
+          <dgm:prSet phldr="1"/>
+        </dgm:pt>
+        <dgm:pt modelId="2">
+          <dgm:prSet phldr="1"/>
+        </dgm:pt>
+        <dgm:pt modelId="21">
+          <dgm:prSet phldr="1"/>
+        </dgm:pt>
+      </dgm:ptLst>
+      <dgm:cxnLst>
+        <dgm:cxn modelId="3" srcId="0" destId="1" srcOrd="0" destOrd="0"/>
+        <dgm:cxn modelId="4" srcId="1" destId="11" srcOrd="0" destOrd="0"/>
+        <dgm:cxn modelId="5" srcId="0" destId="2" srcOrd="0" destOrd="0"/>
+        <dgm:cxn modelId="6" srcId="2" destId="21" srcOrd="0" destOrd="0"/>
+      </dgm:cxnLst>
+      <dgm:bg/>
+      <dgm:whole/>
+    </dgm:dataModel>
+  </dgm:sampData>
+  <dgm:styleData useDef="1">
+    <dgm:dataModel>
+      <dgm:ptLst/>
+      <dgm:bg/>
+      <dgm:whole/>
+    </dgm:dataModel>
+  </dgm:styleData>
+  <dgm:clrData useDef="1">
+    <dgm:dataModel>
+      <dgm:ptLst/>
+      <dgm:bg/>
+      <dgm:whole/>
+    </dgm:dataModel>
+  </dgm:clrData>
+  <dgm:layoutNode name="Name0">
+    <dgm:varLst>
+      <dgm:dir/>
+      <dgm:animLvl val="lvl"/>
+      <dgm:resizeHandles val="exact"/>
+    </dgm:varLst>
+    <dgm:choose name="Name1">
+      <dgm:if name="Name2" func="var" arg="dir" op="equ" val="norm">
+        <dgm:alg type="lin">
+          <dgm:param type="linDir" val="fromT"/>
+          <dgm:param type="nodeHorzAlign" val="l"/>
+        </dgm:alg>
+      </dgm:if>
+      <dgm:else name="Name3">
+        <dgm:alg type="lin">
+          <dgm:param type="linDir" val="fromT"/>
+          <dgm:param type="nodeHorzAlign" val="r"/>
+        </dgm:alg>
+      </dgm:else>
+    </dgm:choose>
+    <dgm:shape xmlns:r="http://schemas.openxmlformats.org/officeDocument/2006/relationships" r:blip="">
+      <dgm:adjLst/>
+    </dgm:shape>
+    <dgm:presOf/>
+    <dgm:constrLst>
+      <dgm:constr type="h" for="ch" forName="linNode" refType="h"/>
+      <dgm:constr type="w" for="ch" forName="linNode" refType="w"/>
+      <dgm:constr type="h" for="ch" forName="spV" refType="primFontSz" refFor="des" refForName="parTx" fact="0.1"/>
+      <dgm:constr type="primFontSz" for="des" forName="parTx" val="65"/>
+      <dgm:constr type="primFontSz" for="des" forName="desTx" refType="primFontSz" refFor="des" refForName="parTx"/>
+      <dgm:constr type="h" for="des" forName="parTx" refType="primFontSz" refFor="des" refForName="parTx" fact="0.55"/>
+      <dgm:constr type="h" for="des" forName="bracket" refType="primFontSz" refFor="des" refForName="parTx" fact="0.55"/>
+      <dgm:constr type="h" for="des" forName="desTx" refType="primFontSz" refFor="des" refForName="parTx" fact="0.55"/>
+    </dgm:constrLst>
+    <dgm:ruleLst>
+      <dgm:rule type="primFontSz" for="des" forName="parTx" val="5" fact="NaN" max="NaN"/>
+    </dgm:ruleLst>
+    <dgm:forEach name="Name4" axis="ch" ptType="node">
+      <dgm:layoutNode name="linNode">
+        <dgm:choose name="Name5">
+          <dgm:if name="Name6" func="var" arg="dir" op="equ" val="norm">
+            <dgm:alg type="lin">
+              <dgm:param type="linDir" val="fromL"/>
+            </dgm:alg>
+          </dgm:if>
+          <dgm:else name="Name7">
+            <dgm:alg type="lin">
+              <dgm:param type="linDir" val="fromR"/>
+            </dgm:alg>
+          </dgm:else>
+        </dgm:choose>
+        <dgm:shape xmlns:r="http://schemas.openxmlformats.org/officeDocument/2006/relationships" r:blip="">
+          <dgm:adjLst/>
+        </dgm:shape>
+        <dgm:presOf/>
+        <dgm:constrLst>
+          <dgm:constr type="w" for="ch" forName="parTx" refType="w" fact="0.25"/>
+          <dgm:constr type="w" for="ch" forName="bracket" refType="w" fact="0.05"/>
+          <dgm:constr type="w" for="ch" forName="spH" refType="w" fact="0.02"/>
+          <dgm:constr type="w" for="ch" forName="desTx" refType="w" fact="0.68"/>
+          <dgm:constr type="h" for="ch" forName="bracket" refType="h" refFor="ch" refForName="desTx" op="gte"/>
+          <dgm:constr type="h" for="ch" forName="bracket" refType="h" refFor="ch" refForName="parTx" op="gte"/>
+          <dgm:constr type="h" for="ch" forName="desTx" refType="h" refFor="ch" refForName="parTx" op="gte"/>
+        </dgm:constrLst>
+        <dgm:ruleLst/>
+        <dgm:layoutNode name="parTx" styleLbl="revTx">
+          <dgm:varLst>
+            <dgm:chMax val="1"/>
+            <dgm:bulletEnabled val="1"/>
+          </dgm:varLst>
+          <dgm:choose name="Name8">
+            <dgm:if name="Name9" func="var" arg="dir" op="equ" val="norm">
+              <dgm:alg type="tx">
+                <dgm:param type="parTxLTRAlign" val="r"/>
+              </dgm:alg>
+            </dgm:if>
+            <dgm:else name="Name10">
+              <dgm:alg type="tx">
+                <dgm:param type="parTxLTRAlign" val="l"/>
+              </dgm:alg>
+            </dgm:else>
+          </dgm:choose>
+          <dgm:shape xmlns:r="http://schemas.openxmlformats.org/officeDocument/2006/relationships" type="rect" r:blip="">
+            <dgm:adjLst/>
+          </dgm:shape>
+          <dgm:presOf axis="self" ptType="node"/>
+          <dgm:constrLst>
+            <dgm:constr type="tMarg" refType="primFontSz" fact="0.2"/>
+            <dgm:constr type="bMarg" refType="primFontSz" fact="0.2"/>
+          </dgm:constrLst>
+          <dgm:ruleLst>
+            <dgm:rule type="h" val="INF" fact="NaN" max="NaN"/>
+          </dgm:ruleLst>
+        </dgm:layoutNode>
+        <dgm:layoutNode name="bracket" styleLbl="parChTrans1D1">
+          <dgm:alg type="sp"/>
+          <dgm:choose name="Name11">
+            <dgm:if name="Name12" func="var" arg="dir" op="equ" val="norm">
+              <dgm:shape xmlns:r="http://schemas.openxmlformats.org/officeDocument/2006/relationships" type="leftBrace" r:blip="">
+                <dgm:adjLst>
+                  <dgm:adj idx="1" val="0.35"/>
+                </dgm:adjLst>
+              </dgm:shape>
+            </dgm:if>
+            <dgm:else name="Name13">
+              <dgm:shape xmlns:r="http://schemas.openxmlformats.org/officeDocument/2006/relationships" rot="180" type="leftBrace" r:blip="">
+                <dgm:adjLst>
+                  <dgm:adj idx="1" val="0.35"/>
+                </dgm:adjLst>
+              </dgm:shape>
+            </dgm:else>
+          </dgm:choose>
+          <dgm:presOf/>
+        </dgm:layoutNode>
+        <dgm:layoutNode name="spH">
+          <dgm:alg type="sp"/>
+        </dgm:layoutNode>
+        <dgm:choose name="Name14">
+          <dgm:if name="Name15" axis="ch" ptType="node" func="cnt" op="gte" val="1">
+            <dgm:layoutNode name="desTx" styleLbl="node1">
+              <dgm:varLst>
+                <dgm:bulletEnabled val="1"/>
+              </dgm:varLst>
+              <dgm:alg type="tx">
+                <dgm:param type="stBulletLvl" val="1"/>
+                <dgm:param type="txAnchorVertCh" val="mid"/>
+              </dgm:alg>
+              <dgm:shape xmlns:r="http://schemas.openxmlformats.org/officeDocument/2006/relationships" type="rect" r:blip="">
+                <dgm:adjLst/>
+              </dgm:shape>
+              <dgm:presOf axis="des" ptType="node"/>
+              <dgm:constrLst>
+                <dgm:constr type="secFontSz" refType="primFontSz"/>
+                <dgm:constr type="tMarg" refType="primFontSz" fact="0.3"/>
+                <dgm:constr type="bMarg" refType="primFontSz" fact="0.3"/>
+                <dgm:constr type="lMarg" refType="primFontSz" fact="0.3"/>
+                <dgm:constr type="rMarg" refType="primFontSz" fact="0.3"/>
+              </dgm:constrLst>
+              <dgm:ruleLst>
+                <dgm:rule type="h" val="INF" fact="NaN" max="NaN"/>
+              </dgm:ruleLst>
+            </dgm:layoutNode>
+          </dgm:if>
+          <dgm:else name="Name16"/>
+        </dgm:choose>
+      </dgm:layoutNode>
+      <dgm:forEach name="Name17" axis="followSib" ptType="sibTrans" cnt="1">
+        <dgm:layoutNode name="spV">
+          <dgm:alg type="sp"/>
+        </dgm:layoutNode>
+      </dgm:forEach>
+    </dgm:forEach>
+  </dgm:layoutNode>
+</dgm:layoutDef>
+</file>
+
 <file path=ppt/diagrams/quickStyle1.xml><?xml version="1.0" encoding="utf-8"?>
 <dgm:styleDef xmlns:dgm="http://schemas.openxmlformats.org/drawingml/2006/diagram" xmlns:a="http://schemas.openxmlformats.org/drawingml/2006/main" uniqueId="urn:microsoft.com/office/officeart/2005/8/quickstyle/3d3">
   <dgm:title val=""/>
@@ -5502,6 +6896,1040 @@
 </file>
 
 <file path=ppt/diagrams/quickStyle2.xml><?xml version="1.0" encoding="utf-8"?>
+<dgm:styleDef xmlns:dgm="http://schemas.openxmlformats.org/drawingml/2006/diagram" xmlns:a="http://schemas.openxmlformats.org/drawingml/2006/main" uniqueId="urn:microsoft.com/office/officeart/2005/8/quickstyle/simple1">
+  <dgm:title val=""/>
+  <dgm:desc val=""/>
+  <dgm:catLst>
+    <dgm:cat type="simple" pri="10100"/>
+  </dgm:catLst>
+  <dgm:scene3d>
+    <a:camera prst="orthographicFront"/>
+    <a:lightRig rig="threePt" dir="t"/>
+  </dgm:scene3d>
+  <dgm:styleLbl name="node0">
+    <dgm:scene3d>
+      <a:camera prst="orthographicFront"/>
+      <a:lightRig rig="threePt" dir="t"/>
+    </dgm:scene3d>
+    <dgm:sp3d/>
+    <dgm:txPr/>
+    <dgm:style>
+      <a:lnRef idx="2">
+        <a:scrgbClr r="0" g="0" b="0"/>
+      </a:lnRef>
+      <a:fillRef idx="1">
+        <a:scrgbClr r="0" g="0" b="0"/>
+      </a:fillRef>
+      <a:effectRef idx="0">
+        <a:scrgbClr r="0" g="0" b="0"/>
+      </a:effectRef>
+      <a:fontRef idx="minor">
+        <a:schemeClr val="lt1"/>
+      </a:fontRef>
+    </dgm:style>
+  </dgm:styleLbl>
+  <dgm:styleLbl name="lnNode1">
+    <dgm:scene3d>
+      <a:camera prst="orthographicFront"/>
+      <a:lightRig rig="threePt" dir="t"/>
+    </dgm:scene3d>
+    <dgm:sp3d/>
+    <dgm:txPr/>
+    <dgm:style>
+      <a:lnRef idx="2">
+        <a:scrgbClr r="0" g="0" b="0"/>
+      </a:lnRef>
+      <a:fillRef idx="1">
+        <a:scrgbClr r="0" g="0" b="0"/>
+      </a:fillRef>
+      <a:effectRef idx="0">
+        <a:scrgbClr r="0" g="0" b="0"/>
+      </a:effectRef>
+      <a:fontRef idx="minor">
+        <a:schemeClr val="lt1"/>
+      </a:fontRef>
+    </dgm:style>
+  </dgm:styleLbl>
+  <dgm:styleLbl name="vennNode1">
+    <dgm:scene3d>
+      <a:camera prst="orthographicFront"/>
+      <a:lightRig rig="threePt" dir="t"/>
+    </dgm:scene3d>
+    <dgm:sp3d/>
+    <dgm:txPr/>
+    <dgm:style>
+      <a:lnRef idx="2">
+        <a:scrgbClr r="0" g="0" b="0"/>
+      </a:lnRef>
+      <a:fillRef idx="1">
+        <a:scrgbClr r="0" g="0" b="0"/>
+      </a:fillRef>
+      <a:effectRef idx="0">
+        <a:scrgbClr r="0" g="0" b="0"/>
+      </a:effectRef>
+      <a:fontRef idx="minor">
+        <a:schemeClr val="tx1"/>
+      </a:fontRef>
+    </dgm:style>
+  </dgm:styleLbl>
+  <dgm:styleLbl name="alignNode1">
+    <dgm:scene3d>
+      <a:camera prst="orthographicFront"/>
+      <a:lightRig rig="threePt" dir="t"/>
+    </dgm:scene3d>
+    <dgm:sp3d/>
+    <dgm:txPr/>
+    <dgm:style>
+      <a:lnRef idx="2">
+        <a:scrgbClr r="0" g="0" b="0"/>
+      </a:lnRef>
+      <a:fillRef idx="1">
+        <a:scrgbClr r="0" g="0" b="0"/>
+      </a:fillRef>
+      <a:effectRef idx="0">
+        <a:scrgbClr r="0" g="0" b="0"/>
+      </a:effectRef>
+      <a:fontRef idx="minor">
+        <a:schemeClr val="lt1"/>
+      </a:fontRef>
+    </dgm:style>
+  </dgm:styleLbl>
+  <dgm:styleLbl name="node1">
+    <dgm:scene3d>
+      <a:camera prst="orthographicFront"/>
+      <a:lightRig rig="threePt" dir="t"/>
+    </dgm:scene3d>
+    <dgm:sp3d/>
+    <dgm:txPr/>
+    <dgm:style>
+      <a:lnRef idx="2">
+        <a:scrgbClr r="0" g="0" b="0"/>
+      </a:lnRef>
+      <a:fillRef idx="1">
+        <a:scrgbClr r="0" g="0" b="0"/>
+      </a:fillRef>
+      <a:effectRef idx="0">
+        <a:scrgbClr r="0" g="0" b="0"/>
+      </a:effectRef>
+      <a:fontRef idx="minor">
+        <a:schemeClr val="lt1"/>
+      </a:fontRef>
+    </dgm:style>
+  </dgm:styleLbl>
+  <dgm:styleLbl name="node2">
+    <dgm:scene3d>
+      <a:camera prst="orthographicFront"/>
+      <a:lightRig rig="threePt" dir="t"/>
+    </dgm:scene3d>
+    <dgm:sp3d/>
+    <dgm:txPr/>
+    <dgm:style>
+      <a:lnRef idx="2">
+        <a:scrgbClr r="0" g="0" b="0"/>
+      </a:lnRef>
+      <a:fillRef idx="1">
+        <a:scrgbClr r="0" g="0" b="0"/>
+      </a:fillRef>
+      <a:effectRef idx="0">
+        <a:scrgbClr r="0" g="0" b="0"/>
+      </a:effectRef>
+      <a:fontRef idx="minor">
+        <a:schemeClr val="lt1"/>
+      </a:fontRef>
+    </dgm:style>
+  </dgm:styleLbl>
+  <dgm:styleLbl name="node3">
+    <dgm:scene3d>
+      <a:camera prst="orthographicFront"/>
+      <a:lightRig rig="threePt" dir="t"/>
+    </dgm:scene3d>
+    <dgm:sp3d/>
+    <dgm:txPr/>
+    <dgm:style>
+      <a:lnRef idx="2">
+        <a:scrgbClr r="0" g="0" b="0"/>
+      </a:lnRef>
+      <a:fillRef idx="1">
+        <a:scrgbClr r="0" g="0" b="0"/>
+      </a:fillRef>
+      <a:effectRef idx="0">
+        <a:scrgbClr r="0" g="0" b="0"/>
+      </a:effectRef>
+      <a:fontRef idx="minor">
+        <a:schemeClr val="lt1"/>
+      </a:fontRef>
+    </dgm:style>
+  </dgm:styleLbl>
+  <dgm:styleLbl name="node4">
+    <dgm:scene3d>
+      <a:camera prst="orthographicFront"/>
+      <a:lightRig rig="threePt" dir="t"/>
+    </dgm:scene3d>
+    <dgm:sp3d/>
+    <dgm:txPr/>
+    <dgm:style>
+      <a:lnRef idx="2">
+        <a:scrgbClr r="0" g="0" b="0"/>
+      </a:lnRef>
+      <a:fillRef idx="1">
+        <a:scrgbClr r="0" g="0" b="0"/>
+      </a:fillRef>
+      <a:effectRef idx="0">
+        <a:scrgbClr r="0" g="0" b="0"/>
+      </a:effectRef>
+      <a:fontRef idx="minor">
+        <a:schemeClr val="lt1"/>
+      </a:fontRef>
+    </dgm:style>
+  </dgm:styleLbl>
+  <dgm:styleLbl name="fgImgPlace1">
+    <dgm:scene3d>
+      <a:camera prst="orthographicFront"/>
+      <a:lightRig rig="threePt" dir="t"/>
+    </dgm:scene3d>
+    <dgm:sp3d/>
+    <dgm:txPr/>
+    <dgm:style>
+      <a:lnRef idx="2">
+        <a:scrgbClr r="0" g="0" b="0"/>
+      </a:lnRef>
+      <a:fillRef idx="1">
+        <a:scrgbClr r="0" g="0" b="0"/>
+      </a:fillRef>
+      <a:effectRef idx="0">
+        <a:scrgbClr r="0" g="0" b="0"/>
+      </a:effectRef>
+      <a:fontRef idx="minor"/>
+    </dgm:style>
+  </dgm:styleLbl>
+  <dgm:styleLbl name="alignImgPlace1">
+    <dgm:scene3d>
+      <a:camera prst="orthographicFront"/>
+      <a:lightRig rig="threePt" dir="t"/>
+    </dgm:scene3d>
+    <dgm:sp3d/>
+    <dgm:txPr/>
+    <dgm:style>
+      <a:lnRef idx="2">
+        <a:scrgbClr r="0" g="0" b="0"/>
+      </a:lnRef>
+      <a:fillRef idx="1">
+        <a:scrgbClr r="0" g="0" b="0"/>
+      </a:fillRef>
+      <a:effectRef idx="0">
+        <a:scrgbClr r="0" g="0" b="0"/>
+      </a:effectRef>
+      <a:fontRef idx="minor"/>
+    </dgm:style>
+  </dgm:styleLbl>
+  <dgm:styleLbl name="bgImgPlace1">
+    <dgm:scene3d>
+      <a:camera prst="orthographicFront"/>
+      <a:lightRig rig="threePt" dir="t"/>
+    </dgm:scene3d>
+    <dgm:sp3d/>
+    <dgm:txPr/>
+    <dgm:style>
+      <a:lnRef idx="2">
+        <a:scrgbClr r="0" g="0" b="0"/>
+      </a:lnRef>
+      <a:fillRef idx="1">
+        <a:scrgbClr r="0" g="0" b="0"/>
+      </a:fillRef>
+      <a:effectRef idx="0">
+        <a:scrgbClr r="0" g="0" b="0"/>
+      </a:effectRef>
+      <a:fontRef idx="minor"/>
+    </dgm:style>
+  </dgm:styleLbl>
+  <dgm:styleLbl name="sibTrans2D1">
+    <dgm:scene3d>
+      <a:camera prst="orthographicFront"/>
+      <a:lightRig rig="threePt" dir="t"/>
+    </dgm:scene3d>
+    <dgm:sp3d/>
+    <dgm:txPr/>
+    <dgm:style>
+      <a:lnRef idx="0">
+        <a:scrgbClr r="0" g="0" b="0"/>
+      </a:lnRef>
+      <a:fillRef idx="1">
+        <a:scrgbClr r="0" g="0" b="0"/>
+      </a:fillRef>
+      <a:effectRef idx="0">
+        <a:scrgbClr r="0" g="0" b="0"/>
+      </a:effectRef>
+      <a:fontRef idx="minor">
+        <a:schemeClr val="lt1"/>
+      </a:fontRef>
+    </dgm:style>
+  </dgm:styleLbl>
+  <dgm:styleLbl name="fgSibTrans2D1">
+    <dgm:scene3d>
+      <a:camera prst="orthographicFront"/>
+      <a:lightRig rig="threePt" dir="t"/>
+    </dgm:scene3d>
+    <dgm:sp3d/>
+    <dgm:txPr/>
+    <dgm:style>
+      <a:lnRef idx="0">
+        <a:scrgbClr r="0" g="0" b="0"/>
+      </a:lnRef>
+      <a:fillRef idx="1">
+        <a:scrgbClr r="0" g="0" b="0"/>
+      </a:fillRef>
+      <a:effectRef idx="0">
+        <a:scrgbClr r="0" g="0" b="0"/>
+      </a:effectRef>
+      <a:fontRef idx="minor">
+        <a:schemeClr val="lt1"/>
+      </a:fontRef>
+    </dgm:style>
+  </dgm:styleLbl>
+  <dgm:styleLbl name="bgSibTrans2D1">
+    <dgm:scene3d>
+      <a:camera prst="orthographicFront"/>
+      <a:lightRig rig="threePt" dir="t"/>
+    </dgm:scene3d>
+    <dgm:sp3d/>
+    <dgm:txPr/>
+    <dgm:style>
+      <a:lnRef idx="0">
+        <a:scrgbClr r="0" g="0" b="0"/>
+      </a:lnRef>
+      <a:fillRef idx="1">
+        <a:scrgbClr r="0" g="0" b="0"/>
+      </a:fillRef>
+      <a:effectRef idx="0">
+        <a:scrgbClr r="0" g="0" b="0"/>
+      </a:effectRef>
+      <a:fontRef idx="minor">
+        <a:schemeClr val="lt1"/>
+      </a:fontRef>
+    </dgm:style>
+  </dgm:styleLbl>
+  <dgm:styleLbl name="sibTrans1D1">
+    <dgm:scene3d>
+      <a:camera prst="orthographicFront"/>
+      <a:lightRig rig="threePt" dir="t"/>
+    </dgm:scene3d>
+    <dgm:sp3d/>
+    <dgm:txPr/>
+    <dgm:style>
+      <a:lnRef idx="1">
+        <a:scrgbClr r="0" g="0" b="0"/>
+      </a:lnRef>
+      <a:fillRef idx="0">
+        <a:scrgbClr r="0" g="0" b="0"/>
+      </a:fillRef>
+      <a:effectRef idx="0">
+        <a:scrgbClr r="0" g="0" b="0"/>
+      </a:effectRef>
+      <a:fontRef idx="minor"/>
+    </dgm:style>
+  </dgm:styleLbl>
+  <dgm:styleLbl name="callout">
+    <dgm:scene3d>
+      <a:camera prst="orthographicFront"/>
+      <a:lightRig rig="threePt" dir="t"/>
+    </dgm:scene3d>
+    <dgm:sp3d/>
+    <dgm:txPr/>
+    <dgm:style>
+      <a:lnRef idx="2">
+        <a:scrgbClr r="0" g="0" b="0"/>
+      </a:lnRef>
+      <a:fillRef idx="1">
+        <a:scrgbClr r="0" g="0" b="0"/>
+      </a:fillRef>
+      <a:effectRef idx="0">
+        <a:scrgbClr r="0" g="0" b="0"/>
+      </a:effectRef>
+      <a:fontRef idx="minor"/>
+    </dgm:style>
+  </dgm:styleLbl>
+  <dgm:styleLbl name="asst0">
+    <dgm:scene3d>
+      <a:camera prst="orthographicFront"/>
+      <a:lightRig rig="threePt" dir="t"/>
+    </dgm:scene3d>
+    <dgm:sp3d/>
+    <dgm:txPr/>
+    <dgm:style>
+      <a:lnRef idx="2">
+        <a:scrgbClr r="0" g="0" b="0"/>
+      </a:lnRef>
+      <a:fillRef idx="1">
+        <a:scrgbClr r="0" g="0" b="0"/>
+      </a:fillRef>
+      <a:effectRef idx="0">
+        <a:scrgbClr r="0" g="0" b="0"/>
+      </a:effectRef>
+      <a:fontRef idx="minor">
+        <a:schemeClr val="lt1"/>
+      </a:fontRef>
+    </dgm:style>
+  </dgm:styleLbl>
+  <dgm:styleLbl name="asst1">
+    <dgm:scene3d>
+      <a:camera prst="orthographicFront"/>
+      <a:lightRig rig="threePt" dir="t"/>
+    </dgm:scene3d>
+    <dgm:sp3d/>
+    <dgm:txPr/>
+    <dgm:style>
+      <a:lnRef idx="2">
+        <a:scrgbClr r="0" g="0" b="0"/>
+      </a:lnRef>
+      <a:fillRef idx="1">
+        <a:scrgbClr r="0" g="0" b="0"/>
+      </a:fillRef>
+      <a:effectRef idx="0">
+        <a:scrgbClr r="0" g="0" b="0"/>
+      </a:effectRef>
+      <a:fontRef idx="minor">
+        <a:schemeClr val="lt1"/>
+      </a:fontRef>
+    </dgm:style>
+  </dgm:styleLbl>
+  <dgm:styleLbl name="asst2">
+    <dgm:scene3d>
+      <a:camera prst="orthographicFront"/>
+      <a:lightRig rig="threePt" dir="t"/>
+    </dgm:scene3d>
+    <dgm:sp3d/>
+    <dgm:txPr/>
+    <dgm:style>
+      <a:lnRef idx="2">
+        <a:scrgbClr r="0" g="0" b="0"/>
+      </a:lnRef>
+      <a:fillRef idx="1">
+        <a:scrgbClr r="0" g="0" b="0"/>
+      </a:fillRef>
+      <a:effectRef idx="0">
+        <a:scrgbClr r="0" g="0" b="0"/>
+      </a:effectRef>
+      <a:fontRef idx="minor">
+        <a:schemeClr val="lt1"/>
+      </a:fontRef>
+    </dgm:style>
+  </dgm:styleLbl>
+  <dgm:styleLbl name="asst3">
+    <dgm:scene3d>
+      <a:camera prst="orthographicFront"/>
+      <a:lightRig rig="threePt" dir="t"/>
+    </dgm:scene3d>
+    <dgm:sp3d/>
+    <dgm:txPr/>
+    <dgm:style>
+      <a:lnRef idx="2">
+        <a:scrgbClr r="0" g="0" b="0"/>
+      </a:lnRef>
+      <a:fillRef idx="1">
+        <a:scrgbClr r="0" g="0" b="0"/>
+      </a:fillRef>
+      <a:effectRef idx="0">
+        <a:scrgbClr r="0" g="0" b="0"/>
+      </a:effectRef>
+      <a:fontRef idx="minor">
+        <a:schemeClr val="lt1"/>
+      </a:fontRef>
+    </dgm:style>
+  </dgm:styleLbl>
+  <dgm:styleLbl name="asst4">
+    <dgm:scene3d>
+      <a:camera prst="orthographicFront"/>
+      <a:lightRig rig="threePt" dir="t"/>
+    </dgm:scene3d>
+    <dgm:sp3d/>
+    <dgm:txPr/>
+    <dgm:style>
+      <a:lnRef idx="2">
+        <a:scrgbClr r="0" g="0" b="0"/>
+      </a:lnRef>
+      <a:fillRef idx="1">
+        <a:scrgbClr r="0" g="0" b="0"/>
+      </a:fillRef>
+      <a:effectRef idx="0">
+        <a:scrgbClr r="0" g="0" b="0"/>
+      </a:effectRef>
+      <a:fontRef idx="minor">
+        <a:schemeClr val="lt1"/>
+      </a:fontRef>
+    </dgm:style>
+  </dgm:styleLbl>
+  <dgm:styleLbl name="parChTrans2D1">
+    <dgm:scene3d>
+      <a:camera prst="orthographicFront"/>
+      <a:lightRig rig="threePt" dir="t"/>
+    </dgm:scene3d>
+    <dgm:sp3d/>
+    <dgm:txPr/>
+    <dgm:style>
+      <a:lnRef idx="2">
+        <a:scrgbClr r="0" g="0" b="0"/>
+      </a:lnRef>
+      <a:fillRef idx="1">
+        <a:scrgbClr r="0" g="0" b="0"/>
+      </a:fillRef>
+      <a:effectRef idx="0">
+        <a:scrgbClr r="0" g="0" b="0"/>
+      </a:effectRef>
+      <a:fontRef idx="minor">
+        <a:schemeClr val="lt1"/>
+      </a:fontRef>
+    </dgm:style>
+  </dgm:styleLbl>
+  <dgm:styleLbl name="parChTrans2D2">
+    <dgm:scene3d>
+      <a:camera prst="orthographicFront"/>
+      <a:lightRig rig="threePt" dir="t"/>
+    </dgm:scene3d>
+    <dgm:sp3d/>
+    <dgm:txPr/>
+    <dgm:style>
+      <a:lnRef idx="2">
+        <a:scrgbClr r="0" g="0" b="0"/>
+      </a:lnRef>
+      <a:fillRef idx="1">
+        <a:scrgbClr r="0" g="0" b="0"/>
+      </a:fillRef>
+      <a:effectRef idx="0">
+        <a:scrgbClr r="0" g="0" b="0"/>
+      </a:effectRef>
+      <a:fontRef idx="minor">
+        <a:schemeClr val="lt1"/>
+      </a:fontRef>
+    </dgm:style>
+  </dgm:styleLbl>
+  <dgm:styleLbl name="parChTrans2D3">
+    <dgm:scene3d>
+      <a:camera prst="orthographicFront"/>
+      <a:lightRig rig="threePt" dir="t"/>
+    </dgm:scene3d>
+    <dgm:sp3d/>
+    <dgm:txPr/>
+    <dgm:style>
+      <a:lnRef idx="2">
+        <a:scrgbClr r="0" g="0" b="0"/>
+      </a:lnRef>
+      <a:fillRef idx="1">
+        <a:scrgbClr r="0" g="0" b="0"/>
+      </a:fillRef>
+      <a:effectRef idx="0">
+        <a:scrgbClr r="0" g="0" b="0"/>
+      </a:effectRef>
+      <a:fontRef idx="minor">
+        <a:schemeClr val="lt1"/>
+      </a:fontRef>
+    </dgm:style>
+  </dgm:styleLbl>
+  <dgm:styleLbl name="parChTrans2D4">
+    <dgm:scene3d>
+      <a:camera prst="orthographicFront"/>
+      <a:lightRig rig="threePt" dir="t"/>
+    </dgm:scene3d>
+    <dgm:sp3d/>
+    <dgm:txPr/>
+    <dgm:style>
+      <a:lnRef idx="2">
+        <a:scrgbClr r="0" g="0" b="0"/>
+      </a:lnRef>
+      <a:fillRef idx="1">
+        <a:scrgbClr r="0" g="0" b="0"/>
+      </a:fillRef>
+      <a:effectRef idx="0">
+        <a:scrgbClr r="0" g="0" b="0"/>
+      </a:effectRef>
+      <a:fontRef idx="minor">
+        <a:schemeClr val="lt1"/>
+      </a:fontRef>
+    </dgm:style>
+  </dgm:styleLbl>
+  <dgm:styleLbl name="parChTrans1D1">
+    <dgm:scene3d>
+      <a:camera prst="orthographicFront"/>
+      <a:lightRig rig="threePt" dir="t"/>
+    </dgm:scene3d>
+    <dgm:sp3d/>
+    <dgm:txPr/>
+    <dgm:style>
+      <a:lnRef idx="2">
+        <a:scrgbClr r="0" g="0" b="0"/>
+      </a:lnRef>
+      <a:fillRef idx="0">
+        <a:scrgbClr r="0" g="0" b="0"/>
+      </a:fillRef>
+      <a:effectRef idx="0">
+        <a:scrgbClr r="0" g="0" b="0"/>
+      </a:effectRef>
+      <a:fontRef idx="minor"/>
+    </dgm:style>
+  </dgm:styleLbl>
+  <dgm:styleLbl name="parChTrans1D2">
+    <dgm:scene3d>
+      <a:camera prst="orthographicFront"/>
+      <a:lightRig rig="threePt" dir="t"/>
+    </dgm:scene3d>
+    <dgm:sp3d/>
+    <dgm:txPr/>
+    <dgm:style>
+      <a:lnRef idx="2">
+        <a:scrgbClr r="0" g="0" b="0"/>
+      </a:lnRef>
+      <a:fillRef idx="0">
+        <a:scrgbClr r="0" g="0" b="0"/>
+      </a:fillRef>
+      <a:effectRef idx="0">
+        <a:scrgbClr r="0" g="0" b="0"/>
+      </a:effectRef>
+      <a:fontRef idx="minor"/>
+    </dgm:style>
+  </dgm:styleLbl>
+  <dgm:styleLbl name="parChTrans1D3">
+    <dgm:scene3d>
+      <a:camera prst="orthographicFront"/>
+      <a:lightRig rig="threePt" dir="t"/>
+    </dgm:scene3d>
+    <dgm:sp3d/>
+    <dgm:txPr/>
+    <dgm:style>
+      <a:lnRef idx="2">
+        <a:scrgbClr r="0" g="0" b="0"/>
+      </a:lnRef>
+      <a:fillRef idx="0">
+        <a:scrgbClr r="0" g="0" b="0"/>
+      </a:fillRef>
+      <a:effectRef idx="0">
+        <a:scrgbClr r="0" g="0" b="0"/>
+      </a:effectRef>
+      <a:fontRef idx="minor"/>
+    </dgm:style>
+  </dgm:styleLbl>
+  <dgm:styleLbl name="parChTrans1D4">
+    <dgm:scene3d>
+      <a:camera prst="orthographicFront"/>
+      <a:lightRig rig="threePt" dir="t"/>
+    </dgm:scene3d>
+    <dgm:sp3d/>
+    <dgm:txPr/>
+    <dgm:style>
+      <a:lnRef idx="2">
+        <a:scrgbClr r="0" g="0" b="0"/>
+      </a:lnRef>
+      <a:fillRef idx="0">
+        <a:scrgbClr r="0" g="0" b="0"/>
+      </a:fillRef>
+      <a:effectRef idx="0">
+        <a:scrgbClr r="0" g="0" b="0"/>
+      </a:effectRef>
+      <a:fontRef idx="minor"/>
+    </dgm:style>
+  </dgm:styleLbl>
+  <dgm:styleLbl name="fgAcc1">
+    <dgm:scene3d>
+      <a:camera prst="orthographicFront"/>
+      <a:lightRig rig="threePt" dir="t"/>
+    </dgm:scene3d>
+    <dgm:sp3d/>
+    <dgm:txPr/>
+    <dgm:style>
+      <a:lnRef idx="2">
+        <a:scrgbClr r="0" g="0" b="0"/>
+      </a:lnRef>
+      <a:fillRef idx="1">
+        <a:scrgbClr r="0" g="0" b="0"/>
+      </a:fillRef>
+      <a:effectRef idx="0">
+        <a:scrgbClr r="0" g="0" b="0"/>
+      </a:effectRef>
+      <a:fontRef idx="minor"/>
+    </dgm:style>
+  </dgm:styleLbl>
+  <dgm:styleLbl name="conFgAcc1">
+    <dgm:scene3d>
+      <a:camera prst="orthographicFront"/>
+      <a:lightRig rig="threePt" dir="t"/>
+    </dgm:scene3d>
+    <dgm:sp3d/>
+    <dgm:txPr/>
+    <dgm:style>
+      <a:lnRef idx="2">
+        <a:scrgbClr r="0" g="0" b="0"/>
+      </a:lnRef>
+      <a:fillRef idx="1">
+        <a:scrgbClr r="0" g="0" b="0"/>
+      </a:fillRef>
+      <a:effectRef idx="0">
+        <a:scrgbClr r="0" g="0" b="0"/>
+      </a:effectRef>
+      <a:fontRef idx="minor"/>
+    </dgm:style>
+  </dgm:styleLbl>
+  <dgm:styleLbl name="alignAcc1">
+    <dgm:scene3d>
+      <a:camera prst="orthographicFront"/>
+      <a:lightRig rig="threePt" dir="t"/>
+    </dgm:scene3d>
+    <dgm:sp3d/>
+    <dgm:txPr/>
+    <dgm:style>
+      <a:lnRef idx="2">
+        <a:scrgbClr r="0" g="0" b="0"/>
+      </a:lnRef>
+      <a:fillRef idx="1">
+        <a:scrgbClr r="0" g="0" b="0"/>
+      </a:fillRef>
+      <a:effectRef idx="0">
+        <a:scrgbClr r="0" g="0" b="0"/>
+      </a:effectRef>
+      <a:fontRef idx="minor"/>
+    </dgm:style>
+  </dgm:styleLbl>
+  <dgm:styleLbl name="trAlignAcc1">
+    <dgm:scene3d>
+      <a:camera prst="orthographicFront"/>
+      <a:lightRig rig="threePt" dir="t"/>
+    </dgm:scene3d>
+    <dgm:sp3d/>
+    <dgm:txPr/>
+    <dgm:style>
+      <a:lnRef idx="1">
+        <a:scrgbClr r="0" g="0" b="0"/>
+      </a:lnRef>
+      <a:fillRef idx="1">
+        <a:scrgbClr r="0" g="0" b="0"/>
+      </a:fillRef>
+      <a:effectRef idx="0">
+        <a:scrgbClr r="0" g="0" b="0"/>
+      </a:effectRef>
+      <a:fontRef idx="minor"/>
+    </dgm:style>
+  </dgm:styleLbl>
+  <dgm:styleLbl name="bgAcc1">
+    <dgm:scene3d>
+      <a:camera prst="orthographicFront"/>
+      <a:lightRig rig="threePt" dir="t"/>
+    </dgm:scene3d>
+    <dgm:sp3d/>
+    <dgm:txPr/>
+    <dgm:style>
+      <a:lnRef idx="2">
+        <a:scrgbClr r="0" g="0" b="0"/>
+      </a:lnRef>
+      <a:fillRef idx="1">
+        <a:scrgbClr r="0" g="0" b="0"/>
+      </a:fillRef>
+      <a:effectRef idx="0">
+        <a:scrgbClr r="0" g="0" b="0"/>
+      </a:effectRef>
+      <a:fontRef idx="minor"/>
+    </dgm:style>
+  </dgm:styleLbl>
+  <dgm:styleLbl name="solidFgAcc1">
+    <dgm:scene3d>
+      <a:camera prst="orthographicFront"/>
+      <a:lightRig rig="threePt" dir="t"/>
+    </dgm:scene3d>
+    <dgm:sp3d/>
+    <dgm:txPr/>
+    <dgm:style>
+      <a:lnRef idx="2">
+        <a:scrgbClr r="0" g="0" b="0"/>
+      </a:lnRef>
+      <a:fillRef idx="1">
+        <a:scrgbClr r="0" g="0" b="0"/>
+      </a:fillRef>
+      <a:effectRef idx="0">
+        <a:scrgbClr r="0" g="0" b="0"/>
+      </a:effectRef>
+      <a:fontRef idx="minor"/>
+    </dgm:style>
+  </dgm:styleLbl>
+  <dgm:styleLbl name="solidAlignAcc1">
+    <dgm:scene3d>
+      <a:camera prst="orthographicFront"/>
+      <a:lightRig rig="threePt" dir="t"/>
+    </dgm:scene3d>
+    <dgm:sp3d/>
+    <dgm:txPr/>
+    <dgm:style>
+      <a:lnRef idx="2">
+        <a:scrgbClr r="0" g="0" b="0"/>
+      </a:lnRef>
+      <a:fillRef idx="1">
+        <a:scrgbClr r="0" g="0" b="0"/>
+      </a:fillRef>
+      <a:effectRef idx="0">
+        <a:scrgbClr r="0" g="0" b="0"/>
+      </a:effectRef>
+      <a:fontRef idx="minor"/>
+    </dgm:style>
+  </dgm:styleLbl>
+  <dgm:styleLbl name="solidBgAcc1">
+    <dgm:scene3d>
+      <a:camera prst="orthographicFront"/>
+      <a:lightRig rig="threePt" dir="t"/>
+    </dgm:scene3d>
+    <dgm:sp3d/>
+    <dgm:txPr/>
+    <dgm:style>
+      <a:lnRef idx="2">
+        <a:scrgbClr r="0" g="0" b="0"/>
+      </a:lnRef>
+      <a:fillRef idx="1">
+        <a:scrgbClr r="0" g="0" b="0"/>
+      </a:fillRef>
+      <a:effectRef idx="0">
+        <a:scrgbClr r="0" g="0" b="0"/>
+      </a:effectRef>
+      <a:fontRef idx="minor"/>
+    </dgm:style>
+  </dgm:styleLbl>
+  <dgm:styleLbl name="fgAccFollowNode1">
+    <dgm:scene3d>
+      <a:camera prst="orthographicFront"/>
+      <a:lightRig rig="threePt" dir="t"/>
+    </dgm:scene3d>
+    <dgm:sp3d/>
+    <dgm:txPr/>
+    <dgm:style>
+      <a:lnRef idx="2">
+        <a:scrgbClr r="0" g="0" b="0"/>
+      </a:lnRef>
+      <a:fillRef idx="1">
+        <a:scrgbClr r="0" g="0" b="0"/>
+      </a:fillRef>
+      <a:effectRef idx="0">
+        <a:scrgbClr r="0" g="0" b="0"/>
+      </a:effectRef>
+      <a:fontRef idx="minor"/>
+    </dgm:style>
+  </dgm:styleLbl>
+  <dgm:styleLbl name="alignAccFollowNode1">
+    <dgm:scene3d>
+      <a:camera prst="orthographicFront"/>
+      <a:lightRig rig="threePt" dir="t"/>
+    </dgm:scene3d>
+    <dgm:sp3d/>
+    <dgm:txPr/>
+    <dgm:style>
+      <a:lnRef idx="2">
+        <a:scrgbClr r="0" g="0" b="0"/>
+      </a:lnRef>
+      <a:fillRef idx="1">
+        <a:scrgbClr r="0" g="0" b="0"/>
+      </a:fillRef>
+      <a:effectRef idx="0">
+        <a:scrgbClr r="0" g="0" b="0"/>
+      </a:effectRef>
+      <a:fontRef idx="minor"/>
+    </dgm:style>
+  </dgm:styleLbl>
+  <dgm:styleLbl name="bgAccFollowNode1">
+    <dgm:scene3d>
+      <a:camera prst="orthographicFront"/>
+      <a:lightRig rig="threePt" dir="t"/>
+    </dgm:scene3d>
+    <dgm:sp3d/>
+    <dgm:txPr/>
+    <dgm:style>
+      <a:lnRef idx="2">
+        <a:scrgbClr r="0" g="0" b="0"/>
+      </a:lnRef>
+      <a:fillRef idx="1">
+        <a:scrgbClr r="0" g="0" b="0"/>
+      </a:fillRef>
+      <a:effectRef idx="0">
+        <a:scrgbClr r="0" g="0" b="0"/>
+      </a:effectRef>
+      <a:fontRef idx="minor"/>
+    </dgm:style>
+  </dgm:styleLbl>
+  <dgm:styleLbl name="fgAcc0">
+    <dgm:scene3d>
+      <a:camera prst="orthographicFront"/>
+      <a:lightRig rig="threePt" dir="t"/>
+    </dgm:scene3d>
+    <dgm:sp3d/>
+    <dgm:txPr/>
+    <dgm:style>
+      <a:lnRef idx="2">
+        <a:scrgbClr r="0" g="0" b="0"/>
+      </a:lnRef>
+      <a:fillRef idx="1">
+        <a:scrgbClr r="0" g="0" b="0"/>
+      </a:fillRef>
+      <a:effectRef idx="0">
+        <a:scrgbClr r="0" g="0" b="0"/>
+      </a:effectRef>
+      <a:fontRef idx="minor"/>
+    </dgm:style>
+  </dgm:styleLbl>
+  <dgm:styleLbl name="fgAcc2">
+    <dgm:scene3d>
+      <a:camera prst="orthographicFront"/>
+      <a:lightRig rig="threePt" dir="t"/>
+    </dgm:scene3d>
+    <dgm:sp3d/>
+    <dgm:txPr/>
+    <dgm:style>
+      <a:lnRef idx="2">
+        <a:scrgbClr r="0" g="0" b="0"/>
+      </a:lnRef>
+      <a:fillRef idx="1">
+        <a:scrgbClr r="0" g="0" b="0"/>
+      </a:fillRef>
+      <a:effectRef idx="0">
+        <a:scrgbClr r="0" g="0" b="0"/>
+      </a:effectRef>
+      <a:fontRef idx="minor"/>
+    </dgm:style>
+  </dgm:styleLbl>
+  <dgm:styleLbl name="fgAcc3">
+    <dgm:scene3d>
+      <a:camera prst="orthographicFront"/>
+      <a:lightRig rig="threePt" dir="t"/>
+    </dgm:scene3d>
+    <dgm:sp3d/>
+    <dgm:txPr/>
+    <dgm:style>
+      <a:lnRef idx="2">
+        <a:scrgbClr r="0" g="0" b="0"/>
+      </a:lnRef>
+      <a:fillRef idx="1">
+        <a:scrgbClr r="0" g="0" b="0"/>
+      </a:fillRef>
+      <a:effectRef idx="0">
+        <a:scrgbClr r="0" g="0" b="0"/>
+      </a:effectRef>
+      <a:fontRef idx="minor"/>
+    </dgm:style>
+  </dgm:styleLbl>
+  <dgm:styleLbl name="fgAcc4">
+    <dgm:scene3d>
+      <a:camera prst="orthographicFront"/>
+      <a:lightRig rig="threePt" dir="t"/>
+    </dgm:scene3d>
+    <dgm:sp3d/>
+    <dgm:txPr/>
+    <dgm:style>
+      <a:lnRef idx="2">
+        <a:scrgbClr r="0" g="0" b="0"/>
+      </a:lnRef>
+      <a:fillRef idx="1">
+        <a:scrgbClr r="0" g="0" b="0"/>
+      </a:fillRef>
+      <a:effectRef idx="0">
+        <a:scrgbClr r="0" g="0" b="0"/>
+      </a:effectRef>
+      <a:fontRef idx="minor"/>
+    </dgm:style>
+  </dgm:styleLbl>
+  <dgm:styleLbl name="bgShp">
+    <dgm:scene3d>
+      <a:camera prst="orthographicFront"/>
+      <a:lightRig rig="threePt" dir="t"/>
+    </dgm:scene3d>
+    <dgm:sp3d/>
+    <dgm:txPr/>
+    <dgm:style>
+      <a:lnRef idx="0">
+        <a:scrgbClr r="0" g="0" b="0"/>
+      </a:lnRef>
+      <a:fillRef idx="1">
+        <a:scrgbClr r="0" g="0" b="0"/>
+      </a:fillRef>
+      <a:effectRef idx="0">
+        <a:scrgbClr r="0" g="0" b="0"/>
+      </a:effectRef>
+      <a:fontRef idx="minor"/>
+    </dgm:style>
+  </dgm:styleLbl>
+  <dgm:styleLbl name="dkBgShp">
+    <dgm:scene3d>
+      <a:camera prst="orthographicFront"/>
+      <a:lightRig rig="threePt" dir="t"/>
+    </dgm:scene3d>
+    <dgm:sp3d/>
+    <dgm:txPr/>
+    <dgm:style>
+      <a:lnRef idx="0">
+        <a:scrgbClr r="0" g="0" b="0"/>
+      </a:lnRef>
+      <a:fillRef idx="1">
+        <a:scrgbClr r="0" g="0" b="0"/>
+      </a:fillRef>
+      <a:effectRef idx="0">
+        <a:scrgbClr r="0" g="0" b="0"/>
+      </a:effectRef>
+      <a:fontRef idx="minor"/>
+    </dgm:style>
+  </dgm:styleLbl>
+  <dgm:styleLbl name="trBgShp">
+    <dgm:scene3d>
+      <a:camera prst="orthographicFront"/>
+      <a:lightRig rig="threePt" dir="t"/>
+    </dgm:scene3d>
+    <dgm:sp3d/>
+    <dgm:txPr/>
+    <dgm:style>
+      <a:lnRef idx="0">
+        <a:scrgbClr r="0" g="0" b="0"/>
+      </a:lnRef>
+      <a:fillRef idx="1">
+        <a:scrgbClr r="0" g="0" b="0"/>
+      </a:fillRef>
+      <a:effectRef idx="0">
+        <a:scrgbClr r="0" g="0" b="0"/>
+      </a:effectRef>
+      <a:fontRef idx="minor"/>
+    </dgm:style>
+  </dgm:styleLbl>
+  <dgm:styleLbl name="fgShp">
+    <dgm:scene3d>
+      <a:camera prst="orthographicFront"/>
+      <a:lightRig rig="threePt" dir="t"/>
+    </dgm:scene3d>
+    <dgm:sp3d/>
+    <dgm:txPr/>
+    <dgm:style>
+      <a:lnRef idx="2">
+        <a:scrgbClr r="0" g="0" b="0"/>
+      </a:lnRef>
+      <a:fillRef idx="1">
+        <a:scrgbClr r="0" g="0" b="0"/>
+      </a:fillRef>
+      <a:effectRef idx="0">
+        <a:scrgbClr r="0" g="0" b="0"/>
+      </a:effectRef>
+      <a:fontRef idx="minor"/>
+    </dgm:style>
+  </dgm:styleLbl>
+  <dgm:styleLbl name="revTx">
+    <dgm:scene3d>
+      <a:camera prst="orthographicFront"/>
+      <a:lightRig rig="threePt" dir="t"/>
+    </dgm:scene3d>
+    <dgm:sp3d/>
+    <dgm:txPr/>
+    <dgm:style>
+      <a:lnRef idx="0">
+        <a:scrgbClr r="0" g="0" b="0"/>
+      </a:lnRef>
+      <a:fillRef idx="0">
+        <a:scrgbClr r="0" g="0" b="0"/>
+      </a:fillRef>
+      <a:effectRef idx="0">
+        <a:scrgbClr r="0" g="0" b="0"/>
+      </a:effectRef>
+      <a:fontRef idx="minor"/>
+    </dgm:style>
+  </dgm:styleLbl>
+</dgm:styleDef>
+</file>
+
+<file path=ppt/diagrams/quickStyle20.xml><?xml version="1.0" encoding="utf-8"?>
 <dgm:styleDef xmlns:dgm="http://schemas.openxmlformats.org/drawingml/2006/diagram" xmlns:a="http://schemas.openxmlformats.org/drawingml/2006/main" uniqueId="urn:microsoft.com/office/officeart/2005/8/quickstyle/simple1">
   <dgm:title val=""/>
   <dgm:desc val=""/>
@@ -23911,8 +26339,8 @@
         </p:blipFill>
         <p:spPr>
           <a:xfrm>
-            <a:off x="1290373" y="2603500"/>
-            <a:ext cx="4555066" cy="3416300"/>
+            <a:off x="879231" y="2635845"/>
+            <a:ext cx="5168431" cy="3876324"/>
           </a:xfrm>
         </p:spPr>
       </p:pic>
@@ -23946,8 +26374,8 @@
         </p:blipFill>
         <p:spPr>
           <a:xfrm>
-            <a:off x="6343386" y="2603500"/>
-            <a:ext cx="4555066" cy="3416300"/>
+            <a:off x="5932244" y="2635845"/>
+            <a:ext cx="5168431" cy="3876324"/>
           </a:xfrm>
         </p:spPr>
       </p:pic>
@@ -24040,8 +26468,8 @@
         </p:blipFill>
         <p:spPr>
           <a:xfrm>
-            <a:off x="1290373" y="2603500"/>
-            <a:ext cx="4555066" cy="3416300"/>
+            <a:off x="729762" y="2569903"/>
+            <a:ext cx="5256354" cy="3942266"/>
           </a:xfrm>
         </p:spPr>
       </p:pic>
@@ -24075,8 +26503,8 @@
         </p:blipFill>
         <p:spPr>
           <a:xfrm>
-            <a:off x="6343386" y="2603500"/>
-            <a:ext cx="4555066" cy="3416300"/>
+            <a:off x="5782775" y="2569903"/>
+            <a:ext cx="5256354" cy="3942266"/>
           </a:xfrm>
         </p:spPr>
       </p:pic>
@@ -24169,8 +26597,8 @@
         </p:blipFill>
         <p:spPr>
           <a:xfrm>
-            <a:off x="1674548" y="3179763"/>
-            <a:ext cx="3786716" cy="2840037"/>
+            <a:off x="975947" y="2559097"/>
+            <a:ext cx="5294210" cy="3970658"/>
           </a:xfrm>
         </p:spPr>
       </p:pic>
@@ -24204,8 +26632,8 @@
         </p:blipFill>
         <p:spPr>
           <a:xfrm>
-            <a:off x="6727561" y="3179763"/>
-            <a:ext cx="3786716" cy="2840037"/>
+            <a:off x="6028960" y="2559097"/>
+            <a:ext cx="5294210" cy="3970658"/>
           </a:xfrm>
         </p:spPr>
       </p:pic>
@@ -24298,8 +26726,8 @@
         </p:blipFill>
         <p:spPr>
           <a:xfrm>
-            <a:off x="1529344" y="3070861"/>
-            <a:ext cx="3931920" cy="2948940"/>
+            <a:off x="949569" y="2730548"/>
+            <a:ext cx="5100779" cy="3825584"/>
           </a:xfrm>
         </p:spPr>
       </p:pic>
@@ -24333,8 +26761,8 @@
         </p:blipFill>
         <p:spPr>
           <a:xfrm>
-            <a:off x="6480757" y="2994661"/>
-            <a:ext cx="4033520" cy="3025140"/>
+            <a:off x="5870779" y="2631695"/>
+            <a:ext cx="5232582" cy="3924437"/>
           </a:xfrm>
         </p:spPr>
       </p:pic>
@@ -24342,6 +26770,784 @@
     <p:extLst>
       <p:ext uri="{BB962C8B-B14F-4D97-AF65-F5344CB8AC3E}">
         <p14:creationId xmlns:p14="http://schemas.microsoft.com/office/powerpoint/2010/main" val="3208742275"/>
+      </p:ext>
+    </p:extLst>
+  </p:cSld>
+  <p:clrMapOvr>
+    <a:masterClrMapping/>
+  </p:clrMapOvr>
+</p:sld>
+</file>
+
+<file path=ppt/slides/slide16.xml><?xml version="1.0" encoding="utf-8"?>
+<p:sld xmlns:a="http://schemas.openxmlformats.org/drawingml/2006/main" xmlns:r="http://schemas.openxmlformats.org/officeDocument/2006/relationships" xmlns:p="http://schemas.openxmlformats.org/presentationml/2006/main">
+  <p:cSld>
+    <p:spTree>
+      <p:nvGrpSpPr>
+        <p:cNvPr id="1" name=""/>
+        <p:cNvGrpSpPr/>
+        <p:nvPr/>
+      </p:nvGrpSpPr>
+      <p:grpSpPr>
+        <a:xfrm>
+          <a:off x="0" y="0"/>
+          <a:ext cx="0" cy="0"/>
+          <a:chOff x="0" y="0"/>
+          <a:chExt cx="0" cy="0"/>
+        </a:xfrm>
+      </p:grpSpPr>
+      <p:pic>
+        <p:nvPicPr>
+          <p:cNvPr id="8" name="Content Placeholder 7">
+            <a:extLst>
+              <a:ext uri="{FF2B5EF4-FFF2-40B4-BE49-F238E27FC236}">
+                <a16:creationId xmlns:a16="http://schemas.microsoft.com/office/drawing/2014/main" id="{092F5835-439A-4C0A-89CF-81D39251D40E}"/>
+              </a:ext>
+            </a:extLst>
+          </p:cNvPr>
+          <p:cNvPicPr>
+            <a:picLocks noGrp="1" noChangeAspect="1"/>
+          </p:cNvPicPr>
+          <p:nvPr>
+            <p:ph sz="quarter" idx="4"/>
+          </p:nvPr>
+        </p:nvPicPr>
+        <p:blipFill>
+          <a:blip r:embed="rId2">
+            <a:extLst>
+              <a:ext uri="{28A0092B-C50C-407E-A947-70E740481C1C}">
+                <a14:useLocalDpi xmlns:a14="http://schemas.microsoft.com/office/drawing/2010/main" val="0"/>
+              </a:ext>
+            </a:extLst>
+          </a:blip>
+          <a:stretch>
+            <a:fillRect/>
+          </a:stretch>
+        </p:blipFill>
+        <p:spPr>
+          <a:xfrm>
+            <a:off x="2919046" y="1817076"/>
+            <a:ext cx="6471138" cy="4853354"/>
+          </a:xfrm>
+          <a:prstGeom prst="rect">
+            <a:avLst/>
+          </a:prstGeom>
+        </p:spPr>
+      </p:pic>
+      <mc:AlternateContent xmlns:mc="http://schemas.openxmlformats.org/markup-compatibility/2006">
+        <mc:Choice xmlns:a14="http://schemas.microsoft.com/office/drawing/2010/main" Requires="a14">
+          <p:sp>
+            <p:nvSpPr>
+              <p:cNvPr id="11" name="Title 1">
+                <a:extLst>
+                  <a:ext uri="{FF2B5EF4-FFF2-40B4-BE49-F238E27FC236}">
+                    <a16:creationId xmlns:a16="http://schemas.microsoft.com/office/drawing/2014/main" id="{F11E2A77-F826-4D39-8AA8-BD7CBFBEFF0B}"/>
+                  </a:ext>
+                </a:extLst>
+              </p:cNvPr>
+              <p:cNvSpPr>
+                <a:spLocks noGrp="1"/>
+              </p:cNvSpPr>
+              <p:nvPr>
+                <p:ph type="title"/>
+              </p:nvPr>
+            </p:nvSpPr>
+            <p:spPr>
+              <a:xfrm>
+                <a:off x="469154" y="841784"/>
+                <a:ext cx="8761413" cy="706964"/>
+              </a:xfrm>
+            </p:spPr>
+            <p:txBody>
+              <a:bodyPr/>
+              <a:lstStyle/>
+              <a:p>
+                <a:r>
+                  <a:rPr lang="en-GB" dirty="0"/>
+                  <a:t>Full linear model root locus of </a:t>
+                </a:r>
+                <a14:m>
+                  <m:oMath xmlns:m="http://schemas.openxmlformats.org/officeDocument/2006/math">
+                    <m:r>
+                      <a:rPr lang="en-US" b="0" i="1" smtClean="0">
+                        <a:latin typeface="Cambria Math" panose="02040503050406030204" pitchFamily="18" charset="0"/>
+                      </a:rPr>
+                      <m:t>𝑢</m:t>
+                    </m:r>
+                    <m:r>
+                      <a:rPr lang="en-US" b="0" i="1" smtClean="0">
+                        <a:latin typeface="Cambria Math" panose="02040503050406030204" pitchFamily="18" charset="0"/>
+                      </a:rPr>
+                      <m:t>/</m:t>
+                    </m:r>
+                    <m:sSub>
+                      <m:sSubPr>
+                        <m:ctrlPr>
+                          <a:rPr lang="en-US" b="0" i="1" smtClean="0">
+                            <a:latin typeface="Cambria Math" panose="02040503050406030204" pitchFamily="18" charset="0"/>
+                            <a:ea typeface="Cambria Math" panose="02040503050406030204" pitchFamily="18" charset="0"/>
+                          </a:rPr>
+                        </m:ctrlPr>
+                      </m:sSubPr>
+                      <m:e>
+                        <m:r>
+                          <a:rPr lang="en-US" b="0" i="1" smtClean="0">
+                            <a:latin typeface="Cambria Math" panose="02040503050406030204" pitchFamily="18" charset="0"/>
+                            <a:ea typeface="Cambria Math" panose="02040503050406030204" pitchFamily="18" charset="0"/>
+                          </a:rPr>
+                          <m:t>𝛿</m:t>
+                        </m:r>
+                      </m:e>
+                      <m:sub>
+                        <m:r>
+                          <a:rPr lang="en-US" b="0" i="1" smtClean="0">
+                            <a:latin typeface="Cambria Math" panose="02040503050406030204" pitchFamily="18" charset="0"/>
+                            <a:ea typeface="Cambria Math" panose="02040503050406030204" pitchFamily="18" charset="0"/>
+                          </a:rPr>
+                          <m:t>𝑒</m:t>
+                        </m:r>
+                      </m:sub>
+                    </m:sSub>
+                  </m:oMath>
+                </a14:m>
+                <a:endParaRPr lang="en-US" dirty="0"/>
+              </a:p>
+            </p:txBody>
+          </p:sp>
+        </mc:Choice>
+        <mc:Fallback>
+          <p:sp>
+            <p:nvSpPr>
+              <p:cNvPr id="11" name="Title 1">
+                <a:extLst>
+                  <a:ext uri="{FF2B5EF4-FFF2-40B4-BE49-F238E27FC236}">
+                    <a16:creationId xmlns:a16="http://schemas.microsoft.com/office/drawing/2014/main" id="{F11E2A77-F826-4D39-8AA8-BD7CBFBEFF0B}"/>
+                  </a:ext>
+                </a:extLst>
+              </p:cNvPr>
+              <p:cNvSpPr>
+                <a:spLocks noGrp="1" noRot="1" noChangeAspect="1" noMove="1" noResize="1" noEditPoints="1" noAdjustHandles="1" noChangeArrowheads="1" noChangeShapeType="1" noTextEdit="1"/>
+              </p:cNvSpPr>
+              <p:nvPr>
+                <p:ph type="title"/>
+              </p:nvPr>
+            </p:nvSpPr>
+            <p:spPr>
+              <a:xfrm>
+                <a:off x="469154" y="841784"/>
+                <a:ext cx="8761413" cy="706964"/>
+              </a:xfrm>
+              <a:blipFill>
+                <a:blip r:embed="rId3"/>
+                <a:stretch>
+                  <a:fillRect l="-2157" t="-8621" b="-28448"/>
+                </a:stretch>
+              </a:blipFill>
+            </p:spPr>
+            <p:txBody>
+              <a:bodyPr/>
+              <a:lstStyle/>
+              <a:p>
+                <a:r>
+                  <a:rPr lang="en-US">
+                    <a:noFill/>
+                  </a:rPr>
+                  <a:t> </a:t>
+                </a:r>
+              </a:p>
+            </p:txBody>
+          </p:sp>
+        </mc:Fallback>
+      </mc:AlternateContent>
+    </p:spTree>
+    <p:extLst>
+      <p:ext uri="{BB962C8B-B14F-4D97-AF65-F5344CB8AC3E}">
+        <p14:creationId xmlns:p14="http://schemas.microsoft.com/office/powerpoint/2010/main" val="4075745174"/>
+      </p:ext>
+    </p:extLst>
+  </p:cSld>
+  <p:clrMapOvr>
+    <a:masterClrMapping/>
+  </p:clrMapOvr>
+</p:sld>
+</file>
+
+<file path=ppt/slides/slide17.xml><?xml version="1.0" encoding="utf-8"?>
+<p:sld xmlns:a="http://schemas.openxmlformats.org/drawingml/2006/main" xmlns:r="http://schemas.openxmlformats.org/officeDocument/2006/relationships" xmlns:p="http://schemas.openxmlformats.org/presentationml/2006/main">
+  <p:cSld>
+    <p:spTree>
+      <p:nvGrpSpPr>
+        <p:cNvPr id="1" name=""/>
+        <p:cNvGrpSpPr/>
+        <p:nvPr/>
+      </p:nvGrpSpPr>
+      <p:grpSpPr>
+        <a:xfrm>
+          <a:off x="0" y="0"/>
+          <a:ext cx="0" cy="0"/>
+          <a:chOff x="0" y="0"/>
+          <a:chExt cx="0" cy="0"/>
+        </a:xfrm>
+      </p:grpSpPr>
+      <p:pic>
+        <p:nvPicPr>
+          <p:cNvPr id="7" name="Content Placeholder 6">
+            <a:extLst>
+              <a:ext uri="{FF2B5EF4-FFF2-40B4-BE49-F238E27FC236}">
+                <a16:creationId xmlns:a16="http://schemas.microsoft.com/office/drawing/2014/main" id="{903CD1C2-C928-497E-BDCB-4AC48CC5A74A}"/>
+              </a:ext>
+            </a:extLst>
+          </p:cNvPr>
+          <p:cNvPicPr>
+            <a:picLocks noGrp="1" noChangeAspect="1"/>
+          </p:cNvPicPr>
+          <p:nvPr>
+            <p:ph sz="half" idx="2"/>
+          </p:nvPr>
+        </p:nvPicPr>
+        <p:blipFill>
+          <a:blip r:embed="rId2">
+            <a:extLst>
+              <a:ext uri="{28A0092B-C50C-407E-A947-70E740481C1C}">
+                <a14:useLocalDpi xmlns:a14="http://schemas.microsoft.com/office/drawing/2010/main" val="0"/>
+              </a:ext>
+            </a:extLst>
+          </a:blip>
+          <a:stretch>
+            <a:fillRect/>
+          </a:stretch>
+        </p:blipFill>
+        <p:spPr>
+          <a:xfrm>
+            <a:off x="2919046" y="1713769"/>
+            <a:ext cx="6304084" cy="4728062"/>
+          </a:xfrm>
+          <a:prstGeom prst="rect">
+            <a:avLst/>
+          </a:prstGeom>
+        </p:spPr>
+      </p:pic>
+      <mc:AlternateContent xmlns:mc="http://schemas.openxmlformats.org/markup-compatibility/2006">
+        <mc:Choice xmlns:a14="http://schemas.microsoft.com/office/drawing/2010/main" Requires="a14">
+          <p:sp>
+            <p:nvSpPr>
+              <p:cNvPr id="10" name="Title 1">
+                <a:extLst>
+                  <a:ext uri="{FF2B5EF4-FFF2-40B4-BE49-F238E27FC236}">
+                    <a16:creationId xmlns:a16="http://schemas.microsoft.com/office/drawing/2014/main" id="{D8985FB9-5C15-4857-B823-F9B7CBCDFE8F}"/>
+                  </a:ext>
+                </a:extLst>
+              </p:cNvPr>
+              <p:cNvSpPr>
+                <a:spLocks noGrp="1"/>
+              </p:cNvSpPr>
+              <p:nvPr>
+                <p:ph type="title"/>
+              </p:nvPr>
+            </p:nvSpPr>
+            <p:spPr>
+              <a:xfrm>
+                <a:off x="469154" y="841784"/>
+                <a:ext cx="8761413" cy="706964"/>
+              </a:xfrm>
+            </p:spPr>
+            <p:txBody>
+              <a:bodyPr/>
+              <a:lstStyle/>
+              <a:p>
+                <a:r>
+                  <a:rPr lang="en-GB" dirty="0"/>
+                  <a:t>Long period model root locus of </a:t>
+                </a:r>
+                <a14:m>
+                  <m:oMath xmlns:m="http://schemas.openxmlformats.org/officeDocument/2006/math">
+                    <m:r>
+                      <a:rPr lang="en-US" b="0" i="1" smtClean="0">
+                        <a:latin typeface="Cambria Math" panose="02040503050406030204" pitchFamily="18" charset="0"/>
+                      </a:rPr>
+                      <m:t>𝑢</m:t>
+                    </m:r>
+                    <m:r>
+                      <a:rPr lang="en-US" b="0" i="1" smtClean="0">
+                        <a:latin typeface="Cambria Math" panose="02040503050406030204" pitchFamily="18" charset="0"/>
+                      </a:rPr>
+                      <m:t>/</m:t>
+                    </m:r>
+                    <m:sSub>
+                      <m:sSubPr>
+                        <m:ctrlPr>
+                          <a:rPr lang="en-US" b="0" i="1" smtClean="0">
+                            <a:latin typeface="Cambria Math" panose="02040503050406030204" pitchFamily="18" charset="0"/>
+                            <a:ea typeface="Cambria Math" panose="02040503050406030204" pitchFamily="18" charset="0"/>
+                          </a:rPr>
+                        </m:ctrlPr>
+                      </m:sSubPr>
+                      <m:e>
+                        <m:r>
+                          <a:rPr lang="en-US" b="0" i="1" smtClean="0">
+                            <a:latin typeface="Cambria Math" panose="02040503050406030204" pitchFamily="18" charset="0"/>
+                            <a:ea typeface="Cambria Math" panose="02040503050406030204" pitchFamily="18" charset="0"/>
+                          </a:rPr>
+                          <m:t>𝛿</m:t>
+                        </m:r>
+                      </m:e>
+                      <m:sub>
+                        <m:r>
+                          <a:rPr lang="en-US" b="0" i="1" smtClean="0">
+                            <a:latin typeface="Cambria Math" panose="02040503050406030204" pitchFamily="18" charset="0"/>
+                            <a:ea typeface="Cambria Math" panose="02040503050406030204" pitchFamily="18" charset="0"/>
+                          </a:rPr>
+                          <m:t>𝑒</m:t>
+                        </m:r>
+                      </m:sub>
+                    </m:sSub>
+                  </m:oMath>
+                </a14:m>
+                <a:endParaRPr lang="en-US" dirty="0"/>
+              </a:p>
+            </p:txBody>
+          </p:sp>
+        </mc:Choice>
+        <mc:Fallback>
+          <p:sp>
+            <p:nvSpPr>
+              <p:cNvPr id="10" name="Title 1">
+                <a:extLst>
+                  <a:ext uri="{FF2B5EF4-FFF2-40B4-BE49-F238E27FC236}">
+                    <a16:creationId xmlns:a16="http://schemas.microsoft.com/office/drawing/2014/main" id="{D8985FB9-5C15-4857-B823-F9B7CBCDFE8F}"/>
+                  </a:ext>
+                </a:extLst>
+              </p:cNvPr>
+              <p:cNvSpPr>
+                <a:spLocks noGrp="1" noRot="1" noChangeAspect="1" noMove="1" noResize="1" noEditPoints="1" noAdjustHandles="1" noChangeArrowheads="1" noChangeShapeType="1" noTextEdit="1"/>
+              </p:cNvSpPr>
+              <p:nvPr>
+                <p:ph type="title"/>
+              </p:nvPr>
+            </p:nvSpPr>
+            <p:spPr>
+              <a:xfrm>
+                <a:off x="469154" y="841784"/>
+                <a:ext cx="8761413" cy="706964"/>
+              </a:xfrm>
+              <a:blipFill>
+                <a:blip r:embed="rId3"/>
+                <a:stretch>
+                  <a:fillRect l="-2157" t="-8621" b="-28448"/>
+                </a:stretch>
+              </a:blipFill>
+            </p:spPr>
+            <p:txBody>
+              <a:bodyPr/>
+              <a:lstStyle/>
+              <a:p>
+                <a:r>
+                  <a:rPr lang="en-US">
+                    <a:noFill/>
+                  </a:rPr>
+                  <a:t> </a:t>
+                </a:r>
+              </a:p>
+            </p:txBody>
+          </p:sp>
+        </mc:Fallback>
+      </mc:AlternateContent>
+    </p:spTree>
+    <p:extLst>
+      <p:ext uri="{BB962C8B-B14F-4D97-AF65-F5344CB8AC3E}">
+        <p14:creationId xmlns:p14="http://schemas.microsoft.com/office/powerpoint/2010/main" val="2964636598"/>
+      </p:ext>
+    </p:extLst>
+  </p:cSld>
+  <p:clrMapOvr>
+    <a:masterClrMapping/>
+  </p:clrMapOvr>
+</p:sld>
+</file>
+
+<file path=ppt/slides/slide18.xml><?xml version="1.0" encoding="utf-8"?>
+<p:sld xmlns:a="http://schemas.openxmlformats.org/drawingml/2006/main" xmlns:r="http://schemas.openxmlformats.org/officeDocument/2006/relationships" xmlns:p="http://schemas.openxmlformats.org/presentationml/2006/main">
+  <p:cSld>
+    <p:spTree>
+      <p:nvGrpSpPr>
+        <p:cNvPr id="1" name=""/>
+        <p:cNvGrpSpPr/>
+        <p:nvPr/>
+      </p:nvGrpSpPr>
+      <p:grpSpPr>
+        <a:xfrm>
+          <a:off x="0" y="0"/>
+          <a:ext cx="0" cy="0"/>
+          <a:chOff x="0" y="0"/>
+          <a:chExt cx="0" cy="0"/>
+        </a:xfrm>
+      </p:grpSpPr>
+      <p:pic>
+        <p:nvPicPr>
+          <p:cNvPr id="13" name="Content Placeholder 12">
+            <a:extLst>
+              <a:ext uri="{FF2B5EF4-FFF2-40B4-BE49-F238E27FC236}">
+                <a16:creationId xmlns:a16="http://schemas.microsoft.com/office/drawing/2014/main" id="{85DFCAA7-EA39-4C55-AA22-92F7E33ED5AA}"/>
+              </a:ext>
+            </a:extLst>
+          </p:cNvPr>
+          <p:cNvPicPr>
+            <a:picLocks noGrp="1" noChangeAspect="1"/>
+          </p:cNvPicPr>
+          <p:nvPr>
+            <p:ph sz="half" idx="2"/>
+          </p:nvPr>
+        </p:nvPicPr>
+        <p:blipFill>
+          <a:blip r:embed="rId2">
+            <a:extLst>
+              <a:ext uri="{28A0092B-C50C-407E-A947-70E740481C1C}">
+                <a14:useLocalDpi xmlns:a14="http://schemas.microsoft.com/office/drawing/2010/main" val="0"/>
+              </a:ext>
+            </a:extLst>
+          </a:blip>
+          <a:stretch>
+            <a:fillRect/>
+          </a:stretch>
+        </p:blipFill>
+        <p:spPr>
+          <a:xfrm>
+            <a:off x="3226777" y="1626500"/>
+            <a:ext cx="6365630" cy="4774223"/>
+          </a:xfrm>
+          <a:prstGeom prst="rect">
+            <a:avLst/>
+          </a:prstGeom>
+        </p:spPr>
+      </p:pic>
+      <mc:AlternateContent xmlns:mc="http://schemas.openxmlformats.org/markup-compatibility/2006">
+        <mc:Choice xmlns:a14="http://schemas.microsoft.com/office/drawing/2010/main" Requires="a14">
+          <p:sp>
+            <p:nvSpPr>
+              <p:cNvPr id="17" name="Title 1">
+                <a:extLst>
+                  <a:ext uri="{FF2B5EF4-FFF2-40B4-BE49-F238E27FC236}">
+                    <a16:creationId xmlns:a16="http://schemas.microsoft.com/office/drawing/2014/main" id="{CA26B884-E29B-4236-8A5C-1F763452E9B6}"/>
+                  </a:ext>
+                </a:extLst>
+              </p:cNvPr>
+              <p:cNvSpPr>
+                <a:spLocks noGrp="1"/>
+              </p:cNvSpPr>
+              <p:nvPr>
+                <p:ph type="title"/>
+              </p:nvPr>
+            </p:nvSpPr>
+            <p:spPr>
+              <a:xfrm>
+                <a:off x="469154" y="841784"/>
+                <a:ext cx="8761413" cy="706964"/>
+              </a:xfrm>
+            </p:spPr>
+            <p:txBody>
+              <a:bodyPr/>
+              <a:lstStyle/>
+              <a:p>
+                <a:r>
+                  <a:rPr lang="en-GB" dirty="0"/>
+                  <a:t>Full linear model root locus of </a:t>
+                </a:r>
+                <a14:m>
+                  <m:oMath xmlns:m="http://schemas.openxmlformats.org/officeDocument/2006/math">
+                    <m:r>
+                      <m:rPr>
+                        <m:sty m:val="p"/>
+                      </m:rPr>
+                      <a:rPr lang="en-US" b="0" i="0" smtClean="0">
+                        <a:latin typeface="Cambria Math" panose="02040503050406030204" pitchFamily="18" charset="0"/>
+                      </a:rPr>
+                      <m:t>q</m:t>
+                    </m:r>
+                    <m:r>
+                      <a:rPr lang="en-US" b="0" i="1" smtClean="0">
+                        <a:latin typeface="Cambria Math" panose="02040503050406030204" pitchFamily="18" charset="0"/>
+                      </a:rPr>
+                      <m:t>/</m:t>
+                    </m:r>
+                    <m:sSub>
+                      <m:sSubPr>
+                        <m:ctrlPr>
+                          <a:rPr lang="en-US" b="0" i="1" smtClean="0">
+                            <a:latin typeface="Cambria Math" panose="02040503050406030204" pitchFamily="18" charset="0"/>
+                            <a:ea typeface="Cambria Math" panose="02040503050406030204" pitchFamily="18" charset="0"/>
+                          </a:rPr>
+                        </m:ctrlPr>
+                      </m:sSubPr>
+                      <m:e>
+                        <m:r>
+                          <a:rPr lang="en-US" b="0" i="1" smtClean="0">
+                            <a:latin typeface="Cambria Math" panose="02040503050406030204" pitchFamily="18" charset="0"/>
+                            <a:ea typeface="Cambria Math" panose="02040503050406030204" pitchFamily="18" charset="0"/>
+                          </a:rPr>
+                          <m:t>𝛿</m:t>
+                        </m:r>
+                      </m:e>
+                      <m:sub>
+                        <m:r>
+                          <a:rPr lang="en-US" b="0" i="1" smtClean="0">
+                            <a:latin typeface="Cambria Math" panose="02040503050406030204" pitchFamily="18" charset="0"/>
+                            <a:ea typeface="Cambria Math" panose="02040503050406030204" pitchFamily="18" charset="0"/>
+                          </a:rPr>
+                          <m:t>𝑒</m:t>
+                        </m:r>
+                      </m:sub>
+                    </m:sSub>
+                  </m:oMath>
+                </a14:m>
+                <a:endParaRPr lang="en-US" dirty="0"/>
+              </a:p>
+            </p:txBody>
+          </p:sp>
+        </mc:Choice>
+        <mc:Fallback>
+          <p:sp>
+            <p:nvSpPr>
+              <p:cNvPr id="17" name="Title 1">
+                <a:extLst>
+                  <a:ext uri="{FF2B5EF4-FFF2-40B4-BE49-F238E27FC236}">
+                    <a16:creationId xmlns:a16="http://schemas.microsoft.com/office/drawing/2014/main" id="{CA26B884-E29B-4236-8A5C-1F763452E9B6}"/>
+                  </a:ext>
+                </a:extLst>
+              </p:cNvPr>
+              <p:cNvSpPr>
+                <a:spLocks noGrp="1" noRot="1" noChangeAspect="1" noMove="1" noResize="1" noEditPoints="1" noAdjustHandles="1" noChangeArrowheads="1" noChangeShapeType="1" noTextEdit="1"/>
+              </p:cNvSpPr>
+              <p:nvPr>
+                <p:ph type="title"/>
+              </p:nvPr>
+            </p:nvSpPr>
+            <p:spPr>
+              <a:xfrm>
+                <a:off x="469154" y="841784"/>
+                <a:ext cx="8761413" cy="706964"/>
+              </a:xfrm>
+              <a:blipFill>
+                <a:blip r:embed="rId3"/>
+                <a:stretch>
+                  <a:fillRect l="-2157" t="-8621" b="-28448"/>
+                </a:stretch>
+              </a:blipFill>
+            </p:spPr>
+            <p:txBody>
+              <a:bodyPr/>
+              <a:lstStyle/>
+              <a:p>
+                <a:r>
+                  <a:rPr lang="en-US">
+                    <a:noFill/>
+                  </a:rPr>
+                  <a:t> </a:t>
+                </a:r>
+              </a:p>
+            </p:txBody>
+          </p:sp>
+        </mc:Fallback>
+      </mc:AlternateContent>
+    </p:spTree>
+    <p:extLst>
+      <p:ext uri="{BB962C8B-B14F-4D97-AF65-F5344CB8AC3E}">
+        <p14:creationId xmlns:p14="http://schemas.microsoft.com/office/powerpoint/2010/main" val="2768337952"/>
+      </p:ext>
+    </p:extLst>
+  </p:cSld>
+  <p:clrMapOvr>
+    <a:masterClrMapping/>
+  </p:clrMapOvr>
+</p:sld>
+</file>
+
+<file path=ppt/slides/slide19.xml><?xml version="1.0" encoding="utf-8"?>
+<p:sld xmlns:a="http://schemas.openxmlformats.org/drawingml/2006/main" xmlns:r="http://schemas.openxmlformats.org/officeDocument/2006/relationships" xmlns:p="http://schemas.openxmlformats.org/presentationml/2006/main">
+  <p:cSld>
+    <p:spTree>
+      <p:nvGrpSpPr>
+        <p:cNvPr id="1" name=""/>
+        <p:cNvGrpSpPr/>
+        <p:nvPr/>
+      </p:nvGrpSpPr>
+      <p:grpSpPr>
+        <a:xfrm>
+          <a:off x="0" y="0"/>
+          <a:ext cx="0" cy="0"/>
+          <a:chOff x="0" y="0"/>
+          <a:chExt cx="0" cy="0"/>
+        </a:xfrm>
+      </p:grpSpPr>
+      <p:pic>
+        <p:nvPicPr>
+          <p:cNvPr id="7" name="Content Placeholder 13">
+            <a:extLst>
+              <a:ext uri="{FF2B5EF4-FFF2-40B4-BE49-F238E27FC236}">
+                <a16:creationId xmlns:a16="http://schemas.microsoft.com/office/drawing/2014/main" id="{C8D844DC-1270-4168-BAA7-756D22D8A779}"/>
+              </a:ext>
+            </a:extLst>
+          </p:cNvPr>
+          <p:cNvPicPr>
+            <a:picLocks noGrp="1" noChangeAspect="1"/>
+          </p:cNvPicPr>
+          <p:nvPr>
+            <p:ph sz="half" idx="2"/>
+          </p:nvPr>
+        </p:nvPicPr>
+        <p:blipFill>
+          <a:blip r:embed="rId2">
+            <a:extLst>
+              <a:ext uri="{28A0092B-C50C-407E-A947-70E740481C1C}">
+                <a14:useLocalDpi xmlns:a14="http://schemas.microsoft.com/office/drawing/2010/main" val="0"/>
+              </a:ext>
+            </a:extLst>
+          </a:blip>
+          <a:stretch>
+            <a:fillRect/>
+          </a:stretch>
+        </p:blipFill>
+        <p:spPr>
+          <a:xfrm>
+            <a:off x="3299330" y="1617785"/>
+            <a:ext cx="6330461" cy="4747846"/>
+          </a:xfrm>
+          <a:prstGeom prst="rect">
+            <a:avLst/>
+          </a:prstGeom>
+        </p:spPr>
+      </p:pic>
+      <mc:AlternateContent xmlns:mc="http://schemas.openxmlformats.org/markup-compatibility/2006">
+        <mc:Choice xmlns:a14="http://schemas.microsoft.com/office/drawing/2010/main" Requires="a14">
+          <p:sp>
+            <p:nvSpPr>
+              <p:cNvPr id="9" name="Title 1">
+                <a:extLst>
+                  <a:ext uri="{FF2B5EF4-FFF2-40B4-BE49-F238E27FC236}">
+                    <a16:creationId xmlns:a16="http://schemas.microsoft.com/office/drawing/2014/main" id="{535D3B95-C986-4FAC-9F4B-677E3B1EF7A5}"/>
+                  </a:ext>
+                </a:extLst>
+              </p:cNvPr>
+              <p:cNvSpPr>
+                <a:spLocks noGrp="1"/>
+              </p:cNvSpPr>
+              <p:nvPr>
+                <p:ph type="title"/>
+              </p:nvPr>
+            </p:nvSpPr>
+            <p:spPr>
+              <a:xfrm>
+                <a:off x="469154" y="841784"/>
+                <a:ext cx="8761413" cy="706964"/>
+              </a:xfrm>
+            </p:spPr>
+            <p:txBody>
+              <a:bodyPr/>
+              <a:lstStyle/>
+              <a:p>
+                <a:r>
+                  <a:rPr lang="en-GB" dirty="0"/>
+                  <a:t>short period model root locus of </a:t>
+                </a:r>
+                <a14:m>
+                  <m:oMath xmlns:m="http://schemas.openxmlformats.org/officeDocument/2006/math">
+                    <m:r>
+                      <m:rPr>
+                        <m:sty m:val="p"/>
+                      </m:rPr>
+                      <a:rPr lang="en-US" b="0" i="0" smtClean="0">
+                        <a:latin typeface="Cambria Math" panose="02040503050406030204" pitchFamily="18" charset="0"/>
+                      </a:rPr>
+                      <m:t>q</m:t>
+                    </m:r>
+                    <m:r>
+                      <a:rPr lang="en-US" b="0" i="1" smtClean="0">
+                        <a:latin typeface="Cambria Math" panose="02040503050406030204" pitchFamily="18" charset="0"/>
+                      </a:rPr>
+                      <m:t>/</m:t>
+                    </m:r>
+                    <m:sSub>
+                      <m:sSubPr>
+                        <m:ctrlPr>
+                          <a:rPr lang="en-US" b="0" i="1" smtClean="0">
+                            <a:latin typeface="Cambria Math" panose="02040503050406030204" pitchFamily="18" charset="0"/>
+                            <a:ea typeface="Cambria Math" panose="02040503050406030204" pitchFamily="18" charset="0"/>
+                          </a:rPr>
+                        </m:ctrlPr>
+                      </m:sSubPr>
+                      <m:e>
+                        <m:r>
+                          <a:rPr lang="en-US" b="0" i="1" smtClean="0">
+                            <a:latin typeface="Cambria Math" panose="02040503050406030204" pitchFamily="18" charset="0"/>
+                            <a:ea typeface="Cambria Math" panose="02040503050406030204" pitchFamily="18" charset="0"/>
+                          </a:rPr>
+                          <m:t>𝛿</m:t>
+                        </m:r>
+                      </m:e>
+                      <m:sub>
+                        <m:r>
+                          <a:rPr lang="en-US" b="0" i="1" smtClean="0">
+                            <a:latin typeface="Cambria Math" panose="02040503050406030204" pitchFamily="18" charset="0"/>
+                            <a:ea typeface="Cambria Math" panose="02040503050406030204" pitchFamily="18" charset="0"/>
+                          </a:rPr>
+                          <m:t>𝑒</m:t>
+                        </m:r>
+                      </m:sub>
+                    </m:sSub>
+                  </m:oMath>
+                </a14:m>
+                <a:endParaRPr lang="en-US" dirty="0"/>
+              </a:p>
+            </p:txBody>
+          </p:sp>
+        </mc:Choice>
+        <mc:Fallback>
+          <p:sp>
+            <p:nvSpPr>
+              <p:cNvPr id="9" name="Title 1">
+                <a:extLst>
+                  <a:ext uri="{FF2B5EF4-FFF2-40B4-BE49-F238E27FC236}">
+                    <a16:creationId xmlns:a16="http://schemas.microsoft.com/office/drawing/2014/main" id="{535D3B95-C986-4FAC-9F4B-677E3B1EF7A5}"/>
+                  </a:ext>
+                </a:extLst>
+              </p:cNvPr>
+              <p:cNvSpPr>
+                <a:spLocks noGrp="1" noRot="1" noChangeAspect="1" noMove="1" noResize="1" noEditPoints="1" noAdjustHandles="1" noChangeArrowheads="1" noChangeShapeType="1" noTextEdit="1"/>
+              </p:cNvSpPr>
+              <p:nvPr>
+                <p:ph type="title"/>
+              </p:nvPr>
+            </p:nvSpPr>
+            <p:spPr>
+              <a:xfrm>
+                <a:off x="469154" y="841784"/>
+                <a:ext cx="8761413" cy="706964"/>
+              </a:xfrm>
+              <a:blipFill>
+                <a:blip r:embed="rId3"/>
+                <a:stretch>
+                  <a:fillRect l="-2157" t="-8621" b="-28448"/>
+                </a:stretch>
+              </a:blipFill>
+            </p:spPr>
+            <p:txBody>
+              <a:bodyPr/>
+              <a:lstStyle/>
+              <a:p>
+                <a:r>
+                  <a:rPr lang="en-US">
+                    <a:noFill/>
+                  </a:rPr>
+                  <a:t> </a:t>
+                </a:r>
+              </a:p>
+            </p:txBody>
+          </p:sp>
+        </mc:Fallback>
+      </mc:AlternateContent>
+    </p:spTree>
+    <p:extLst>
+      <p:ext uri="{BB962C8B-B14F-4D97-AF65-F5344CB8AC3E}">
+        <p14:creationId xmlns:p14="http://schemas.microsoft.com/office/powerpoint/2010/main" val="2657731947"/>
       </p:ext>
     </p:extLst>
   </p:cSld>
@@ -27350,8 +30556,8 @@
           </a:p>
         </p:txBody>
       </p:sp>
-      <mc:AlternateContent xmlns:mc="http://schemas.openxmlformats.org/markup-compatibility/2006">
-        <mc:Choice xmlns:a14="http://schemas.microsoft.com/office/drawing/2010/main" Requires="a14">
+      <mc:AlternateContent xmlns:mc="http://schemas.openxmlformats.org/markup-compatibility/2006" xmlns:a14="http://schemas.microsoft.com/office/drawing/2010/main">
+        <mc:Choice Requires="a14">
           <p:sp>
             <p:nvSpPr>
               <p:cNvPr id="3" name="Content Placeholder 2">
@@ -29250,7 +32456,7 @@
             </p:txBody>
           </p:sp>
         </mc:Choice>
-        <mc:Fallback>
+        <mc:Fallback xmlns="">
           <p:sp>
             <p:nvSpPr>
               <p:cNvPr id="3" name="Content Placeholder 2">
@@ -29294,8 +32500,8 @@
           </p:sp>
         </mc:Fallback>
       </mc:AlternateContent>
-      <mc:AlternateContent xmlns:mc="http://schemas.openxmlformats.org/markup-compatibility/2006">
-        <mc:Choice xmlns:a14="http://schemas.microsoft.com/office/drawing/2010/main" Requires="a14">
+      <mc:AlternateContent xmlns:mc="http://schemas.openxmlformats.org/markup-compatibility/2006" xmlns:a14="http://schemas.microsoft.com/office/drawing/2010/main">
+        <mc:Choice Requires="a14">
           <p:sp>
             <p:nvSpPr>
               <p:cNvPr id="4" name="Content Placeholder 2">
@@ -30917,7 +34123,7 @@
             </p:txBody>
           </p:sp>
         </mc:Choice>
-        <mc:Fallback>
+        <mc:Fallback xmlns="">
           <p:sp>
             <p:nvSpPr>
               <p:cNvPr id="4" name="Content Placeholder 2">
@@ -31020,8 +34226,8 @@
           </a:p>
         </p:txBody>
       </p:sp>
-      <mc:AlternateContent xmlns:mc="http://schemas.openxmlformats.org/markup-compatibility/2006">
-        <mc:Choice xmlns:a14="http://schemas.microsoft.com/office/drawing/2010/main" Requires="a14">
+      <mc:AlternateContent xmlns:mc="http://schemas.openxmlformats.org/markup-compatibility/2006" xmlns:a14="http://schemas.microsoft.com/office/drawing/2010/main">
+        <mc:Choice Requires="a14">
           <p:sp>
             <p:nvSpPr>
               <p:cNvPr id="3" name="Content Placeholder 2">
@@ -34195,7 +37401,7 @@
             </p:txBody>
           </p:sp>
         </mc:Choice>
-        <mc:Fallback>
+        <mc:Fallback xmlns="">
           <p:sp>
             <p:nvSpPr>
               <p:cNvPr id="3" name="Content Placeholder 2">
@@ -34293,8 +37499,8 @@
           </a:p>
         </p:txBody>
       </p:sp>
-      <mc:AlternateContent xmlns:mc="http://schemas.openxmlformats.org/markup-compatibility/2006">
-        <mc:Choice xmlns:a14="http://schemas.microsoft.com/office/drawing/2010/main" Requires="a14">
+      <mc:AlternateContent xmlns:mc="http://schemas.openxmlformats.org/markup-compatibility/2006" xmlns:a14="http://schemas.microsoft.com/office/drawing/2010/main">
+        <mc:Choice Requires="a14">
           <p:sp>
             <p:nvSpPr>
               <p:cNvPr id="3" name="Content Placeholder 2">
@@ -34351,14 +37557,18 @@
                         <m:begChr m:val="["/>
                         <m:endChr m:val="]"/>
                         <m:ctrlPr>
-                          <a:rPr lang="en-US" i="1"/>
+                          <a:rPr lang="en-US" i="1">
+                            <a:latin typeface="Cambria Math" panose="02040503050406030204" pitchFamily="18" charset="0"/>
+                          </a:rPr>
                         </m:ctrlPr>
                       </m:dPr>
                       <m:e>
                         <m:eqArr>
                           <m:eqArrPr>
                             <m:ctrlPr>
-                              <a:rPr lang="en-US" i="1"/>
+                              <a:rPr lang="en-US" i="1">
+                                <a:latin typeface="Cambria Math" panose="02040503050406030204" pitchFamily="18" charset="0"/>
+                              </a:rPr>
                             </m:ctrlPr>
                           </m:eqArrPr>
                           <m:e>
@@ -34366,19 +37576,25 @@
                               <m:rPr>
                                 <m:sty m:val="p"/>
                               </m:rPr>
-                              <a:rPr lang="en-US"/>
+                              <a:rPr lang="en-US">
+                                <a:latin typeface="Cambria Math" panose="02040503050406030204" pitchFamily="18" charset="0"/>
+                              </a:rPr>
                               <m:t>Δ</m:t>
                             </m:r>
                             <m:acc>
                               <m:accPr>
                                 <m:chr m:val="̇"/>
                                 <m:ctrlPr>
-                                  <a:rPr lang="en-US" i="1"/>
+                                  <a:rPr lang="en-US" i="1">
+                                    <a:latin typeface="Cambria Math" panose="02040503050406030204" pitchFamily="18" charset="0"/>
+                                  </a:rPr>
                                 </m:ctrlPr>
                               </m:accPr>
                               <m:e>
                                 <m:r>
-                                  <a:rPr lang="en-US" i="1"/>
+                                  <a:rPr lang="en-US" i="1">
+                                    <a:latin typeface="Cambria Math" panose="02040503050406030204" pitchFamily="18" charset="0"/>
+                                  </a:rPr>
                                   <m:t>𝛽</m:t>
                                 </m:r>
                               </m:e>
@@ -34389,19 +37605,25 @@
                               <m:rPr>
                                 <m:sty m:val="p"/>
                               </m:rPr>
-                              <a:rPr lang="en-US"/>
+                              <a:rPr lang="en-US">
+                                <a:latin typeface="Cambria Math" panose="02040503050406030204" pitchFamily="18" charset="0"/>
+                              </a:rPr>
                               <m:t>Δ</m:t>
                             </m:r>
                             <m:acc>
                               <m:accPr>
                                 <m:chr m:val="̇"/>
                                 <m:ctrlPr>
-                                  <a:rPr lang="en-US" i="1"/>
+                                  <a:rPr lang="en-US" i="1">
+                                    <a:latin typeface="Cambria Math" panose="02040503050406030204" pitchFamily="18" charset="0"/>
+                                  </a:rPr>
                                 </m:ctrlPr>
                               </m:accPr>
                               <m:e>
                                 <m:r>
-                                  <a:rPr lang="en-US" i="1"/>
+                                  <a:rPr lang="en-US" i="1">
+                                    <a:latin typeface="Cambria Math" panose="02040503050406030204" pitchFamily="18" charset="0"/>
+                                  </a:rPr>
                                   <m:t>𝑝</m:t>
                                 </m:r>
                               </m:e>
@@ -34412,19 +37634,25 @@
                               <m:rPr>
                                 <m:sty m:val="p"/>
                               </m:rPr>
-                              <a:rPr lang="en-US"/>
+                              <a:rPr lang="en-US">
+                                <a:latin typeface="Cambria Math" panose="02040503050406030204" pitchFamily="18" charset="0"/>
+                              </a:rPr>
                               <m:t>Δ</m:t>
                             </m:r>
                             <m:acc>
                               <m:accPr>
                                 <m:chr m:val="̇"/>
                                 <m:ctrlPr>
-                                  <a:rPr lang="en-US" i="1"/>
+                                  <a:rPr lang="en-US" i="1">
+                                    <a:latin typeface="Cambria Math" panose="02040503050406030204" pitchFamily="18" charset="0"/>
+                                  </a:rPr>
                                 </m:ctrlPr>
                               </m:accPr>
                               <m:e>
                                 <m:r>
-                                  <a:rPr lang="en-US" i="1"/>
+                                  <a:rPr lang="en-US" i="1">
+                                    <a:latin typeface="Cambria Math" panose="02040503050406030204" pitchFamily="18" charset="0"/>
+                                  </a:rPr>
                                   <m:t>𝑟</m:t>
                                 </m:r>
                               </m:e>
@@ -34435,19 +37663,25 @@
                               <m:rPr>
                                 <m:sty m:val="p"/>
                               </m:rPr>
-                              <a:rPr lang="en-US"/>
+                              <a:rPr lang="en-US">
+                                <a:latin typeface="Cambria Math" panose="02040503050406030204" pitchFamily="18" charset="0"/>
+                              </a:rPr>
                               <m:t>Δ</m:t>
                             </m:r>
                             <m:acc>
                               <m:accPr>
                                 <m:chr m:val="̇"/>
                                 <m:ctrlPr>
-                                  <a:rPr lang="en-US" i="1"/>
+                                  <a:rPr lang="en-US" i="1">
+                                    <a:latin typeface="Cambria Math" panose="02040503050406030204" pitchFamily="18" charset="0"/>
+                                  </a:rPr>
                                 </m:ctrlPr>
                               </m:accPr>
                               <m:e>
                                 <m:r>
-                                  <a:rPr lang="en-US" i="1"/>
+                                  <a:rPr lang="en-US" i="1">
+                                    <a:latin typeface="Cambria Math" panose="02040503050406030204" pitchFamily="18" charset="0"/>
+                                  </a:rPr>
                                   <m:t>𝜑</m:t>
                                 </m:r>
                               </m:e>
@@ -34458,19 +37692,25 @@
                               <m:rPr>
                                 <m:sty m:val="p"/>
                               </m:rPr>
-                              <a:rPr lang="en-US"/>
+                              <a:rPr lang="en-US">
+                                <a:latin typeface="Cambria Math" panose="02040503050406030204" pitchFamily="18" charset="0"/>
+                              </a:rPr>
                               <m:t>Δ</m:t>
                             </m:r>
                             <m:acc>
                               <m:accPr>
                                 <m:chr m:val="̇"/>
                                 <m:ctrlPr>
-                                  <a:rPr lang="en-US" i="1"/>
+                                  <a:rPr lang="en-US" i="1">
+                                    <a:latin typeface="Cambria Math" panose="02040503050406030204" pitchFamily="18" charset="0"/>
+                                  </a:rPr>
                                 </m:ctrlPr>
                               </m:accPr>
                               <m:e>
                                 <m:r>
-                                  <a:rPr lang="en-US" i="1"/>
+                                  <a:rPr lang="en-US" i="1">
+                                    <a:latin typeface="Cambria Math" panose="02040503050406030204" pitchFamily="18" charset="0"/>
+                                  </a:rPr>
                                   <m:t>𝜓</m:t>
                                 </m:r>
                               </m:e>
@@ -34480,7 +37720,9 @@
                       </m:e>
                     </m:d>
                     <m:r>
-                      <a:rPr lang="en-US" i="1"/>
+                      <a:rPr lang="en-US" i="1">
+                        <a:latin typeface="Cambria Math" panose="02040503050406030204" pitchFamily="18" charset="0"/>
+                      </a:rPr>
                       <m:t>=</m:t>
                     </m:r>
                     <m:d>
@@ -34488,7 +37730,9 @@
                         <m:begChr m:val="["/>
                         <m:endChr m:val="]"/>
                         <m:ctrlPr>
-                          <a:rPr lang="en-US" i="1"/>
+                          <a:rPr lang="en-US" i="1">
+                            <a:latin typeface="Cambria Math" panose="02040503050406030204" pitchFamily="18" charset="0"/>
+                          </a:rPr>
                         </m:ctrlPr>
                       </m:dPr>
                       <m:e>
@@ -34503,7 +37747,9 @@
                               </m:mc>
                             </m:mcs>
                             <m:ctrlPr>
-                              <a:rPr lang="en-US" i="1"/>
+                              <a:rPr lang="en-US" i="1">
+                                <a:latin typeface="Cambria Math" panose="02040503050406030204" pitchFamily="18" charset="0"/>
+                              </a:rPr>
                             </m:ctrlPr>
                           </m:mPr>
                           <m:mr>
@@ -34511,25 +37757,33 @@
                               <m:f>
                                 <m:fPr>
                                   <m:ctrlPr>
-                                    <a:rPr lang="en-US" i="1"/>
+                                    <a:rPr lang="en-US" i="1">
+                                      <a:latin typeface="Cambria Math" panose="02040503050406030204" pitchFamily="18" charset="0"/>
+                                    </a:rPr>
                                   </m:ctrlPr>
                                 </m:fPr>
                                 <m:num>
                                   <m:sSub>
                                     <m:sSubPr>
                                       <m:ctrlPr>
-                                        <a:rPr lang="en-US" i="1"/>
+                                        <a:rPr lang="en-US" i="1">
+                                          <a:latin typeface="Cambria Math" panose="02040503050406030204" pitchFamily="18" charset="0"/>
+                                        </a:rPr>
                                       </m:ctrlPr>
                                     </m:sSubPr>
                                     <m:e>
                                       <m:r>
-                                        <a:rPr lang="en-US" i="1"/>
+                                        <a:rPr lang="en-US" i="1">
+                                          <a:latin typeface="Cambria Math" panose="02040503050406030204" pitchFamily="18" charset="0"/>
+                                        </a:rPr>
                                         <m:t>𝑌</m:t>
                                       </m:r>
                                     </m:e>
                                     <m:sub>
                                       <m:r>
-                                        <a:rPr lang="en-US" i="1"/>
+                                        <a:rPr lang="en-US" i="1">
+                                          <a:latin typeface="Cambria Math" panose="02040503050406030204" pitchFamily="18" charset="0"/>
+                                        </a:rPr>
                                         <m:t>𝛽</m:t>
                                       </m:r>
                                     </m:sub>
@@ -34539,18 +37793,24 @@
                                   <m:sSub>
                                     <m:sSubPr>
                                       <m:ctrlPr>
-                                        <a:rPr lang="en-US" i="1"/>
+                                        <a:rPr lang="en-US" i="1">
+                                          <a:latin typeface="Cambria Math" panose="02040503050406030204" pitchFamily="18" charset="0"/>
+                                        </a:rPr>
                                       </m:ctrlPr>
                                     </m:sSubPr>
                                     <m:e>
                                       <m:r>
-                                        <a:rPr lang="en-US" i="1"/>
+                                        <a:rPr lang="en-US" i="1">
+                                          <a:latin typeface="Cambria Math" panose="02040503050406030204" pitchFamily="18" charset="0"/>
+                                        </a:rPr>
                                         <m:t>𝑉</m:t>
                                       </m:r>
                                     </m:e>
                                     <m:sub>
                                       <m:r>
-                                        <a:rPr lang="en-US" i="1"/>
+                                        <a:rPr lang="en-US" i="1">
+                                          <a:latin typeface="Cambria Math" panose="02040503050406030204" pitchFamily="18" charset="0"/>
+                                        </a:rPr>
                                         <m:t>𝑡𝑜</m:t>
                                       </m:r>
                                     </m:sub>
@@ -34562,48 +37822,64 @@
                               <m:f>
                                 <m:fPr>
                                   <m:ctrlPr>
-                                    <a:rPr lang="en-US" i="1"/>
+                                    <a:rPr lang="en-US" i="1">
+                                      <a:latin typeface="Cambria Math" panose="02040503050406030204" pitchFamily="18" charset="0"/>
+                                    </a:rPr>
                                   </m:ctrlPr>
                                 </m:fPr>
                                 <m:num>
                                   <m:sSub>
                                     <m:sSubPr>
                                       <m:ctrlPr>
-                                        <a:rPr lang="en-US" i="1"/>
+                                        <a:rPr lang="en-US" i="1">
+                                          <a:latin typeface="Cambria Math" panose="02040503050406030204" pitchFamily="18" charset="0"/>
+                                        </a:rPr>
                                       </m:ctrlPr>
                                     </m:sSubPr>
                                     <m:e>
                                       <m:r>
-                                        <a:rPr lang="en-US" i="1"/>
+                                        <a:rPr lang="en-US" i="1">
+                                          <a:latin typeface="Cambria Math" panose="02040503050406030204" pitchFamily="18" charset="0"/>
+                                        </a:rPr>
                                         <m:t>𝑌</m:t>
                                       </m:r>
                                     </m:e>
                                     <m:sub>
                                       <m:r>
-                                        <a:rPr lang="en-US" i="1"/>
+                                        <a:rPr lang="en-US" i="1">
+                                          <a:latin typeface="Cambria Math" panose="02040503050406030204" pitchFamily="18" charset="0"/>
+                                        </a:rPr>
                                         <m:t>𝑝</m:t>
                                       </m:r>
                                     </m:sub>
                                   </m:sSub>
                                   <m:r>
-                                    <a:rPr lang="en-US" i="1"/>
+                                    <a:rPr lang="en-US" i="1">
+                                      <a:latin typeface="Cambria Math" panose="02040503050406030204" pitchFamily="18" charset="0"/>
+                                    </a:rPr>
                                     <m:t>+</m:t>
                                   </m:r>
                                   <m:sSub>
                                     <m:sSubPr>
                                       <m:ctrlPr>
-                                        <a:rPr lang="en-US" i="1"/>
+                                        <a:rPr lang="en-US" i="1">
+                                          <a:latin typeface="Cambria Math" panose="02040503050406030204" pitchFamily="18" charset="0"/>
+                                        </a:rPr>
                                       </m:ctrlPr>
                                     </m:sSubPr>
                                     <m:e>
                                       <m:r>
-                                        <a:rPr lang="en-US" i="1"/>
+                                        <a:rPr lang="en-US" i="1">
+                                          <a:latin typeface="Cambria Math" panose="02040503050406030204" pitchFamily="18" charset="0"/>
+                                        </a:rPr>
                                         <m:t>𝑤</m:t>
                                       </m:r>
                                     </m:e>
                                     <m:sub>
                                       <m:r>
-                                        <a:rPr lang="en-US" i="1"/>
+                                        <a:rPr lang="en-US" i="1">
+                                          <a:latin typeface="Cambria Math" panose="02040503050406030204" pitchFamily="18" charset="0"/>
+                                        </a:rPr>
                                         <m:t>𝑜</m:t>
                                       </m:r>
                                     </m:sub>
@@ -34613,18 +37889,24 @@
                                   <m:sSub>
                                     <m:sSubPr>
                                       <m:ctrlPr>
-                                        <a:rPr lang="en-US" i="1"/>
+                                        <a:rPr lang="en-US" i="1">
+                                          <a:latin typeface="Cambria Math" panose="02040503050406030204" pitchFamily="18" charset="0"/>
+                                        </a:rPr>
                                       </m:ctrlPr>
                                     </m:sSubPr>
                                     <m:e>
                                       <m:r>
-                                        <a:rPr lang="en-US" i="1"/>
+                                        <a:rPr lang="en-US" i="1">
+                                          <a:latin typeface="Cambria Math" panose="02040503050406030204" pitchFamily="18" charset="0"/>
+                                        </a:rPr>
                                         <m:t>𝑉</m:t>
                                       </m:r>
                                     </m:e>
                                     <m:sub>
                                       <m:r>
-                                        <a:rPr lang="en-US" i="1"/>
+                                        <a:rPr lang="en-US" i="1">
+                                          <a:latin typeface="Cambria Math" panose="02040503050406030204" pitchFamily="18" charset="0"/>
+                                        </a:rPr>
                                         <m:t>𝑡𝑜</m:t>
                                       </m:r>
                                     </m:sub>
@@ -34636,48 +37918,64 @@
                               <m:f>
                                 <m:fPr>
                                   <m:ctrlPr>
-                                    <a:rPr lang="en-US" i="1"/>
+                                    <a:rPr lang="en-US" i="1">
+                                      <a:latin typeface="Cambria Math" panose="02040503050406030204" pitchFamily="18" charset="0"/>
+                                    </a:rPr>
                                   </m:ctrlPr>
                                 </m:fPr>
                                 <m:num>
                                   <m:sSub>
                                     <m:sSubPr>
                                       <m:ctrlPr>
-                                        <a:rPr lang="en-US" i="1"/>
+                                        <a:rPr lang="en-US" i="1">
+                                          <a:latin typeface="Cambria Math" panose="02040503050406030204" pitchFamily="18" charset="0"/>
+                                        </a:rPr>
                                       </m:ctrlPr>
                                     </m:sSubPr>
                                     <m:e>
                                       <m:r>
-                                        <a:rPr lang="en-US" i="1"/>
+                                        <a:rPr lang="en-US" i="1">
+                                          <a:latin typeface="Cambria Math" panose="02040503050406030204" pitchFamily="18" charset="0"/>
+                                        </a:rPr>
                                         <m:t>𝑌</m:t>
                                       </m:r>
                                     </m:e>
                                     <m:sub>
                                       <m:r>
-                                        <a:rPr lang="en-US" i="1"/>
+                                        <a:rPr lang="en-US" i="1">
+                                          <a:latin typeface="Cambria Math" panose="02040503050406030204" pitchFamily="18" charset="0"/>
+                                        </a:rPr>
                                         <m:t>𝑟</m:t>
                                       </m:r>
                                     </m:sub>
                                   </m:sSub>
                                   <m:r>
-                                    <a:rPr lang="en-US" i="1"/>
+                                    <a:rPr lang="en-US" i="1">
+                                      <a:latin typeface="Cambria Math" panose="02040503050406030204" pitchFamily="18" charset="0"/>
+                                    </a:rPr>
                                     <m:t>−</m:t>
                                   </m:r>
                                   <m:sSub>
                                     <m:sSubPr>
                                       <m:ctrlPr>
-                                        <a:rPr lang="en-US" i="1"/>
+                                        <a:rPr lang="en-US" i="1">
+                                          <a:latin typeface="Cambria Math" panose="02040503050406030204" pitchFamily="18" charset="0"/>
+                                        </a:rPr>
                                       </m:ctrlPr>
                                     </m:sSubPr>
                                     <m:e>
                                       <m:r>
-                                        <a:rPr lang="en-US" i="1"/>
+                                        <a:rPr lang="en-US" i="1">
+                                          <a:latin typeface="Cambria Math" panose="02040503050406030204" pitchFamily="18" charset="0"/>
+                                        </a:rPr>
                                         <m:t>𝑢</m:t>
                                       </m:r>
                                     </m:e>
                                     <m:sub>
                                       <m:r>
-                                        <a:rPr lang="en-US" i="1"/>
+                                        <a:rPr lang="en-US" i="1">
+                                          <a:latin typeface="Cambria Math" panose="02040503050406030204" pitchFamily="18" charset="0"/>
+                                        </a:rPr>
                                         <m:t>𝑜</m:t>
                                       </m:r>
                                     </m:sub>
@@ -34687,18 +37985,24 @@
                                   <m:sSub>
                                     <m:sSubPr>
                                       <m:ctrlPr>
-                                        <a:rPr lang="en-US" i="1"/>
+                                        <a:rPr lang="en-US" i="1">
+                                          <a:latin typeface="Cambria Math" panose="02040503050406030204" pitchFamily="18" charset="0"/>
+                                        </a:rPr>
                                       </m:ctrlPr>
                                     </m:sSubPr>
                                     <m:e>
                                       <m:r>
-                                        <a:rPr lang="en-US" i="1"/>
+                                        <a:rPr lang="en-US" i="1">
+                                          <a:latin typeface="Cambria Math" panose="02040503050406030204" pitchFamily="18" charset="0"/>
+                                        </a:rPr>
                                         <m:t>𝑉</m:t>
                                       </m:r>
                                     </m:e>
                                     <m:sub>
                                       <m:r>
-                                        <a:rPr lang="en-US" i="1"/>
+                                        <a:rPr lang="en-US" i="1">
+                                          <a:latin typeface="Cambria Math" panose="02040503050406030204" pitchFamily="18" charset="0"/>
+                                        </a:rPr>
                                         <m:t>𝑡𝑜</m:t>
                                       </m:r>
                                     </m:sub>
@@ -34710,18 +38014,24 @@
                               <m:f>
                                 <m:fPr>
                                   <m:ctrlPr>
-                                    <a:rPr lang="en-US" i="1"/>
+                                    <a:rPr lang="en-US" i="1">
+                                      <a:latin typeface="Cambria Math" panose="02040503050406030204" pitchFamily="18" charset="0"/>
+                                    </a:rPr>
                                   </m:ctrlPr>
                                 </m:fPr>
                                 <m:num>
                                   <m:r>
-                                    <a:rPr lang="en-US" i="1"/>
+                                    <a:rPr lang="en-US" i="1">
+                                      <a:latin typeface="Cambria Math" panose="02040503050406030204" pitchFamily="18" charset="0"/>
+                                    </a:rPr>
                                     <m:t>𝑔</m:t>
                                   </m:r>
                                   <m:func>
                                     <m:funcPr>
                                       <m:ctrlPr>
-                                        <a:rPr lang="en-US" i="1"/>
+                                        <a:rPr lang="en-US" i="1">
+                                          <a:latin typeface="Cambria Math" panose="02040503050406030204" pitchFamily="18" charset="0"/>
+                                        </a:rPr>
                                       </m:ctrlPr>
                                     </m:funcPr>
                                     <m:fName>
@@ -34729,7 +38039,9 @@
                                         <m:rPr>
                                           <m:sty m:val="p"/>
                                         </m:rPr>
-                                        <a:rPr lang="en-US"/>
+                                        <a:rPr lang="en-US">
+                                          <a:latin typeface="Cambria Math" panose="02040503050406030204" pitchFamily="18" charset="0"/>
+                                        </a:rPr>
                                         <m:t>cos</m:t>
                                       </m:r>
                                     </m:fName>
@@ -34737,25 +38049,33 @@
                                       <m:d>
                                         <m:dPr>
                                           <m:ctrlPr>
-                                            <a:rPr lang="en-US" i="1"/>
+                                            <a:rPr lang="en-US" i="1">
+                                              <a:latin typeface="Cambria Math" panose="02040503050406030204" pitchFamily="18" charset="0"/>
+                                            </a:rPr>
                                           </m:ctrlPr>
                                         </m:dPr>
                                         <m:e>
                                           <m:sSub>
                                             <m:sSubPr>
                                               <m:ctrlPr>
-                                                <a:rPr lang="en-US" i="1"/>
+                                                <a:rPr lang="en-US" i="1">
+                                                  <a:latin typeface="Cambria Math" panose="02040503050406030204" pitchFamily="18" charset="0"/>
+                                                </a:rPr>
                                               </m:ctrlPr>
                                             </m:sSubPr>
                                             <m:e>
                                               <m:r>
-                                                <a:rPr lang="en-US" i="1"/>
+                                                <a:rPr lang="en-US" i="1">
+                                                  <a:latin typeface="Cambria Math" panose="02040503050406030204" pitchFamily="18" charset="0"/>
+                                                </a:rPr>
                                                 <m:t>𝜃</m:t>
                                               </m:r>
                                             </m:e>
                                             <m:sub>
                                               <m:r>
-                                                <a:rPr lang="en-US" i="1"/>
+                                                <a:rPr lang="en-US" i="1">
+                                                  <a:latin typeface="Cambria Math" panose="02040503050406030204" pitchFamily="18" charset="0"/>
+                                                </a:rPr>
                                                 <m:t>𝑜</m:t>
                                               </m:r>
                                             </m:sub>
@@ -34769,18 +38089,24 @@
                                   <m:sSub>
                                     <m:sSubPr>
                                       <m:ctrlPr>
-                                        <a:rPr lang="en-US" i="1"/>
+                                        <a:rPr lang="en-US" i="1">
+                                          <a:latin typeface="Cambria Math" panose="02040503050406030204" pitchFamily="18" charset="0"/>
+                                        </a:rPr>
                                       </m:ctrlPr>
                                     </m:sSubPr>
                                     <m:e>
                                       <m:r>
-                                        <a:rPr lang="en-US" i="1"/>
+                                        <a:rPr lang="en-US" i="1">
+                                          <a:latin typeface="Cambria Math" panose="02040503050406030204" pitchFamily="18" charset="0"/>
+                                        </a:rPr>
                                         <m:t>𝑉</m:t>
                                       </m:r>
                                     </m:e>
                                     <m:sub>
                                       <m:r>
-                                        <a:rPr lang="en-US" i="1"/>
+                                        <a:rPr lang="en-US" i="1">
+                                          <a:latin typeface="Cambria Math" panose="02040503050406030204" pitchFamily="18" charset="0"/>
+                                        </a:rPr>
                                         <m:t>𝑡𝑜</m:t>
                                       </m:r>
                                     </m:sub>
@@ -34788,13 +38114,17 @@
                                 </m:den>
                               </m:f>
                               <m:r>
-                                <a:rPr lang="en-US" i="1"/>
+                                <a:rPr lang="en-US" i="1">
+                                  <a:latin typeface="Cambria Math" panose="02040503050406030204" pitchFamily="18" charset="0"/>
+                                </a:rPr>
                                 <m:t> </m:t>
                               </m:r>
                             </m:e>
                             <m:e>
                               <m:r>
-                                <a:rPr lang="en-US" i="1"/>
+                                <a:rPr lang="en-US" i="1">
+                                  <a:latin typeface="Cambria Math" panose="02040503050406030204" pitchFamily="18" charset="0"/>
+                                </a:rPr>
                                 <m:t>0</m:t>
                               </m:r>
                             </m:e>
@@ -34804,24 +38134,32 @@
                               <m:sSubSup>
                                 <m:sSubSupPr>
                                   <m:ctrlPr>
-                                    <a:rPr lang="en-US" i="1"/>
+                                    <a:rPr lang="en-US" i="1">
+                                      <a:latin typeface="Cambria Math" panose="02040503050406030204" pitchFamily="18" charset="0"/>
+                                    </a:rPr>
                                   </m:ctrlPr>
                                 </m:sSubSupPr>
                                 <m:e>
                                   <m:r>
-                                    <a:rPr lang="en-US" i="1"/>
+                                    <a:rPr lang="en-US" i="1">
+                                      <a:latin typeface="Cambria Math" panose="02040503050406030204" pitchFamily="18" charset="0"/>
+                                    </a:rPr>
                                     <m:t>𝐿</m:t>
                                   </m:r>
                                 </m:e>
                                 <m:sub>
                                   <m:r>
-                                    <a:rPr lang="en-US" i="1"/>
+                                    <a:rPr lang="en-US" i="1">
+                                      <a:latin typeface="Cambria Math" panose="02040503050406030204" pitchFamily="18" charset="0"/>
+                                    </a:rPr>
                                     <m:t>𝛽</m:t>
                                   </m:r>
                                 </m:sub>
                                 <m:sup>
                                   <m:r>
-                                    <a:rPr lang="en-US" i="1"/>
+                                    <a:rPr lang="en-US" i="1">
+                                      <a:latin typeface="Cambria Math" panose="02040503050406030204" pitchFamily="18" charset="0"/>
+                                    </a:rPr>
                                     <m:t>∗</m:t>
                                   </m:r>
                                 </m:sup>
@@ -34831,24 +38169,32 @@
                               <m:sSubSup>
                                 <m:sSubSupPr>
                                   <m:ctrlPr>
-                                    <a:rPr lang="en-US" i="1"/>
+                                    <a:rPr lang="en-US" i="1">
+                                      <a:latin typeface="Cambria Math" panose="02040503050406030204" pitchFamily="18" charset="0"/>
+                                    </a:rPr>
                                   </m:ctrlPr>
                                 </m:sSubSupPr>
                                 <m:e>
                                   <m:r>
-                                    <a:rPr lang="en-US" i="1"/>
+                                    <a:rPr lang="en-US" i="1">
+                                      <a:latin typeface="Cambria Math" panose="02040503050406030204" pitchFamily="18" charset="0"/>
+                                    </a:rPr>
                                     <m:t>𝐿</m:t>
                                   </m:r>
                                 </m:e>
                                 <m:sub>
                                   <m:r>
-                                    <a:rPr lang="en-US" i="1"/>
+                                    <a:rPr lang="en-US" i="1">
+                                      <a:latin typeface="Cambria Math" panose="02040503050406030204" pitchFamily="18" charset="0"/>
+                                    </a:rPr>
                                     <m:t>𝑝</m:t>
                                   </m:r>
                                 </m:sub>
                                 <m:sup>
                                   <m:r>
-                                    <a:rPr lang="en-US" i="1"/>
+                                    <a:rPr lang="en-US" i="1">
+                                      <a:latin typeface="Cambria Math" panose="02040503050406030204" pitchFamily="18" charset="0"/>
+                                    </a:rPr>
                                     <m:t>∗</m:t>
                                   </m:r>
                                 </m:sup>
@@ -34858,42 +38204,56 @@
                               <m:sSubSup>
                                 <m:sSubSupPr>
                                   <m:ctrlPr>
-                                    <a:rPr lang="en-US" i="1"/>
+                                    <a:rPr lang="en-US" i="1">
+                                      <a:latin typeface="Cambria Math" panose="02040503050406030204" pitchFamily="18" charset="0"/>
+                                    </a:rPr>
                                   </m:ctrlPr>
                                 </m:sSubSupPr>
                                 <m:e>
                                   <m:r>
-                                    <a:rPr lang="en-US" i="1"/>
+                                    <a:rPr lang="en-US" i="1">
+                                      <a:latin typeface="Cambria Math" panose="02040503050406030204" pitchFamily="18" charset="0"/>
+                                    </a:rPr>
                                     <m:t>𝐿</m:t>
                                   </m:r>
                                 </m:e>
                                 <m:sub>
                                   <m:r>
-                                    <a:rPr lang="en-US" i="1"/>
+                                    <a:rPr lang="en-US" i="1">
+                                      <a:latin typeface="Cambria Math" panose="02040503050406030204" pitchFamily="18" charset="0"/>
+                                    </a:rPr>
                                     <m:t>𝑟</m:t>
                                   </m:r>
                                 </m:sub>
                                 <m:sup>
                                   <m:r>
-                                    <a:rPr lang="en-US" i="1"/>
+                                    <a:rPr lang="en-US" i="1">
+                                      <a:latin typeface="Cambria Math" panose="02040503050406030204" pitchFamily="18" charset="0"/>
+                                    </a:rPr>
                                     <m:t>∗</m:t>
                                   </m:r>
                                 </m:sup>
                               </m:sSubSup>
                               <m:r>
-                                <a:rPr lang="en-US" i="1"/>
+                                <a:rPr lang="en-US" i="1">
+                                  <a:latin typeface="Cambria Math" panose="02040503050406030204" pitchFamily="18" charset="0"/>
+                                </a:rPr>
                                 <m:t> </m:t>
                               </m:r>
                             </m:e>
                             <m:e>
                               <m:r>
-                                <a:rPr lang="en-US" i="1"/>
+                                <a:rPr lang="en-US" i="1">
+                                  <a:latin typeface="Cambria Math" panose="02040503050406030204" pitchFamily="18" charset="0"/>
+                                </a:rPr>
                                 <m:t>0</m:t>
                               </m:r>
                             </m:e>
                             <m:e>
                               <m:r>
-                                <a:rPr lang="en-US" i="1"/>
+                                <a:rPr lang="en-US" i="1">
+                                  <a:latin typeface="Cambria Math" panose="02040503050406030204" pitchFamily="18" charset="0"/>
+                                </a:rPr>
                                 <m:t>0</m:t>
                               </m:r>
                             </m:e>
@@ -34903,30 +38263,40 @@
                               <m:sSubSup>
                                 <m:sSubSupPr>
                                   <m:ctrlPr>
-                                    <a:rPr lang="en-US" i="1"/>
+                                    <a:rPr lang="en-US" i="1">
+                                      <a:latin typeface="Cambria Math" panose="02040503050406030204" pitchFamily="18" charset="0"/>
+                                    </a:rPr>
                                   </m:ctrlPr>
                                 </m:sSubSupPr>
                                 <m:e>
                                   <m:r>
-                                    <a:rPr lang="en-US" i="1"/>
+                                    <a:rPr lang="en-US" i="1">
+                                      <a:latin typeface="Cambria Math" panose="02040503050406030204" pitchFamily="18" charset="0"/>
+                                    </a:rPr>
                                     <m:t>𝑁</m:t>
                                   </m:r>
                                 </m:e>
                                 <m:sub>
                                   <m:r>
-                                    <a:rPr lang="en-US" i="1"/>
+                                    <a:rPr lang="en-US" i="1">
+                                      <a:latin typeface="Cambria Math" panose="02040503050406030204" pitchFamily="18" charset="0"/>
+                                    </a:rPr>
                                     <m:t>𝛽</m:t>
                                   </m:r>
                                 </m:sub>
                                 <m:sup>
                                   <m:r>
-                                    <a:rPr lang="en-US" i="1"/>
+                                    <a:rPr lang="en-US" i="1">
+                                      <a:latin typeface="Cambria Math" panose="02040503050406030204" pitchFamily="18" charset="0"/>
+                                    </a:rPr>
                                     <m:t>∗</m:t>
                                   </m:r>
                                 </m:sup>
                               </m:sSubSup>
                               <m:r>
-                                <a:rPr lang="en-US" i="1"/>
+                                <a:rPr lang="en-US" i="1">
+                                  <a:latin typeface="Cambria Math" panose="02040503050406030204" pitchFamily="18" charset="0"/>
+                                </a:rPr>
                                 <m:t> </m:t>
                               </m:r>
                             </m:e>
@@ -34934,30 +38304,40 @@
                               <m:sSubSup>
                                 <m:sSubSupPr>
                                   <m:ctrlPr>
-                                    <a:rPr lang="en-US" i="1"/>
+                                    <a:rPr lang="en-US" i="1">
+                                      <a:latin typeface="Cambria Math" panose="02040503050406030204" pitchFamily="18" charset="0"/>
+                                    </a:rPr>
                                   </m:ctrlPr>
                                 </m:sSubSupPr>
                                 <m:e>
                                   <m:r>
-                                    <a:rPr lang="en-US" i="1"/>
+                                    <a:rPr lang="en-US" i="1">
+                                      <a:latin typeface="Cambria Math" panose="02040503050406030204" pitchFamily="18" charset="0"/>
+                                    </a:rPr>
                                     <m:t>𝑁</m:t>
                                   </m:r>
                                 </m:e>
                                 <m:sub>
                                   <m:r>
-                                    <a:rPr lang="en-US" i="1"/>
+                                    <a:rPr lang="en-US" i="1">
+                                      <a:latin typeface="Cambria Math" panose="02040503050406030204" pitchFamily="18" charset="0"/>
+                                    </a:rPr>
                                     <m:t>𝑝</m:t>
                                   </m:r>
                                 </m:sub>
                                 <m:sup>
                                   <m:r>
-                                    <a:rPr lang="en-US" i="1"/>
+                                    <a:rPr lang="en-US" i="1">
+                                      <a:latin typeface="Cambria Math" panose="02040503050406030204" pitchFamily="18" charset="0"/>
+                                    </a:rPr>
                                     <m:t>∗</m:t>
                                   </m:r>
                                 </m:sup>
                               </m:sSubSup>
                               <m:r>
-                                <a:rPr lang="en-US" i="1"/>
+                                <a:rPr lang="en-US" i="1">
+                                  <a:latin typeface="Cambria Math" panose="02040503050406030204" pitchFamily="18" charset="0"/>
+                                </a:rPr>
                                 <m:t> </m:t>
                               </m:r>
                             </m:e>
@@ -34965,24 +38345,32 @@
                               <m:sSubSup>
                                 <m:sSubSupPr>
                                   <m:ctrlPr>
-                                    <a:rPr lang="en-US" i="1"/>
+                                    <a:rPr lang="en-US" i="1">
+                                      <a:latin typeface="Cambria Math" panose="02040503050406030204" pitchFamily="18" charset="0"/>
+                                    </a:rPr>
                                   </m:ctrlPr>
                                 </m:sSubSupPr>
                                 <m:e>
                                   <m:r>
-                                    <a:rPr lang="en-US" i="1"/>
+                                    <a:rPr lang="en-US" i="1">
+                                      <a:latin typeface="Cambria Math" panose="02040503050406030204" pitchFamily="18" charset="0"/>
+                                    </a:rPr>
                                     <m:t>𝑁</m:t>
                                   </m:r>
                                 </m:e>
                                 <m:sub>
                                   <m:r>
-                                    <a:rPr lang="en-US" i="1"/>
+                                    <a:rPr lang="en-US" i="1">
+                                      <a:latin typeface="Cambria Math" panose="02040503050406030204" pitchFamily="18" charset="0"/>
+                                    </a:rPr>
                                     <m:t>𝑟</m:t>
                                   </m:r>
                                 </m:sub>
                                 <m:sup>
                                   <m:r>
-                                    <a:rPr lang="en-US" i="1"/>
+                                    <a:rPr lang="en-US" i="1">
+                                      <a:latin typeface="Cambria Math" panose="02040503050406030204" pitchFamily="18" charset="0"/>
+                                    </a:rPr>
                                     <m:t>∗</m:t>
                                   </m:r>
                                 </m:sup>
@@ -34990,13 +38378,17 @@
                             </m:e>
                             <m:e>
                               <m:r>
-                                <a:rPr lang="en-US" i="1"/>
+                                <a:rPr lang="en-US" i="1">
+                                  <a:latin typeface="Cambria Math" panose="02040503050406030204" pitchFamily="18" charset="0"/>
+                                </a:rPr>
                                 <m:t>0</m:t>
                               </m:r>
                             </m:e>
                             <m:e>
                               <m:r>
-                                <a:rPr lang="en-US" i="1"/>
+                                <a:rPr lang="en-US" i="1">
+                                  <a:latin typeface="Cambria Math" panose="02040503050406030204" pitchFamily="18" charset="0"/>
+                                </a:rPr>
                                 <m:t>0</m:t>
                               </m:r>
                             </m:e>
@@ -35004,13 +38396,17 @@
                           <m:mr>
                             <m:e>
                               <m:r>
-                                <a:rPr lang="en-US" i="1"/>
+                                <a:rPr lang="en-US" i="1">
+                                  <a:latin typeface="Cambria Math" panose="02040503050406030204" pitchFamily="18" charset="0"/>
+                                </a:rPr>
                                 <m:t>0</m:t>
                               </m:r>
                             </m:e>
                             <m:e>
                               <m:r>
-                                <a:rPr lang="en-US" i="1"/>
+                                <a:rPr lang="en-US" i="1">
+                                  <a:latin typeface="Cambria Math" panose="02040503050406030204" pitchFamily="18" charset="0"/>
+                                </a:rPr>
                                 <m:t>1</m:t>
                               </m:r>
                             </m:e>
@@ -35018,7 +38414,9 @@
                               <m:func>
                                 <m:funcPr>
                                   <m:ctrlPr>
-                                    <a:rPr lang="en-US" i="1"/>
+                                    <a:rPr lang="en-US" i="1">
+                                      <a:latin typeface="Cambria Math" panose="02040503050406030204" pitchFamily="18" charset="0"/>
+                                    </a:rPr>
                                   </m:ctrlPr>
                                 </m:funcPr>
                                 <m:fName>
@@ -35026,7 +38424,9 @@
                                     <m:rPr>
                                       <m:sty m:val="p"/>
                                     </m:rPr>
-                                    <a:rPr lang="en-US"/>
+                                    <a:rPr lang="en-US">
+                                      <a:latin typeface="Cambria Math" panose="02040503050406030204" pitchFamily="18" charset="0"/>
+                                    </a:rPr>
                                     <m:t>tan</m:t>
                                   </m:r>
                                 </m:fName>
@@ -35034,25 +38434,33 @@
                                   <m:d>
                                     <m:dPr>
                                       <m:ctrlPr>
-                                        <a:rPr lang="en-US" i="1"/>
+                                        <a:rPr lang="en-US" i="1">
+                                          <a:latin typeface="Cambria Math" panose="02040503050406030204" pitchFamily="18" charset="0"/>
+                                        </a:rPr>
                                       </m:ctrlPr>
                                     </m:dPr>
                                     <m:e>
                                       <m:sSub>
                                         <m:sSubPr>
                                           <m:ctrlPr>
-                                            <a:rPr lang="en-US" i="1"/>
+                                            <a:rPr lang="en-US" i="1">
+                                              <a:latin typeface="Cambria Math" panose="02040503050406030204" pitchFamily="18" charset="0"/>
+                                            </a:rPr>
                                           </m:ctrlPr>
                                         </m:sSubPr>
                                         <m:e>
                                           <m:r>
-                                            <a:rPr lang="en-US" i="1"/>
+                                            <a:rPr lang="en-US" i="1">
+                                              <a:latin typeface="Cambria Math" panose="02040503050406030204" pitchFamily="18" charset="0"/>
+                                            </a:rPr>
                                             <m:t>𝜃</m:t>
                                           </m:r>
                                         </m:e>
                                         <m:sub>
                                           <m:r>
-                                            <a:rPr lang="en-US" i="1"/>
+                                            <a:rPr lang="en-US" i="1">
+                                              <a:latin typeface="Cambria Math" panose="02040503050406030204" pitchFamily="18" charset="0"/>
+                                            </a:rPr>
                                             <m:t>0</m:t>
                                           </m:r>
                                         </m:sub>
@@ -35064,13 +38472,17 @@
                             </m:e>
                             <m:e>
                               <m:r>
-                                <a:rPr lang="en-US" i="1"/>
+                                <a:rPr lang="en-US" i="1">
+                                  <a:latin typeface="Cambria Math" panose="02040503050406030204" pitchFamily="18" charset="0"/>
+                                </a:rPr>
                                 <m:t>0</m:t>
                               </m:r>
                             </m:e>
                             <m:e>
                               <m:r>
-                                <a:rPr lang="en-US" i="1"/>
+                                <a:rPr lang="en-US" i="1">
+                                  <a:latin typeface="Cambria Math" panose="02040503050406030204" pitchFamily="18" charset="0"/>
+                                </a:rPr>
                                 <m:t>0</m:t>
                               </m:r>
                             </m:e>
@@ -35078,13 +38490,17 @@
                           <m:mr>
                             <m:e>
                               <m:r>
-                                <a:rPr lang="en-US" i="1"/>
+                                <a:rPr lang="en-US" i="1">
+                                  <a:latin typeface="Cambria Math" panose="02040503050406030204" pitchFamily="18" charset="0"/>
+                                </a:rPr>
                                 <m:t>0</m:t>
                               </m:r>
                             </m:e>
                             <m:e>
                               <m:r>
-                                <a:rPr lang="en-US" i="1"/>
+                                <a:rPr lang="en-US" i="1">
+                                  <a:latin typeface="Cambria Math" panose="02040503050406030204" pitchFamily="18" charset="0"/>
+                                </a:rPr>
                                 <m:t>0</m:t>
                               </m:r>
                             </m:e>
@@ -35092,7 +38508,9 @@
                               <m:func>
                                 <m:funcPr>
                                   <m:ctrlPr>
-                                    <a:rPr lang="en-US" i="1"/>
+                                    <a:rPr lang="en-US" i="1">
+                                      <a:latin typeface="Cambria Math" panose="02040503050406030204" pitchFamily="18" charset="0"/>
+                                    </a:rPr>
                                   </m:ctrlPr>
                                 </m:funcPr>
                                 <m:fName>
@@ -35100,7 +38518,9 @@
                                     <m:rPr>
                                       <m:sty m:val="p"/>
                                     </m:rPr>
-                                    <a:rPr lang="en-US"/>
+                                    <a:rPr lang="en-US">
+                                      <a:latin typeface="Cambria Math" panose="02040503050406030204" pitchFamily="18" charset="0"/>
+                                    </a:rPr>
                                     <m:t>sec</m:t>
                                   </m:r>
                                 </m:fName>
@@ -35108,25 +38528,33 @@
                                   <m:d>
                                     <m:dPr>
                                       <m:ctrlPr>
-                                        <a:rPr lang="en-US" i="1"/>
+                                        <a:rPr lang="en-US" i="1">
+                                          <a:latin typeface="Cambria Math" panose="02040503050406030204" pitchFamily="18" charset="0"/>
+                                        </a:rPr>
                                       </m:ctrlPr>
                                     </m:dPr>
                                     <m:e>
                                       <m:sSub>
                                         <m:sSubPr>
                                           <m:ctrlPr>
-                                            <a:rPr lang="en-US" i="1"/>
+                                            <a:rPr lang="en-US" i="1">
+                                              <a:latin typeface="Cambria Math" panose="02040503050406030204" pitchFamily="18" charset="0"/>
+                                            </a:rPr>
                                           </m:ctrlPr>
                                         </m:sSubPr>
                                         <m:e>
                                           <m:r>
-                                            <a:rPr lang="en-US" i="1"/>
+                                            <a:rPr lang="en-US" i="1">
+                                              <a:latin typeface="Cambria Math" panose="02040503050406030204" pitchFamily="18" charset="0"/>
+                                            </a:rPr>
                                             <m:t>𝜃</m:t>
                                           </m:r>
                                         </m:e>
                                         <m:sub>
                                           <m:r>
-                                            <a:rPr lang="en-US" i="1"/>
+                                            <a:rPr lang="en-US" i="1">
+                                              <a:latin typeface="Cambria Math" panose="02040503050406030204" pitchFamily="18" charset="0"/>
+                                            </a:rPr>
                                             <m:t>0</m:t>
                                           </m:r>
                                         </m:sub>
@@ -35138,13 +38566,17 @@
                             </m:e>
                             <m:e>
                               <m:r>
-                                <a:rPr lang="en-US" i="1"/>
+                                <a:rPr lang="en-US" i="1">
+                                  <a:latin typeface="Cambria Math" panose="02040503050406030204" pitchFamily="18" charset="0"/>
+                                </a:rPr>
                                 <m:t>0</m:t>
                               </m:r>
                             </m:e>
                             <m:e>
                               <m:r>
-                                <a:rPr lang="en-US" i="1"/>
+                                <a:rPr lang="en-US" i="1">
+                                  <a:latin typeface="Cambria Math" panose="02040503050406030204" pitchFamily="18" charset="0"/>
+                                </a:rPr>
                                 <m:t>0</m:t>
                               </m:r>
                             </m:e>
@@ -35157,14 +38589,18 @@
                         <m:begChr m:val="["/>
                         <m:endChr m:val="]"/>
                         <m:ctrlPr>
-                          <a:rPr lang="en-US" i="1"/>
+                          <a:rPr lang="en-US" i="1">
+                            <a:latin typeface="Cambria Math" panose="02040503050406030204" pitchFamily="18" charset="0"/>
+                          </a:rPr>
                         </m:ctrlPr>
                       </m:dPr>
                       <m:e>
                         <m:eqArr>
                           <m:eqArrPr>
                             <m:ctrlPr>
-                              <a:rPr lang="en-US" i="1"/>
+                              <a:rPr lang="en-US" i="1">
+                                <a:latin typeface="Cambria Math" panose="02040503050406030204" pitchFamily="18" charset="0"/>
+                              </a:rPr>
                             </m:ctrlPr>
                           </m:eqArrPr>
                           <m:e>
@@ -35172,11 +38608,15 @@
                               <m:rPr>
                                 <m:sty m:val="p"/>
                               </m:rPr>
-                              <a:rPr lang="en-US"/>
+                              <a:rPr lang="en-US">
+                                <a:latin typeface="Cambria Math" panose="02040503050406030204" pitchFamily="18" charset="0"/>
+                              </a:rPr>
                               <m:t>Δ</m:t>
                             </m:r>
                             <m:r>
-                              <a:rPr lang="en-US" i="1"/>
+                              <a:rPr lang="en-US" i="1">
+                                <a:latin typeface="Cambria Math" panose="02040503050406030204" pitchFamily="18" charset="0"/>
+                              </a:rPr>
                               <m:t>𝛽</m:t>
                             </m:r>
                           </m:e>
@@ -35185,11 +38625,15 @@
                               <m:rPr>
                                 <m:sty m:val="p"/>
                               </m:rPr>
-                              <a:rPr lang="en-US"/>
+                              <a:rPr lang="en-US">
+                                <a:latin typeface="Cambria Math" panose="02040503050406030204" pitchFamily="18" charset="0"/>
+                              </a:rPr>
                               <m:t>Δ</m:t>
                             </m:r>
                             <m:r>
-                              <a:rPr lang="en-US" i="1"/>
+                              <a:rPr lang="en-US" i="1">
+                                <a:latin typeface="Cambria Math" panose="02040503050406030204" pitchFamily="18" charset="0"/>
+                              </a:rPr>
                               <m:t>𝑝</m:t>
                             </m:r>
                           </m:e>
@@ -35198,11 +38642,15 @@
                               <m:rPr>
                                 <m:sty m:val="p"/>
                               </m:rPr>
-                              <a:rPr lang="en-US"/>
+                              <a:rPr lang="en-US">
+                                <a:latin typeface="Cambria Math" panose="02040503050406030204" pitchFamily="18" charset="0"/>
+                              </a:rPr>
                               <m:t>Δ</m:t>
                             </m:r>
                             <m:r>
-                              <a:rPr lang="en-US" i="1"/>
+                              <a:rPr lang="en-US" i="1">
+                                <a:latin typeface="Cambria Math" panose="02040503050406030204" pitchFamily="18" charset="0"/>
+                              </a:rPr>
                               <m:t>𝑟</m:t>
                             </m:r>
                           </m:e>
@@ -35211,11 +38659,15 @@
                               <m:rPr>
                                 <m:sty m:val="p"/>
                               </m:rPr>
-                              <a:rPr lang="en-US"/>
+                              <a:rPr lang="en-US">
+                                <a:latin typeface="Cambria Math" panose="02040503050406030204" pitchFamily="18" charset="0"/>
+                              </a:rPr>
                               <m:t>Δ</m:t>
                             </m:r>
                             <m:r>
-                              <a:rPr lang="en-US" i="1"/>
+                              <a:rPr lang="en-US" i="1">
+                                <a:latin typeface="Cambria Math" panose="02040503050406030204" pitchFamily="18" charset="0"/>
+                              </a:rPr>
                               <m:t>𝜑</m:t>
                             </m:r>
                           </m:e>
@@ -35224,11 +38676,15 @@
                               <m:rPr>
                                 <m:sty m:val="p"/>
                               </m:rPr>
-                              <a:rPr lang="en-US"/>
+                              <a:rPr lang="en-US">
+                                <a:latin typeface="Cambria Math" panose="02040503050406030204" pitchFamily="18" charset="0"/>
+                              </a:rPr>
                               <m:t>Δ</m:t>
                             </m:r>
                             <m:r>
-                              <a:rPr lang="en-US" i="1"/>
+                              <a:rPr lang="en-US" i="1">
+                                <a:latin typeface="Cambria Math" panose="02040503050406030204" pitchFamily="18" charset="0"/>
+                              </a:rPr>
                               <m:t>𝜓</m:t>
                             </m:r>
                           </m:e>
@@ -35236,7 +38692,9 @@
                       </m:e>
                     </m:d>
                     <m:r>
-                      <a:rPr lang="en-US" i="1"/>
+                      <a:rPr lang="en-US" i="1">
+                        <a:latin typeface="Cambria Math" panose="02040503050406030204" pitchFamily="18" charset="0"/>
+                      </a:rPr>
                       <m:t>+</m:t>
                     </m:r>
                     <m:d>
@@ -35244,7 +38702,9 @@
                         <m:begChr m:val="["/>
                         <m:endChr m:val="]"/>
                         <m:ctrlPr>
-                          <a:rPr lang="en-US" i="1"/>
+                          <a:rPr lang="en-US" i="1">
+                            <a:latin typeface="Cambria Math" panose="02040503050406030204" pitchFamily="18" charset="0"/>
+                          </a:rPr>
                         </m:ctrlPr>
                       </m:dPr>
                       <m:e>
@@ -35259,7 +38719,9 @@
                               </m:mc>
                             </m:mcs>
                             <m:ctrlPr>
-                              <a:rPr lang="en-US" i="1"/>
+                              <a:rPr lang="en-US" i="1">
+                                <a:latin typeface="Cambria Math" panose="02040503050406030204" pitchFamily="18" charset="0"/>
+                              </a:rPr>
                             </m:ctrlPr>
                           </m:mPr>
                           <m:mr>
@@ -35267,29 +38729,39 @@
                               <m:f>
                                 <m:fPr>
                                   <m:ctrlPr>
-                                    <a:rPr lang="en-US" i="1"/>
+                                    <a:rPr lang="en-US" i="1">
+                                      <a:latin typeface="Cambria Math" panose="02040503050406030204" pitchFamily="18" charset="0"/>
+                                    </a:rPr>
                                   </m:ctrlPr>
                                 </m:fPr>
                                 <m:num>
                                   <m:sSub>
                                     <m:sSubPr>
                                       <m:ctrlPr>
-                                        <a:rPr lang="en-US" i="1"/>
+                                        <a:rPr lang="en-US" i="1">
+                                          <a:latin typeface="Cambria Math" panose="02040503050406030204" pitchFamily="18" charset="0"/>
+                                        </a:rPr>
                                       </m:ctrlPr>
                                     </m:sSubPr>
                                     <m:e>
                                       <m:r>
-                                        <a:rPr lang="en-US" i="1"/>
+                                        <a:rPr lang="en-US" i="1">
+                                          <a:latin typeface="Cambria Math" panose="02040503050406030204" pitchFamily="18" charset="0"/>
+                                        </a:rPr>
                                         <m:t>𝑌</m:t>
                                       </m:r>
                                     </m:e>
                                     <m:sub>
                                       <m:r>
-                                        <a:rPr lang="en-US" i="1"/>
+                                        <a:rPr lang="en-US" i="1">
+                                          <a:latin typeface="Cambria Math" panose="02040503050406030204" pitchFamily="18" charset="0"/>
+                                        </a:rPr>
                                         <m:t>𝛿</m:t>
                                       </m:r>
                                       <m:r>
-                                        <a:rPr lang="en-US" i="1"/>
+                                        <a:rPr lang="en-US" i="1">
+                                          <a:latin typeface="Cambria Math" panose="02040503050406030204" pitchFamily="18" charset="0"/>
+                                        </a:rPr>
                                         <m:t>𝑎</m:t>
                                       </m:r>
                                     </m:sub>
@@ -35299,18 +38771,24 @@
                                   <m:sSub>
                                     <m:sSubPr>
                                       <m:ctrlPr>
-                                        <a:rPr lang="en-US" i="1"/>
+                                        <a:rPr lang="en-US" i="1">
+                                          <a:latin typeface="Cambria Math" panose="02040503050406030204" pitchFamily="18" charset="0"/>
+                                        </a:rPr>
                                       </m:ctrlPr>
                                     </m:sSubPr>
                                     <m:e>
                                       <m:r>
-                                        <a:rPr lang="en-US" i="1"/>
+                                        <a:rPr lang="en-US" i="1">
+                                          <a:latin typeface="Cambria Math" panose="02040503050406030204" pitchFamily="18" charset="0"/>
+                                        </a:rPr>
                                         <m:t>𝑉</m:t>
                                       </m:r>
                                     </m:e>
                                     <m:sub>
                                       <m:r>
-                                        <a:rPr lang="en-US" i="1"/>
+                                        <a:rPr lang="en-US" i="1">
+                                          <a:latin typeface="Cambria Math" panose="02040503050406030204" pitchFamily="18" charset="0"/>
+                                        </a:rPr>
                                         <m:t>𝑡𝑜</m:t>
                                       </m:r>
                                     </m:sub>
@@ -35322,19 +38800,25 @@
                               <m:f>
                                 <m:fPr>
                                   <m:ctrlPr>
-                                    <a:rPr lang="en-US" i="1"/>
+                                    <a:rPr lang="en-US" i="1">
+                                      <a:latin typeface="Cambria Math" panose="02040503050406030204" pitchFamily="18" charset="0"/>
+                                    </a:rPr>
                                   </m:ctrlPr>
                                 </m:fPr>
                                 <m:num>
                                   <m:sSub>
                                     <m:sSubPr>
                                       <m:ctrlPr>
-                                        <a:rPr lang="en-US" i="1"/>
+                                        <a:rPr lang="en-US" i="1">
+                                          <a:latin typeface="Cambria Math" panose="02040503050406030204" pitchFamily="18" charset="0"/>
+                                        </a:rPr>
                                       </m:ctrlPr>
                                     </m:sSubPr>
                                     <m:e>
                                       <m:r>
-                                        <a:rPr lang="en-US" i="1"/>
+                                        <a:rPr lang="en-US" i="1">
+                                          <a:latin typeface="Cambria Math" panose="02040503050406030204" pitchFamily="18" charset="0"/>
+                                        </a:rPr>
                                         <m:t>𝑌</m:t>
                                       </m:r>
                                     </m:e>
@@ -35342,18 +38826,24 @@
                                       <m:sSub>
                                         <m:sSubPr>
                                           <m:ctrlPr>
-                                            <a:rPr lang="en-US" i="1"/>
+                                            <a:rPr lang="en-US" i="1">
+                                              <a:latin typeface="Cambria Math" panose="02040503050406030204" pitchFamily="18" charset="0"/>
+                                            </a:rPr>
                                           </m:ctrlPr>
                                         </m:sSubPr>
                                         <m:e>
                                           <m:r>
-                                            <a:rPr lang="en-US" i="1"/>
+                                            <a:rPr lang="en-US" i="1">
+                                              <a:latin typeface="Cambria Math" panose="02040503050406030204" pitchFamily="18" charset="0"/>
+                                            </a:rPr>
                                             <m:t>𝛿</m:t>
                                           </m:r>
                                         </m:e>
                                         <m:sub>
                                           <m:r>
-                                            <a:rPr lang="en-US" i="1"/>
+                                            <a:rPr lang="en-US" i="1">
+                                              <a:latin typeface="Cambria Math" panose="02040503050406030204" pitchFamily="18" charset="0"/>
+                                            </a:rPr>
                                             <m:t>𝑟</m:t>
                                           </m:r>
                                         </m:sub>
@@ -35365,18 +38855,24 @@
                                   <m:sSub>
                                     <m:sSubPr>
                                       <m:ctrlPr>
-                                        <a:rPr lang="en-US" i="1"/>
+                                        <a:rPr lang="en-US" i="1">
+                                          <a:latin typeface="Cambria Math" panose="02040503050406030204" pitchFamily="18" charset="0"/>
+                                        </a:rPr>
                                       </m:ctrlPr>
                                     </m:sSubPr>
                                     <m:e>
                                       <m:r>
-                                        <a:rPr lang="en-US" i="1"/>
+                                        <a:rPr lang="en-US" i="1">
+                                          <a:latin typeface="Cambria Math" panose="02040503050406030204" pitchFamily="18" charset="0"/>
+                                        </a:rPr>
                                         <m:t>𝑉</m:t>
                                       </m:r>
                                     </m:e>
                                     <m:sub>
                                       <m:r>
-                                        <a:rPr lang="en-US" i="1"/>
+                                        <a:rPr lang="en-US" i="1">
+                                          <a:latin typeface="Cambria Math" panose="02040503050406030204" pitchFamily="18" charset="0"/>
+                                        </a:rPr>
                                         <m:t>𝑡𝑜</m:t>
                                       </m:r>
                                     </m:sub>
@@ -35390,12 +38886,16 @@
                               <m:sSubSup>
                                 <m:sSubSupPr>
                                   <m:ctrlPr>
-                                    <a:rPr lang="en-US" i="1"/>
+                                    <a:rPr lang="en-US" i="1">
+                                      <a:latin typeface="Cambria Math" panose="02040503050406030204" pitchFamily="18" charset="0"/>
+                                    </a:rPr>
                                   </m:ctrlPr>
                                 </m:sSubSupPr>
                                 <m:e>
                                   <m:r>
-                                    <a:rPr lang="en-US" i="1"/>
+                                    <a:rPr lang="en-US" i="1">
+                                      <a:latin typeface="Cambria Math" panose="02040503050406030204" pitchFamily="18" charset="0"/>
+                                    </a:rPr>
                                     <m:t>𝐿</m:t>
                                   </m:r>
                                 </m:e>
@@ -35403,18 +38903,24 @@
                                   <m:sSub>
                                     <m:sSubPr>
                                       <m:ctrlPr>
-                                        <a:rPr lang="en-US" i="1"/>
+                                        <a:rPr lang="en-US" i="1">
+                                          <a:latin typeface="Cambria Math" panose="02040503050406030204" pitchFamily="18" charset="0"/>
+                                        </a:rPr>
                                       </m:ctrlPr>
                                     </m:sSubPr>
                                     <m:e>
                                       <m:r>
-                                        <a:rPr lang="en-US" i="1"/>
+                                        <a:rPr lang="en-US" i="1">
+                                          <a:latin typeface="Cambria Math" panose="02040503050406030204" pitchFamily="18" charset="0"/>
+                                        </a:rPr>
                                         <m:t>𝛿</m:t>
                                       </m:r>
                                     </m:e>
                                     <m:sub>
                                       <m:r>
-                                        <a:rPr lang="en-US" i="1"/>
+                                        <a:rPr lang="en-US" i="1">
+                                          <a:latin typeface="Cambria Math" panose="02040503050406030204" pitchFamily="18" charset="0"/>
+                                        </a:rPr>
                                         <m:t>𝑎</m:t>
                                       </m:r>
                                     </m:sub>
@@ -35422,7 +38928,9 @@
                                 </m:sub>
                                 <m:sup>
                                   <m:r>
-                                    <a:rPr lang="en-US" i="1"/>
+                                    <a:rPr lang="en-US" i="1">
+                                      <a:latin typeface="Cambria Math" panose="02040503050406030204" pitchFamily="18" charset="0"/>
+                                    </a:rPr>
                                     <m:t>∗</m:t>
                                   </m:r>
                                 </m:sup>
@@ -35430,18 +38938,24 @@
                             </m:e>
                             <m:e>
                               <m:r>
-                                <a:rPr lang="en-US" i="1"/>
+                                <a:rPr lang="en-US" i="1">
+                                  <a:latin typeface="Cambria Math" panose="02040503050406030204" pitchFamily="18" charset="0"/>
+                                </a:rPr>
                                 <m:t> </m:t>
                               </m:r>
                               <m:sSubSup>
                                 <m:sSubSupPr>
                                   <m:ctrlPr>
-                                    <a:rPr lang="en-US" i="1"/>
+                                    <a:rPr lang="en-US" i="1">
+                                      <a:latin typeface="Cambria Math" panose="02040503050406030204" pitchFamily="18" charset="0"/>
+                                    </a:rPr>
                                   </m:ctrlPr>
                                 </m:sSubSupPr>
                                 <m:e>
                                   <m:r>
-                                    <a:rPr lang="en-US" i="1"/>
+                                    <a:rPr lang="en-US" i="1">
+                                      <a:latin typeface="Cambria Math" panose="02040503050406030204" pitchFamily="18" charset="0"/>
+                                    </a:rPr>
                                     <m:t>𝐿</m:t>
                                   </m:r>
                                 </m:e>
@@ -35449,18 +38963,24 @@
                                   <m:sSub>
                                     <m:sSubPr>
                                       <m:ctrlPr>
-                                        <a:rPr lang="en-US" i="1"/>
+                                        <a:rPr lang="en-US" i="1">
+                                          <a:latin typeface="Cambria Math" panose="02040503050406030204" pitchFamily="18" charset="0"/>
+                                        </a:rPr>
                                       </m:ctrlPr>
                                     </m:sSubPr>
                                     <m:e>
                                       <m:r>
-                                        <a:rPr lang="en-US" i="1"/>
+                                        <a:rPr lang="en-US" i="1">
+                                          <a:latin typeface="Cambria Math" panose="02040503050406030204" pitchFamily="18" charset="0"/>
+                                        </a:rPr>
                                         <m:t>𝛿</m:t>
                                       </m:r>
                                     </m:e>
                                     <m:sub>
                                       <m:r>
-                                        <a:rPr lang="en-US" i="1"/>
+                                        <a:rPr lang="en-US" i="1">
+                                          <a:latin typeface="Cambria Math" panose="02040503050406030204" pitchFamily="18" charset="0"/>
+                                        </a:rPr>
                                         <m:t>𝑟</m:t>
                                       </m:r>
                                     </m:sub>
@@ -35468,7 +38988,9 @@
                                 </m:sub>
                                 <m:sup>
                                   <m:r>
-                                    <a:rPr lang="en-US" i="1"/>
+                                    <a:rPr lang="en-US" i="1">
+                                      <a:latin typeface="Cambria Math" panose="02040503050406030204" pitchFamily="18" charset="0"/>
+                                    </a:rPr>
                                     <m:t>∗</m:t>
                                   </m:r>
                                 </m:sup>
@@ -35478,24 +39000,32 @@
                           <m:mr>
                             <m:e>
                               <m:r>
-                                <a:rPr lang="en-US" i="1"/>
+                                <a:rPr lang="en-US" i="1">
+                                  <a:latin typeface="Cambria Math" panose="02040503050406030204" pitchFamily="18" charset="0"/>
+                                </a:rPr>
                                 <m:t>∆</m:t>
                               </m:r>
                               <m:sSub>
                                 <m:sSubPr>
                                   <m:ctrlPr>
-                                    <a:rPr lang="en-US" i="1"/>
+                                    <a:rPr lang="en-US" i="1">
+                                      <a:latin typeface="Cambria Math" panose="02040503050406030204" pitchFamily="18" charset="0"/>
+                                    </a:rPr>
                                   </m:ctrlPr>
                                 </m:sSubPr>
                                 <m:e>
                                   <m:r>
-                                    <a:rPr lang="en-US" i="1"/>
+                                    <a:rPr lang="en-US" i="1">
+                                      <a:latin typeface="Cambria Math" panose="02040503050406030204" pitchFamily="18" charset="0"/>
+                                    </a:rPr>
                                     <m:t>𝛿</m:t>
                                   </m:r>
                                 </m:e>
                                 <m:sub>
                                   <m:r>
-                                    <a:rPr lang="en-US" i="1"/>
+                                    <a:rPr lang="en-US" i="1">
+                                      <a:latin typeface="Cambria Math" panose="02040503050406030204" pitchFamily="18" charset="0"/>
+                                    </a:rPr>
                                     <m:t>𝑎</m:t>
                                   </m:r>
                                 </m:sub>
@@ -35503,18 +39033,24 @@
                             </m:e>
                             <m:e>
                               <m:r>
-                                <a:rPr lang="en-US" i="1"/>
+                                <a:rPr lang="en-US" i="1">
+                                  <a:latin typeface="Cambria Math" panose="02040503050406030204" pitchFamily="18" charset="0"/>
+                                </a:rPr>
                                 <m:t> </m:t>
                               </m:r>
                               <m:sSubSup>
                                 <m:sSubSupPr>
                                   <m:ctrlPr>
-                                    <a:rPr lang="en-US" i="1"/>
+                                    <a:rPr lang="en-US" i="1">
+                                      <a:latin typeface="Cambria Math" panose="02040503050406030204" pitchFamily="18" charset="0"/>
+                                    </a:rPr>
                                   </m:ctrlPr>
                                 </m:sSubSupPr>
                                 <m:e>
                                   <m:r>
-                                    <a:rPr lang="en-US" i="1"/>
+                                    <a:rPr lang="en-US" i="1">
+                                      <a:latin typeface="Cambria Math" panose="02040503050406030204" pitchFamily="18" charset="0"/>
+                                    </a:rPr>
                                     <m:t>𝑁</m:t>
                                   </m:r>
                                 </m:e>
@@ -35522,18 +39058,24 @@
                                   <m:sSub>
                                     <m:sSubPr>
                                       <m:ctrlPr>
-                                        <a:rPr lang="en-US" i="1"/>
+                                        <a:rPr lang="en-US" i="1">
+                                          <a:latin typeface="Cambria Math" panose="02040503050406030204" pitchFamily="18" charset="0"/>
+                                        </a:rPr>
                                       </m:ctrlPr>
                                     </m:sSubPr>
                                     <m:e>
                                       <m:r>
-                                        <a:rPr lang="en-US" i="1"/>
+                                        <a:rPr lang="en-US" i="1">
+                                          <a:latin typeface="Cambria Math" panose="02040503050406030204" pitchFamily="18" charset="0"/>
+                                        </a:rPr>
                                         <m:t>𝛿</m:t>
                                       </m:r>
                                     </m:e>
                                     <m:sub>
                                       <m:r>
-                                        <a:rPr lang="en-US" i="1"/>
+                                        <a:rPr lang="en-US" i="1">
+                                          <a:latin typeface="Cambria Math" panose="02040503050406030204" pitchFamily="18" charset="0"/>
+                                        </a:rPr>
                                         <m:t>𝑟</m:t>
                                       </m:r>
                                     </m:sub>
@@ -35541,7 +39083,9 @@
                                 </m:sub>
                                 <m:sup>
                                   <m:r>
-                                    <a:rPr lang="en-US" i="1"/>
+                                    <a:rPr lang="en-US" i="1">
+                                      <a:latin typeface="Cambria Math" panose="02040503050406030204" pitchFamily="18" charset="0"/>
+                                    </a:rPr>
                                     <m:t>∗</m:t>
                                   </m:r>
                                 </m:sup>
@@ -35551,13 +39095,17 @@
                           <m:mr>
                             <m:e>
                               <m:r>
-                                <a:rPr lang="en-US" i="1"/>
+                                <a:rPr lang="en-US" i="1">
+                                  <a:latin typeface="Cambria Math" panose="02040503050406030204" pitchFamily="18" charset="0"/>
+                                </a:rPr>
                                 <m:t>0</m:t>
                               </m:r>
                             </m:e>
                             <m:e>
                               <m:r>
-                                <a:rPr lang="en-US" i="1"/>
+                                <a:rPr lang="en-US" i="1">
+                                  <a:latin typeface="Cambria Math" panose="02040503050406030204" pitchFamily="18" charset="0"/>
+                                </a:rPr>
                                 <m:t>0</m:t>
                               </m:r>
                             </m:e>
@@ -35565,13 +39113,17 @@
                           <m:mr>
                             <m:e>
                               <m:r>
-                                <a:rPr lang="en-US" i="1"/>
+                                <a:rPr lang="en-US" i="1">
+                                  <a:latin typeface="Cambria Math" panose="02040503050406030204" pitchFamily="18" charset="0"/>
+                                </a:rPr>
                                 <m:t>0</m:t>
                               </m:r>
                             </m:e>
                             <m:e>
                               <m:r>
-                                <a:rPr lang="en-US" i="1"/>
+                                <a:rPr lang="en-US" i="1">
+                                  <a:latin typeface="Cambria Math" panose="02040503050406030204" pitchFamily="18" charset="0"/>
+                                </a:rPr>
                                 <m:t>0</m:t>
                               </m:r>
                             </m:e>
@@ -35584,36 +39136,48 @@
                         <m:begChr m:val="["/>
                         <m:endChr m:val="]"/>
                         <m:ctrlPr>
-                          <a:rPr lang="en-US" i="1"/>
+                          <a:rPr lang="en-US" i="1">
+                            <a:latin typeface="Cambria Math" panose="02040503050406030204" pitchFamily="18" charset="0"/>
+                          </a:rPr>
                         </m:ctrlPr>
                       </m:dPr>
                       <m:e>
                         <m:eqArr>
                           <m:eqArrPr>
                             <m:ctrlPr>
-                              <a:rPr lang="en-US" i="1"/>
+                              <a:rPr lang="en-US" i="1">
+                                <a:latin typeface="Cambria Math" panose="02040503050406030204" pitchFamily="18" charset="0"/>
+                              </a:rPr>
                             </m:ctrlPr>
                           </m:eqArrPr>
                           <m:e>
                             <m:r>
-                              <a:rPr lang="en-US" i="1"/>
+                              <a:rPr lang="en-US" i="1">
+                                <a:latin typeface="Cambria Math" panose="02040503050406030204" pitchFamily="18" charset="0"/>
+                              </a:rPr>
                               <m:t> ∆</m:t>
                             </m:r>
                             <m:sSub>
                               <m:sSubPr>
                                 <m:ctrlPr>
-                                  <a:rPr lang="en-US" i="1"/>
+                                  <a:rPr lang="en-US" i="1">
+                                    <a:latin typeface="Cambria Math" panose="02040503050406030204" pitchFamily="18" charset="0"/>
+                                  </a:rPr>
                                 </m:ctrlPr>
                               </m:sSubPr>
                               <m:e>
                                 <m:r>
-                                  <a:rPr lang="en-US" i="1"/>
+                                  <a:rPr lang="en-US" i="1">
+                                    <a:latin typeface="Cambria Math" panose="02040503050406030204" pitchFamily="18" charset="0"/>
+                                  </a:rPr>
                                   <m:t>𝛿</m:t>
                                 </m:r>
                               </m:e>
                               <m:sub>
                                 <m:r>
-                                  <a:rPr lang="en-US" i="1"/>
+                                  <a:rPr lang="en-US" i="1">
+                                    <a:latin typeface="Cambria Math" panose="02040503050406030204" pitchFamily="18" charset="0"/>
+                                  </a:rPr>
                                   <m:t>𝑎</m:t>
                                 </m:r>
                               </m:sub>
@@ -35621,24 +39185,32 @@
                           </m:e>
                           <m:e>
                             <m:r>
-                              <a:rPr lang="en-US" i="1"/>
+                              <a:rPr lang="en-US" i="1">
+                                <a:latin typeface="Cambria Math" panose="02040503050406030204" pitchFamily="18" charset="0"/>
+                              </a:rPr>
                               <m:t> ∆</m:t>
                             </m:r>
                             <m:sSub>
                               <m:sSubPr>
                                 <m:ctrlPr>
-                                  <a:rPr lang="en-US" i="1"/>
+                                  <a:rPr lang="en-US" i="1">
+                                    <a:latin typeface="Cambria Math" panose="02040503050406030204" pitchFamily="18" charset="0"/>
+                                  </a:rPr>
                                 </m:ctrlPr>
                               </m:sSubPr>
                               <m:e>
                                 <m:r>
-                                  <a:rPr lang="en-US" i="1"/>
+                                  <a:rPr lang="en-US" i="1">
+                                    <a:latin typeface="Cambria Math" panose="02040503050406030204" pitchFamily="18" charset="0"/>
+                                  </a:rPr>
                                   <m:t>𝛿</m:t>
                                 </m:r>
                               </m:e>
                               <m:sub>
                                 <m:r>
-                                  <a:rPr lang="en-US" i="1"/>
+                                  <a:rPr lang="en-US" i="1">
+                                    <a:latin typeface="Cambria Math" panose="02040503050406030204" pitchFamily="18" charset="0"/>
+                                  </a:rPr>
                                   <m:t>𝑟</m:t>
                                 </m:r>
                               </m:sub>
@@ -35661,7 +39233,7 @@
             </p:txBody>
           </p:sp>
         </mc:Choice>
-        <mc:Fallback>
+        <mc:Fallback xmlns="">
           <p:sp>
             <p:nvSpPr>
               <p:cNvPr id="3" name="Content Placeholder 2">
